--- a/121/slides-121-cats-01-chairs-slides-03.pptx
+++ b/121/slides-121-cats-01-chairs-slides-03.pptx
@@ -3,23 +3,23 @@
 <p:presentation xmlns:a="http://schemas.openxmlformats.org/drawingml/2006/main" xmlns:r="http://schemas.openxmlformats.org/officeDocument/2006/relationships" xmlns:p="http://schemas.openxmlformats.org/presentationml/2006/main" showSpecialPlsOnTitleSld="0">
   <p:sldMasterIdLst>
     <p:sldMasterId id="2147483648" r:id="rId1"/>
-    <p:sldMasterId id="2147483660" r:id="rId3"/>
+    <p:sldMasterId id="2147483660" r:id="rId2"/>
   </p:sldMasterIdLst>
   <p:notesMasterIdLst>
-    <p:notesMasterId r:id="rId5"/>
+    <p:notesMasterId r:id="rId14"/>
   </p:notesMasterIdLst>
   <p:sldIdLst>
-    <p:sldId id="259" r:id="rId4"/>
-    <p:sldId id="302" r:id="rId6"/>
-    <p:sldId id="329" r:id="rId7"/>
-    <p:sldId id="331" r:id="rId8"/>
-    <p:sldId id="330" r:id="rId9"/>
-    <p:sldId id="335" r:id="rId10"/>
-    <p:sldId id="338" r:id="rId11"/>
-    <p:sldId id="336" r:id="rId12"/>
-    <p:sldId id="339" r:id="rId13"/>
-    <p:sldId id="332" r:id="rId14"/>
-    <p:sldId id="333" r:id="rId15"/>
+    <p:sldId id="259" r:id="rId3"/>
+    <p:sldId id="302" r:id="rId4"/>
+    <p:sldId id="329" r:id="rId5"/>
+    <p:sldId id="331" r:id="rId6"/>
+    <p:sldId id="330" r:id="rId7"/>
+    <p:sldId id="335" r:id="rId8"/>
+    <p:sldId id="338" r:id="rId9"/>
+    <p:sldId id="336" r:id="rId10"/>
+    <p:sldId id="339" r:id="rId11"/>
+    <p:sldId id="332" r:id="rId12"/>
+    <p:sldId id="333" r:id="rId13"/>
   </p:sldIdLst>
   <p:sldSz cx="11887200" cy="6858000"/>
   <p:notesSz cx="6858000" cy="9144000"/>
@@ -118,6 +118,22 @@
       </a:defRPr>
     </a:lvl9pPr>
   </p:defaultTextStyle>
+  <p:extLst>
+    <p:ext uri="{EFAFB233-063F-42B5-8137-9DF3F51BA10A}">
+      <p15:sldGuideLst xmlns:p15="http://schemas.microsoft.com/office/powerpoint/2012/main">
+        <p15:guide id="1" orient="horz" pos="2138">
+          <p15:clr>
+            <a:srgbClr val="A4A3A4"/>
+          </p15:clr>
+        </p15:guide>
+        <p15:guide id="2" pos="3744">
+          <p15:clr>
+            <a:srgbClr val="A4A3A4"/>
+          </p15:clr>
+        </p15:guide>
+      </p15:sldGuideLst>
+    </p:ext>
+  </p:extLst>
 </p:presentation>
 </file>
 
@@ -203,6 +219,7 @@
           <a:p>
             <a:fld id="{02DDBF3C-9635-4E97-9AA7-0A3790E3F916}" type="datetimeFigureOut">
               <a:rPr lang="en-US" smtClean="0"/>
+              <a:t>10/29/2024</a:t>
             </a:fld>
             <a:endParaRPr lang="en-US"/>
           </a:p>
@@ -269,7 +286,6 @@
               <a:rPr lang="en-US"/>
               <a:t>Click to edit Master text styles</a:t>
             </a:r>
-            <a:endParaRPr lang="en-US"/>
           </a:p>
           <a:p>
             <a:pPr lvl="1"/>
@@ -277,7 +293,6 @@
               <a:rPr lang="en-US"/>
               <a:t>Second level</a:t>
             </a:r>
-            <a:endParaRPr lang="en-US"/>
           </a:p>
           <a:p>
             <a:pPr lvl="2"/>
@@ -285,7 +300,6 @@
               <a:rPr lang="en-US"/>
               <a:t>Third level</a:t>
             </a:r>
-            <a:endParaRPr lang="en-US"/>
           </a:p>
           <a:p>
             <a:pPr lvl="3"/>
@@ -293,7 +307,6 @@
               <a:rPr lang="en-US"/>
               <a:t>Fourth level</a:t>
             </a:r>
-            <a:endParaRPr lang="en-US"/>
           </a:p>
           <a:p>
             <a:pPr lvl="4"/>
@@ -301,7 +314,6 @@
               <a:rPr lang="en-US"/>
               <a:t>Fifth level</a:t>
             </a:r>
-            <a:endParaRPr lang="en-US"/>
           </a:p>
         </p:txBody>
       </p:sp>
@@ -365,6 +377,7 @@
           <a:p>
             <a:fld id="{F49216B4-0A9C-4F0B-A419-DB087F0AAADF}" type="slidenum">
               <a:rPr lang="en-US" smtClean="0"/>
+              <a:t>‹N°›</a:t>
             </a:fld>
             <a:endParaRPr lang="en-US"/>
           </a:p>
@@ -790,6 +803,7 @@
                   <a:srgbClr val="000000"/>
                 </a:solidFill>
               </a:rPr>
+              <a:t>1</a:t>
             </a:fld>
             <a:endParaRPr lang="en-GB">
               <a:solidFill>
@@ -939,6 +953,7 @@
           <a:p>
             <a:fld id="{F49216B4-0A9C-4F0B-A419-DB087F0AAADF}" type="slidenum">
               <a:rPr lang="en-US" smtClean="0"/>
+              <a:t>2</a:t>
             </a:fld>
             <a:endParaRPr lang="en-US"/>
           </a:p>
@@ -1017,6 +1032,7 @@
           <a:p>
             <a:fld id="{F49216B4-0A9C-4F0B-A419-DB087F0AAADF}" type="slidenum">
               <a:rPr lang="en-US" smtClean="0"/>
+              <a:t>10</a:t>
             </a:fld>
             <a:endParaRPr lang="en-US"/>
           </a:p>
@@ -1095,6 +1111,7 @@
           <a:p>
             <a:fld id="{F49216B4-0A9C-4F0B-A419-DB087F0AAADF}" type="slidenum">
               <a:rPr lang="en-US" smtClean="0"/>
+              <a:t>11</a:t>
             </a:fld>
             <a:endParaRPr lang="en-US"/>
           </a:p>
@@ -1149,7 +1166,6 @@
               <a:rPr lang="en-US"/>
               <a:t>Click to edit Master title style</a:t>
             </a:r>
-            <a:endParaRPr lang="en-US"/>
           </a:p>
         </p:txBody>
       </p:sp>
@@ -1268,7 +1284,6 @@
               <a:rPr lang="en-US"/>
               <a:t>Click to edit Master subtitle style</a:t>
             </a:r>
-            <a:endParaRPr lang="en-US"/>
           </a:p>
         </p:txBody>
       </p:sp>
@@ -1289,6 +1304,7 @@
           <a:p>
             <a:fld id="{108FB7B9-CDF6-44DF-B377-FB3417B45298}" type="datetime1">
               <a:rPr lang="en-US" smtClean="0"/>
+              <a:t>10/29/2024</a:t>
             </a:fld>
             <a:endParaRPr lang="en-US" dirty="0"/>
           </a:p>
@@ -1334,6 +1350,7 @@
           <a:p>
             <a:fld id="{2754ED01-E2A0-4C1E-8E21-014B99041579}" type="slidenum">
               <a:rPr lang="en-US" smtClean="0"/>
+              <a:t>‹N°›</a:t>
             </a:fld>
             <a:endParaRPr lang="en-US"/>
           </a:p>
@@ -1383,7 +1400,6 @@
               <a:rPr lang="en-US"/>
               <a:t>Click to edit Master title style</a:t>
             </a:r>
-            <a:endParaRPr lang="en-US"/>
           </a:p>
         </p:txBody>
       </p:sp>
@@ -1407,7 +1423,6 @@
               <a:rPr lang="en-US"/>
               <a:t>Click to edit Master text styles</a:t>
             </a:r>
-            <a:endParaRPr lang="en-US"/>
           </a:p>
           <a:p>
             <a:pPr lvl="1"/>
@@ -1415,7 +1430,6 @@
               <a:rPr lang="en-US"/>
               <a:t>Second level</a:t>
             </a:r>
-            <a:endParaRPr lang="en-US"/>
           </a:p>
           <a:p>
             <a:pPr lvl="2"/>
@@ -1423,7 +1437,6 @@
               <a:rPr lang="en-US"/>
               <a:t>Third level</a:t>
             </a:r>
-            <a:endParaRPr lang="en-US"/>
           </a:p>
           <a:p>
             <a:pPr lvl="3"/>
@@ -1431,7 +1444,6 @@
               <a:rPr lang="en-US"/>
               <a:t>Fourth level</a:t>
             </a:r>
-            <a:endParaRPr lang="en-US"/>
           </a:p>
           <a:p>
             <a:pPr lvl="4"/>
@@ -1439,7 +1451,6 @@
               <a:rPr lang="en-US"/>
               <a:t>Fifth level</a:t>
             </a:r>
-            <a:endParaRPr lang="en-US"/>
           </a:p>
         </p:txBody>
       </p:sp>
@@ -1460,6 +1471,7 @@
           <a:p>
             <a:fld id="{19BA4932-167A-4B65-9C10-0369B156410A}" type="datetime1">
               <a:rPr lang="en-US" smtClean="0"/>
+              <a:t>10/29/2024</a:t>
             </a:fld>
             <a:endParaRPr lang="en-US"/>
           </a:p>
@@ -1505,6 +1517,7 @@
           <a:p>
             <a:fld id="{BA9B540C-44DA-4F69-89C9-7C84606640D3}" type="slidenum">
               <a:rPr lang="en-US" smtClean="0"/>
+              <a:t>‹N°›</a:t>
             </a:fld>
             <a:endParaRPr lang="en-US"/>
           </a:p>
@@ -1559,7 +1572,6 @@
               <a:rPr lang="en-US"/>
               <a:t>Click to edit Master title style</a:t>
             </a:r>
-            <a:endParaRPr lang="en-US"/>
           </a:p>
         </p:txBody>
       </p:sp>
@@ -1588,7 +1600,6 @@
               <a:rPr lang="en-US"/>
               <a:t>Click to edit Master text styles</a:t>
             </a:r>
-            <a:endParaRPr lang="en-US"/>
           </a:p>
           <a:p>
             <a:pPr lvl="1"/>
@@ -1596,7 +1607,6 @@
               <a:rPr lang="en-US"/>
               <a:t>Second level</a:t>
             </a:r>
-            <a:endParaRPr lang="en-US"/>
           </a:p>
           <a:p>
             <a:pPr lvl="2"/>
@@ -1604,7 +1614,6 @@
               <a:rPr lang="en-US"/>
               <a:t>Third level</a:t>
             </a:r>
-            <a:endParaRPr lang="en-US"/>
           </a:p>
           <a:p>
             <a:pPr lvl="3"/>
@@ -1612,7 +1621,6 @@
               <a:rPr lang="en-US"/>
               <a:t>Fourth level</a:t>
             </a:r>
-            <a:endParaRPr lang="en-US"/>
           </a:p>
           <a:p>
             <a:pPr lvl="4"/>
@@ -1620,7 +1628,6 @@
               <a:rPr lang="en-US"/>
               <a:t>Fifth level</a:t>
             </a:r>
-            <a:endParaRPr lang="en-US"/>
           </a:p>
         </p:txBody>
       </p:sp>
@@ -1641,6 +1648,7 @@
           <a:p>
             <a:fld id="{97313B5A-09C5-4F31-8D84-AB88BD532662}" type="datetime1">
               <a:rPr lang="en-US" smtClean="0"/>
+              <a:t>10/29/2024</a:t>
             </a:fld>
             <a:endParaRPr lang="en-US"/>
           </a:p>
@@ -1686,6 +1694,7 @@
           <a:p>
             <a:fld id="{BA9B540C-44DA-4F69-89C9-7C84606640D3}" type="slidenum">
               <a:rPr lang="en-US" smtClean="0"/>
+              <a:t>‹N°›</a:t>
             </a:fld>
             <a:endParaRPr lang="en-US"/>
           </a:p>
@@ -1740,7 +1749,6 @@
               <a:rPr lang="en-US"/>
               <a:t>Click to edit Master title style</a:t>
             </a:r>
-            <a:endParaRPr lang="en-US"/>
           </a:p>
         </p:txBody>
       </p:sp>
@@ -1859,7 +1867,6 @@
               <a:rPr lang="en-US"/>
               <a:t>Click to edit Master subtitle style</a:t>
             </a:r>
-            <a:endParaRPr lang="en-US"/>
           </a:p>
         </p:txBody>
       </p:sp>
@@ -1880,6 +1887,7 @@
           <a:p>
             <a:fld id="{81E5866D-5641-44ED-840F-DD7735F0B045}" type="datetime1">
               <a:rPr lang="en-US" smtClean="0"/>
+              <a:t>10/29/2024</a:t>
             </a:fld>
             <a:endParaRPr lang="en-US" dirty="0"/>
           </a:p>
@@ -1925,6 +1933,7 @@
           <a:p>
             <a:fld id="{2754ED01-E2A0-4C1E-8E21-014B99041579}" type="slidenum">
               <a:rPr lang="en-US" smtClean="0"/>
+              <a:t>‹N°›</a:t>
             </a:fld>
             <a:endParaRPr lang="en-US"/>
           </a:p>
@@ -1979,7 +1988,6 @@
               <a:rPr lang="en-US"/>
               <a:t>Click to edit Master title style</a:t>
             </a:r>
-            <a:endParaRPr lang="en-US"/>
           </a:p>
         </p:txBody>
       </p:sp>
@@ -2008,7 +2016,6 @@
               <a:rPr lang="en-US" dirty="0"/>
               <a:t>Click to edit Master text styles</a:t>
             </a:r>
-            <a:endParaRPr lang="en-US" dirty="0"/>
           </a:p>
           <a:p>
             <a:pPr lvl="1"/>
@@ -2016,7 +2023,6 @@
               <a:rPr lang="en-US" dirty="0"/>
               <a:t>Second level</a:t>
             </a:r>
-            <a:endParaRPr lang="en-US" dirty="0"/>
           </a:p>
           <a:p>
             <a:pPr lvl="2"/>
@@ -2024,7 +2030,6 @@
               <a:rPr lang="en-US" dirty="0"/>
               <a:t>Third level</a:t>
             </a:r>
-            <a:endParaRPr lang="en-US" dirty="0"/>
           </a:p>
           <a:p>
             <a:pPr lvl="3"/>
@@ -2032,7 +2037,6 @@
               <a:rPr lang="en-US" dirty="0"/>
               <a:t>Fourth level</a:t>
             </a:r>
-            <a:endParaRPr lang="en-US" dirty="0"/>
           </a:p>
           <a:p>
             <a:pPr lvl="4"/>
@@ -2040,7 +2044,6 @@
               <a:rPr lang="en-US" dirty="0"/>
               <a:t>Fifth level</a:t>
             </a:r>
-            <a:endParaRPr lang="en-US" dirty="0"/>
           </a:p>
         </p:txBody>
       </p:sp>
@@ -2066,6 +2069,7 @@
           <a:p>
             <a:fld id="{B2D60695-F28B-4C21-B8FC-BE10FBDFBB9E}" type="datetime1">
               <a:rPr lang="en-US" smtClean="0"/>
+              <a:t>10/29/2024</a:t>
             </a:fld>
             <a:endParaRPr lang="en-US"/>
           </a:p>
@@ -2093,6 +2097,7 @@
           <a:p>
             <a:fld id="{BA9B540C-44DA-4F69-89C9-7C84606640D3}" type="slidenum">
               <a:rPr lang="en-US" smtClean="0"/>
+              <a:t>‹N°›</a:t>
             </a:fld>
             <a:endParaRPr lang="en-US"/>
           </a:p>
@@ -2122,7 +2127,6 @@
               <a:rPr lang="en-US" dirty="0"/>
               <a:t>CATS WG - IETF 117, San Francisco – July 2023</a:t>
             </a:r>
-            <a:endParaRPr lang="en-US" dirty="0"/>
           </a:p>
         </p:txBody>
       </p:sp>
@@ -2179,7 +2183,6 @@
               <a:rPr lang="en-US"/>
               <a:t>Click to edit Master title style</a:t>
             </a:r>
-            <a:endParaRPr lang="en-US"/>
           </a:p>
         </p:txBody>
       </p:sp>
@@ -2299,7 +2302,6 @@
               <a:rPr lang="en-US"/>
               <a:t>Click to edit Master text styles</a:t>
             </a:r>
-            <a:endParaRPr lang="en-US"/>
           </a:p>
         </p:txBody>
       </p:sp>
@@ -2320,6 +2322,7 @@
           <a:p>
             <a:fld id="{A92A408C-5E5C-4076-8C99-346C954FEA5B}" type="datetime1">
               <a:rPr lang="en-US" smtClean="0"/>
+              <a:t>10/29/2024</a:t>
             </a:fld>
             <a:endParaRPr lang="en-US"/>
           </a:p>
@@ -2344,7 +2347,6 @@
               <a:rPr lang="en-US"/>
               <a:t>IETF 102 - TEAS Working Group</a:t>
             </a:r>
-            <a:endParaRPr lang="en-US"/>
           </a:p>
         </p:txBody>
       </p:sp>
@@ -2365,6 +2367,7 @@
           <a:p>
             <a:fld id="{BA9B540C-44DA-4F69-89C9-7C84606640D3}" type="slidenum">
               <a:rPr lang="en-US" smtClean="0"/>
+              <a:t>‹N°›</a:t>
             </a:fld>
             <a:endParaRPr lang="en-US"/>
           </a:p>
@@ -2414,7 +2417,6 @@
               <a:rPr lang="en-US"/>
               <a:t>Click to edit Master title style</a:t>
             </a:r>
-            <a:endParaRPr lang="en-US"/>
           </a:p>
         </p:txBody>
       </p:sp>
@@ -2471,7 +2473,6 @@
               <a:rPr lang="en-US"/>
               <a:t>Click to edit Master text styles</a:t>
             </a:r>
-            <a:endParaRPr lang="en-US"/>
           </a:p>
           <a:p>
             <a:pPr lvl="1"/>
@@ -2479,7 +2480,6 @@
               <a:rPr lang="en-US"/>
               <a:t>Second level</a:t>
             </a:r>
-            <a:endParaRPr lang="en-US"/>
           </a:p>
           <a:p>
             <a:pPr lvl="2"/>
@@ -2487,7 +2487,6 @@
               <a:rPr lang="en-US"/>
               <a:t>Third level</a:t>
             </a:r>
-            <a:endParaRPr lang="en-US"/>
           </a:p>
           <a:p>
             <a:pPr lvl="3"/>
@@ -2495,7 +2494,6 @@
               <a:rPr lang="en-US"/>
               <a:t>Fourth level</a:t>
             </a:r>
-            <a:endParaRPr lang="en-US"/>
           </a:p>
           <a:p>
             <a:pPr lvl="4"/>
@@ -2503,7 +2501,6 @@
               <a:rPr lang="en-US"/>
               <a:t>Fifth level</a:t>
             </a:r>
-            <a:endParaRPr lang="en-US"/>
           </a:p>
         </p:txBody>
       </p:sp>
@@ -2560,7 +2557,6 @@
               <a:rPr lang="en-US"/>
               <a:t>Click to edit Master text styles</a:t>
             </a:r>
-            <a:endParaRPr lang="en-US"/>
           </a:p>
           <a:p>
             <a:pPr lvl="1"/>
@@ -2568,7 +2564,6 @@
               <a:rPr lang="en-US"/>
               <a:t>Second level</a:t>
             </a:r>
-            <a:endParaRPr lang="en-US"/>
           </a:p>
           <a:p>
             <a:pPr lvl="2"/>
@@ -2576,7 +2571,6 @@
               <a:rPr lang="en-US"/>
               <a:t>Third level</a:t>
             </a:r>
-            <a:endParaRPr lang="en-US"/>
           </a:p>
           <a:p>
             <a:pPr lvl="3"/>
@@ -2584,7 +2578,6 @@
               <a:rPr lang="en-US"/>
               <a:t>Fourth level</a:t>
             </a:r>
-            <a:endParaRPr lang="en-US"/>
           </a:p>
           <a:p>
             <a:pPr lvl="4"/>
@@ -2592,7 +2585,6 @@
               <a:rPr lang="en-US"/>
               <a:t>Fifth level</a:t>
             </a:r>
-            <a:endParaRPr lang="en-US"/>
           </a:p>
         </p:txBody>
       </p:sp>
@@ -2613,6 +2605,7 @@
           <a:p>
             <a:fld id="{F6EFF467-1375-4C87-9D83-FAEBFC91401A}" type="datetime1">
               <a:rPr lang="en-US" smtClean="0"/>
+              <a:t>10/29/2024</a:t>
             </a:fld>
             <a:endParaRPr lang="en-US"/>
           </a:p>
@@ -2637,7 +2630,6 @@
               <a:rPr lang="en-US"/>
               <a:t>IETF 102 - TEAS Working Group</a:t>
             </a:r>
-            <a:endParaRPr lang="en-US"/>
           </a:p>
         </p:txBody>
       </p:sp>
@@ -2658,6 +2650,7 @@
           <a:p>
             <a:fld id="{BA9B540C-44DA-4F69-89C9-7C84606640D3}" type="slidenum">
               <a:rPr lang="en-US" smtClean="0"/>
+              <a:t>‹N°›</a:t>
             </a:fld>
             <a:endParaRPr lang="en-US"/>
           </a:p>
@@ -2711,7 +2704,6 @@
               <a:rPr lang="en-US"/>
               <a:t>Click to edit Master title style</a:t>
             </a:r>
-            <a:endParaRPr lang="en-US"/>
           </a:p>
         </p:txBody>
       </p:sp>
@@ -2777,7 +2769,6 @@
               <a:rPr lang="en-US"/>
               <a:t>Click to edit Master text styles</a:t>
             </a:r>
-            <a:endParaRPr lang="en-US"/>
           </a:p>
         </p:txBody>
       </p:sp>
@@ -2834,7 +2825,6 @@
               <a:rPr lang="en-US"/>
               <a:t>Click to edit Master text styles</a:t>
             </a:r>
-            <a:endParaRPr lang="en-US"/>
           </a:p>
           <a:p>
             <a:pPr lvl="1"/>
@@ -2842,7 +2832,6 @@
               <a:rPr lang="en-US"/>
               <a:t>Second level</a:t>
             </a:r>
-            <a:endParaRPr lang="en-US"/>
           </a:p>
           <a:p>
             <a:pPr lvl="2"/>
@@ -2850,7 +2839,6 @@
               <a:rPr lang="en-US"/>
               <a:t>Third level</a:t>
             </a:r>
-            <a:endParaRPr lang="en-US"/>
           </a:p>
           <a:p>
             <a:pPr lvl="3"/>
@@ -2858,7 +2846,6 @@
               <a:rPr lang="en-US"/>
               <a:t>Fourth level</a:t>
             </a:r>
-            <a:endParaRPr lang="en-US"/>
           </a:p>
           <a:p>
             <a:pPr lvl="4"/>
@@ -2866,7 +2853,6 @@
               <a:rPr lang="en-US"/>
               <a:t>Fifth level</a:t>
             </a:r>
-            <a:endParaRPr lang="en-US"/>
           </a:p>
         </p:txBody>
       </p:sp>
@@ -2932,7 +2918,6 @@
               <a:rPr lang="en-US"/>
               <a:t>Click to edit Master text styles</a:t>
             </a:r>
-            <a:endParaRPr lang="en-US"/>
           </a:p>
         </p:txBody>
       </p:sp>
@@ -2989,7 +2974,6 @@
               <a:rPr lang="en-US"/>
               <a:t>Click to edit Master text styles</a:t>
             </a:r>
-            <a:endParaRPr lang="en-US"/>
           </a:p>
           <a:p>
             <a:pPr lvl="1"/>
@@ -2997,7 +2981,6 @@
               <a:rPr lang="en-US"/>
               <a:t>Second level</a:t>
             </a:r>
-            <a:endParaRPr lang="en-US"/>
           </a:p>
           <a:p>
             <a:pPr lvl="2"/>
@@ -3005,7 +2988,6 @@
               <a:rPr lang="en-US"/>
               <a:t>Third level</a:t>
             </a:r>
-            <a:endParaRPr lang="en-US"/>
           </a:p>
           <a:p>
             <a:pPr lvl="3"/>
@@ -3013,7 +2995,6 @@
               <a:rPr lang="en-US"/>
               <a:t>Fourth level</a:t>
             </a:r>
-            <a:endParaRPr lang="en-US"/>
           </a:p>
           <a:p>
             <a:pPr lvl="4"/>
@@ -3021,7 +3002,6 @@
               <a:rPr lang="en-US"/>
               <a:t>Fifth level</a:t>
             </a:r>
-            <a:endParaRPr lang="en-US"/>
           </a:p>
         </p:txBody>
       </p:sp>
@@ -3042,6 +3022,7 @@
           <a:p>
             <a:fld id="{BEDD30F6-4C44-44E4-8C0D-976C85036E0C}" type="datetime1">
               <a:rPr lang="en-US" smtClean="0"/>
+              <a:t>10/29/2024</a:t>
             </a:fld>
             <a:endParaRPr lang="en-US"/>
           </a:p>
@@ -3066,7 +3047,6 @@
               <a:rPr lang="en-US"/>
               <a:t>IETF 102 - TEAS Working Group</a:t>
             </a:r>
-            <a:endParaRPr lang="en-US"/>
           </a:p>
         </p:txBody>
       </p:sp>
@@ -3087,6 +3067,7 @@
           <a:p>
             <a:fld id="{BA9B540C-44DA-4F69-89C9-7C84606640D3}" type="slidenum">
               <a:rPr lang="en-US" smtClean="0"/>
+              <a:t>‹N°›</a:t>
             </a:fld>
             <a:endParaRPr lang="en-US"/>
           </a:p>
@@ -3136,7 +3117,6 @@
               <a:rPr lang="en-US"/>
               <a:t>Click to edit Master title style</a:t>
             </a:r>
-            <a:endParaRPr lang="en-US"/>
           </a:p>
         </p:txBody>
       </p:sp>
@@ -3157,6 +3137,7 @@
           <a:p>
             <a:fld id="{5822CCF4-6CB5-42C4-9E7A-D7F65BB8B1E5}" type="datetime1">
               <a:rPr lang="en-US" smtClean="0"/>
+              <a:t>10/29/2024</a:t>
             </a:fld>
             <a:endParaRPr lang="en-US"/>
           </a:p>
@@ -3181,7 +3162,6 @@
               <a:rPr lang="en-US"/>
               <a:t>IETF 102 - TEAS Working Group</a:t>
             </a:r>
-            <a:endParaRPr lang="en-US"/>
           </a:p>
         </p:txBody>
       </p:sp>
@@ -3202,6 +3182,7 @@
           <a:p>
             <a:fld id="{BA9B540C-44DA-4F69-89C9-7C84606640D3}" type="slidenum">
               <a:rPr lang="en-US" smtClean="0"/>
+              <a:t>‹N°›</a:t>
             </a:fld>
             <a:endParaRPr lang="en-US"/>
           </a:p>
@@ -3249,6 +3230,7 @@
           <a:p>
             <a:fld id="{F064C9F2-13AD-44BE-BDD3-5AFC951617C7}" type="datetime1">
               <a:rPr lang="en-US" smtClean="0"/>
+              <a:t>10/29/2024</a:t>
             </a:fld>
             <a:endParaRPr lang="en-US"/>
           </a:p>
@@ -3273,7 +3255,6 @@
               <a:rPr lang="en-US"/>
               <a:t>IETF 102 - TEAS Working Group</a:t>
             </a:r>
-            <a:endParaRPr lang="en-US"/>
           </a:p>
         </p:txBody>
       </p:sp>
@@ -3294,6 +3275,7 @@
           <a:p>
             <a:fld id="{BA9B540C-44DA-4F69-89C9-7C84606640D3}" type="slidenum">
               <a:rPr lang="en-US" smtClean="0"/>
+              <a:t>‹N°›</a:t>
             </a:fld>
             <a:endParaRPr lang="en-US"/>
           </a:p>
@@ -3352,7 +3334,6 @@
               <a:rPr lang="en-US"/>
               <a:t>Click to edit Master title style</a:t>
             </a:r>
-            <a:endParaRPr lang="en-US"/>
           </a:p>
         </p:txBody>
       </p:sp>
@@ -3409,7 +3390,6 @@
               <a:rPr lang="en-US"/>
               <a:t>Click to edit Master text styles</a:t>
             </a:r>
-            <a:endParaRPr lang="en-US"/>
           </a:p>
           <a:p>
             <a:pPr lvl="1"/>
@@ -3417,7 +3397,6 @@
               <a:rPr lang="en-US"/>
               <a:t>Second level</a:t>
             </a:r>
-            <a:endParaRPr lang="en-US"/>
           </a:p>
           <a:p>
             <a:pPr lvl="2"/>
@@ -3425,7 +3404,6 @@
               <a:rPr lang="en-US"/>
               <a:t>Third level</a:t>
             </a:r>
-            <a:endParaRPr lang="en-US"/>
           </a:p>
           <a:p>
             <a:pPr lvl="3"/>
@@ -3433,7 +3411,6 @@
               <a:rPr lang="en-US"/>
               <a:t>Fourth level</a:t>
             </a:r>
-            <a:endParaRPr lang="en-US"/>
           </a:p>
           <a:p>
             <a:pPr lvl="4"/>
@@ -3441,7 +3418,6 @@
               <a:rPr lang="en-US"/>
               <a:t>Fifth level</a:t>
             </a:r>
-            <a:endParaRPr lang="en-US"/>
           </a:p>
         </p:txBody>
       </p:sp>
@@ -3507,7 +3483,6 @@
               <a:rPr lang="en-US"/>
               <a:t>Click to edit Master text styles</a:t>
             </a:r>
-            <a:endParaRPr lang="en-US"/>
           </a:p>
         </p:txBody>
       </p:sp>
@@ -3528,6 +3503,7 @@
           <a:p>
             <a:fld id="{DACCDDB0-34C2-452D-8692-C03481A88C65}" type="datetime1">
               <a:rPr lang="en-US" smtClean="0"/>
+              <a:t>10/29/2024</a:t>
             </a:fld>
             <a:endParaRPr lang="en-US"/>
           </a:p>
@@ -3552,7 +3528,6 @@
               <a:rPr lang="en-US"/>
               <a:t>IETF 102 - TEAS Working Group</a:t>
             </a:r>
-            <a:endParaRPr lang="en-US"/>
           </a:p>
         </p:txBody>
       </p:sp>
@@ -3573,6 +3548,7 @@
           <a:p>
             <a:fld id="{2754ED01-E2A0-4C1E-8E21-014B99041579}" type="slidenum">
               <a:rPr lang="en-US" smtClean="0"/>
+              <a:t>‹N°›</a:t>
             </a:fld>
             <a:endParaRPr lang="en-US" dirty="0"/>
           </a:p>
@@ -3627,7 +3603,6 @@
               <a:rPr lang="en-US"/>
               <a:t>Click to edit Master title style</a:t>
             </a:r>
-            <a:endParaRPr lang="en-US"/>
           </a:p>
         </p:txBody>
       </p:sp>
@@ -3656,7 +3631,6 @@
               <a:rPr lang="en-US" dirty="0"/>
               <a:t>Click to edit Master text styles</a:t>
             </a:r>
-            <a:endParaRPr lang="en-US" dirty="0"/>
           </a:p>
           <a:p>
             <a:pPr lvl="1"/>
@@ -3664,7 +3638,6 @@
               <a:rPr lang="en-US" dirty="0"/>
               <a:t>Second level</a:t>
             </a:r>
-            <a:endParaRPr lang="en-US" dirty="0"/>
           </a:p>
           <a:p>
             <a:pPr lvl="2"/>
@@ -3672,7 +3645,6 @@
               <a:rPr lang="en-US" dirty="0"/>
               <a:t>Third level</a:t>
             </a:r>
-            <a:endParaRPr lang="en-US" dirty="0"/>
           </a:p>
           <a:p>
             <a:pPr lvl="3"/>
@@ -3680,7 +3652,6 @@
               <a:rPr lang="en-US" dirty="0"/>
               <a:t>Fourth level</a:t>
             </a:r>
-            <a:endParaRPr lang="en-US" dirty="0"/>
           </a:p>
           <a:p>
             <a:pPr lvl="4"/>
@@ -3688,7 +3659,6 @@
               <a:rPr lang="en-US" dirty="0"/>
               <a:t>Fifth level</a:t>
             </a:r>
-            <a:endParaRPr lang="en-US" dirty="0"/>
           </a:p>
         </p:txBody>
       </p:sp>
@@ -3714,6 +3684,7 @@
           <a:p>
             <a:fld id="{0F6EB82D-4B16-418F-A37F-CF51BA370D10}" type="datetime1">
               <a:rPr lang="en-US" smtClean="0"/>
+              <a:t>10/29/2024</a:t>
             </a:fld>
             <a:endParaRPr lang="en-US"/>
           </a:p>
@@ -3741,6 +3712,7 @@
           <a:p>
             <a:fld id="{BA9B540C-44DA-4F69-89C9-7C84606640D3}" type="slidenum">
               <a:rPr lang="en-US" smtClean="0"/>
+              <a:t>‹N°›</a:t>
             </a:fld>
             <a:endParaRPr lang="en-US"/>
           </a:p>
@@ -3827,7 +3799,6 @@
               <a:rPr lang="en-US"/>
               <a:t>Click to edit Master title style</a:t>
             </a:r>
-            <a:endParaRPr lang="en-US"/>
           </a:p>
         </p:txBody>
       </p:sp>
@@ -3954,7 +3925,6 @@
               <a:rPr lang="en-US"/>
               <a:t>Click to edit Master text styles</a:t>
             </a:r>
-            <a:endParaRPr lang="en-US"/>
           </a:p>
         </p:txBody>
       </p:sp>
@@ -3975,6 +3945,7 @@
           <a:p>
             <a:fld id="{DC13C87E-04B0-4C8F-A155-819F8B8A5BF1}" type="datetime1">
               <a:rPr lang="en-US" smtClean="0"/>
+              <a:t>10/29/2024</a:t>
             </a:fld>
             <a:endParaRPr lang="en-US"/>
           </a:p>
@@ -3999,7 +3970,6 @@
               <a:rPr lang="en-US"/>
               <a:t>IETF 102 - TEAS Working Group</a:t>
             </a:r>
-            <a:endParaRPr lang="en-US"/>
           </a:p>
         </p:txBody>
       </p:sp>
@@ -4020,6 +3990,7 @@
           <a:p>
             <a:fld id="{BA9B540C-44DA-4F69-89C9-7C84606640D3}" type="slidenum">
               <a:rPr lang="en-US" smtClean="0"/>
+              <a:t>‹N°›</a:t>
             </a:fld>
             <a:endParaRPr lang="en-US"/>
           </a:p>
@@ -4069,7 +4040,6 @@
               <a:rPr lang="en-US"/>
               <a:t>Click to edit Master title style</a:t>
             </a:r>
-            <a:endParaRPr lang="en-US"/>
           </a:p>
         </p:txBody>
       </p:sp>
@@ -4093,7 +4063,6 @@
               <a:rPr lang="en-US"/>
               <a:t>Click to edit Master text styles</a:t>
             </a:r>
-            <a:endParaRPr lang="en-US"/>
           </a:p>
           <a:p>
             <a:pPr lvl="1"/>
@@ -4101,7 +4070,6 @@
               <a:rPr lang="en-US"/>
               <a:t>Second level</a:t>
             </a:r>
-            <a:endParaRPr lang="en-US"/>
           </a:p>
           <a:p>
             <a:pPr lvl="2"/>
@@ -4109,7 +4077,6 @@
               <a:rPr lang="en-US"/>
               <a:t>Third level</a:t>
             </a:r>
-            <a:endParaRPr lang="en-US"/>
           </a:p>
           <a:p>
             <a:pPr lvl="3"/>
@@ -4117,7 +4084,6 @@
               <a:rPr lang="en-US"/>
               <a:t>Fourth level</a:t>
             </a:r>
-            <a:endParaRPr lang="en-US"/>
           </a:p>
           <a:p>
             <a:pPr lvl="4"/>
@@ -4125,7 +4091,6 @@
               <a:rPr lang="en-US"/>
               <a:t>Fifth level</a:t>
             </a:r>
-            <a:endParaRPr lang="en-US"/>
           </a:p>
         </p:txBody>
       </p:sp>
@@ -4146,6 +4111,7 @@
           <a:p>
             <a:fld id="{25E87191-61A2-49CA-8D6F-AEDDE30FAE1D}" type="datetime1">
               <a:rPr lang="en-US" smtClean="0"/>
+              <a:t>10/29/2024</a:t>
             </a:fld>
             <a:endParaRPr lang="en-US"/>
           </a:p>
@@ -4170,7 +4136,6 @@
               <a:rPr lang="en-US"/>
               <a:t>IETF 102 - TEAS Working Group</a:t>
             </a:r>
-            <a:endParaRPr lang="en-US"/>
           </a:p>
         </p:txBody>
       </p:sp>
@@ -4191,6 +4156,7 @@
           <a:p>
             <a:fld id="{BA9B540C-44DA-4F69-89C9-7C84606640D3}" type="slidenum">
               <a:rPr lang="en-US" smtClean="0"/>
+              <a:t>‹N°›</a:t>
             </a:fld>
             <a:endParaRPr lang="en-US"/>
           </a:p>
@@ -4245,7 +4211,6 @@
               <a:rPr lang="en-US"/>
               <a:t>Click to edit Master title style</a:t>
             </a:r>
-            <a:endParaRPr lang="en-US"/>
           </a:p>
         </p:txBody>
       </p:sp>
@@ -4274,7 +4239,6 @@
               <a:rPr lang="en-US"/>
               <a:t>Click to edit Master text styles</a:t>
             </a:r>
-            <a:endParaRPr lang="en-US"/>
           </a:p>
           <a:p>
             <a:pPr lvl="1"/>
@@ -4282,7 +4246,6 @@
               <a:rPr lang="en-US"/>
               <a:t>Second level</a:t>
             </a:r>
-            <a:endParaRPr lang="en-US"/>
           </a:p>
           <a:p>
             <a:pPr lvl="2"/>
@@ -4290,7 +4253,6 @@
               <a:rPr lang="en-US"/>
               <a:t>Third level</a:t>
             </a:r>
-            <a:endParaRPr lang="en-US"/>
           </a:p>
           <a:p>
             <a:pPr lvl="3"/>
@@ -4298,7 +4260,6 @@
               <a:rPr lang="en-US"/>
               <a:t>Fourth level</a:t>
             </a:r>
-            <a:endParaRPr lang="en-US"/>
           </a:p>
           <a:p>
             <a:pPr lvl="4"/>
@@ -4306,7 +4267,6 @@
               <a:rPr lang="en-US"/>
               <a:t>Fifth level</a:t>
             </a:r>
-            <a:endParaRPr lang="en-US"/>
           </a:p>
         </p:txBody>
       </p:sp>
@@ -4327,6 +4287,7 @@
           <a:p>
             <a:fld id="{E5C54829-A756-48DE-A685-962DD6A388A9}" type="datetime1">
               <a:rPr lang="en-US" smtClean="0"/>
+              <a:t>10/29/2024</a:t>
             </a:fld>
             <a:endParaRPr lang="en-US"/>
           </a:p>
@@ -4351,7 +4312,6 @@
               <a:rPr lang="en-US"/>
               <a:t>IETF 102 - TEAS Working Group</a:t>
             </a:r>
-            <a:endParaRPr lang="en-US"/>
           </a:p>
         </p:txBody>
       </p:sp>
@@ -4372,6 +4332,7 @@
           <a:p>
             <a:fld id="{BA9B540C-44DA-4F69-89C9-7C84606640D3}" type="slidenum">
               <a:rPr lang="en-US" smtClean="0"/>
+              <a:t>‹N°›</a:t>
             </a:fld>
             <a:endParaRPr lang="en-US"/>
           </a:p>
@@ -4430,7 +4391,6 @@
               <a:rPr lang="en-US"/>
               <a:t>Click to edit Master title style</a:t>
             </a:r>
-            <a:endParaRPr lang="en-US"/>
           </a:p>
         </p:txBody>
       </p:sp>
@@ -4550,7 +4510,6 @@
               <a:rPr lang="en-US"/>
               <a:t>Click to edit Master text styles</a:t>
             </a:r>
-            <a:endParaRPr lang="en-US"/>
           </a:p>
         </p:txBody>
       </p:sp>
@@ -4571,6 +4530,7 @@
           <a:p>
             <a:fld id="{AD41F7B4-BF16-4CEF-BEDC-0C78B255D130}" type="datetime1">
               <a:rPr lang="en-US" smtClean="0"/>
+              <a:t>10/29/2024</a:t>
             </a:fld>
             <a:endParaRPr lang="en-US"/>
           </a:p>
@@ -4616,6 +4576,7 @@
           <a:p>
             <a:fld id="{BA9B540C-44DA-4F69-89C9-7C84606640D3}" type="slidenum">
               <a:rPr lang="en-US" smtClean="0"/>
+              <a:t>‹N°›</a:t>
             </a:fld>
             <a:endParaRPr lang="en-US"/>
           </a:p>
@@ -4665,7 +4626,6 @@
               <a:rPr lang="en-US"/>
               <a:t>Click to edit Master title style</a:t>
             </a:r>
-            <a:endParaRPr lang="en-US"/>
           </a:p>
         </p:txBody>
       </p:sp>
@@ -4722,7 +4682,6 @@
               <a:rPr lang="en-US"/>
               <a:t>Click to edit Master text styles</a:t>
             </a:r>
-            <a:endParaRPr lang="en-US"/>
           </a:p>
           <a:p>
             <a:pPr lvl="1"/>
@@ -4730,7 +4689,6 @@
               <a:rPr lang="en-US"/>
               <a:t>Second level</a:t>
             </a:r>
-            <a:endParaRPr lang="en-US"/>
           </a:p>
           <a:p>
             <a:pPr lvl="2"/>
@@ -4738,7 +4696,6 @@
               <a:rPr lang="en-US"/>
               <a:t>Third level</a:t>
             </a:r>
-            <a:endParaRPr lang="en-US"/>
           </a:p>
           <a:p>
             <a:pPr lvl="3"/>
@@ -4746,7 +4703,6 @@
               <a:rPr lang="en-US"/>
               <a:t>Fourth level</a:t>
             </a:r>
-            <a:endParaRPr lang="en-US"/>
           </a:p>
           <a:p>
             <a:pPr lvl="4"/>
@@ -4754,7 +4710,6 @@
               <a:rPr lang="en-US"/>
               <a:t>Fifth level</a:t>
             </a:r>
-            <a:endParaRPr lang="en-US"/>
           </a:p>
         </p:txBody>
       </p:sp>
@@ -4811,7 +4766,6 @@
               <a:rPr lang="en-US"/>
               <a:t>Click to edit Master text styles</a:t>
             </a:r>
-            <a:endParaRPr lang="en-US"/>
           </a:p>
           <a:p>
             <a:pPr lvl="1"/>
@@ -4819,7 +4773,6 @@
               <a:rPr lang="en-US"/>
               <a:t>Second level</a:t>
             </a:r>
-            <a:endParaRPr lang="en-US"/>
           </a:p>
           <a:p>
             <a:pPr lvl="2"/>
@@ -4827,7 +4780,6 @@
               <a:rPr lang="en-US"/>
               <a:t>Third level</a:t>
             </a:r>
-            <a:endParaRPr lang="en-US"/>
           </a:p>
           <a:p>
             <a:pPr lvl="3"/>
@@ -4835,7 +4787,6 @@
               <a:rPr lang="en-US"/>
               <a:t>Fourth level</a:t>
             </a:r>
-            <a:endParaRPr lang="en-US"/>
           </a:p>
           <a:p>
             <a:pPr lvl="4"/>
@@ -4843,7 +4794,6 @@
               <a:rPr lang="en-US"/>
               <a:t>Fifth level</a:t>
             </a:r>
-            <a:endParaRPr lang="en-US"/>
           </a:p>
         </p:txBody>
       </p:sp>
@@ -4864,6 +4814,7 @@
           <a:p>
             <a:fld id="{FA486F84-487B-4418-AC20-7849B4A30C33}" type="datetime1">
               <a:rPr lang="en-US" smtClean="0"/>
+              <a:t>10/29/2024</a:t>
             </a:fld>
             <a:endParaRPr lang="en-US"/>
           </a:p>
@@ -4909,6 +4860,7 @@
           <a:p>
             <a:fld id="{BA9B540C-44DA-4F69-89C9-7C84606640D3}" type="slidenum">
               <a:rPr lang="en-US" smtClean="0"/>
+              <a:t>‹N°›</a:t>
             </a:fld>
             <a:endParaRPr lang="en-US"/>
           </a:p>
@@ -4962,7 +4914,6 @@
               <a:rPr lang="en-US"/>
               <a:t>Click to edit Master title style</a:t>
             </a:r>
-            <a:endParaRPr lang="en-US"/>
           </a:p>
         </p:txBody>
       </p:sp>
@@ -5028,7 +4979,6 @@
               <a:rPr lang="en-US"/>
               <a:t>Click to edit Master text styles</a:t>
             </a:r>
-            <a:endParaRPr lang="en-US"/>
           </a:p>
         </p:txBody>
       </p:sp>
@@ -5085,7 +5035,6 @@
               <a:rPr lang="en-US"/>
               <a:t>Click to edit Master text styles</a:t>
             </a:r>
-            <a:endParaRPr lang="en-US"/>
           </a:p>
           <a:p>
             <a:pPr lvl="1"/>
@@ -5093,7 +5042,6 @@
               <a:rPr lang="en-US"/>
               <a:t>Second level</a:t>
             </a:r>
-            <a:endParaRPr lang="en-US"/>
           </a:p>
           <a:p>
             <a:pPr lvl="2"/>
@@ -5101,7 +5049,6 @@
               <a:rPr lang="en-US"/>
               <a:t>Third level</a:t>
             </a:r>
-            <a:endParaRPr lang="en-US"/>
           </a:p>
           <a:p>
             <a:pPr lvl="3"/>
@@ -5109,7 +5056,6 @@
               <a:rPr lang="en-US"/>
               <a:t>Fourth level</a:t>
             </a:r>
-            <a:endParaRPr lang="en-US"/>
           </a:p>
           <a:p>
             <a:pPr lvl="4"/>
@@ -5117,7 +5063,6 @@
               <a:rPr lang="en-US"/>
               <a:t>Fifth level</a:t>
             </a:r>
-            <a:endParaRPr lang="en-US"/>
           </a:p>
         </p:txBody>
       </p:sp>
@@ -5183,7 +5128,6 @@
               <a:rPr lang="en-US"/>
               <a:t>Click to edit Master text styles</a:t>
             </a:r>
-            <a:endParaRPr lang="en-US"/>
           </a:p>
         </p:txBody>
       </p:sp>
@@ -5240,7 +5184,6 @@
               <a:rPr lang="en-US"/>
               <a:t>Click to edit Master text styles</a:t>
             </a:r>
-            <a:endParaRPr lang="en-US"/>
           </a:p>
           <a:p>
             <a:pPr lvl="1"/>
@@ -5248,7 +5191,6 @@
               <a:rPr lang="en-US"/>
               <a:t>Second level</a:t>
             </a:r>
-            <a:endParaRPr lang="en-US"/>
           </a:p>
           <a:p>
             <a:pPr lvl="2"/>
@@ -5256,7 +5198,6 @@
               <a:rPr lang="en-US"/>
               <a:t>Third level</a:t>
             </a:r>
-            <a:endParaRPr lang="en-US"/>
           </a:p>
           <a:p>
             <a:pPr lvl="3"/>
@@ -5264,7 +5205,6 @@
               <a:rPr lang="en-US"/>
               <a:t>Fourth level</a:t>
             </a:r>
-            <a:endParaRPr lang="en-US"/>
           </a:p>
           <a:p>
             <a:pPr lvl="4"/>
@@ -5272,7 +5212,6 @@
               <a:rPr lang="en-US"/>
               <a:t>Fifth level</a:t>
             </a:r>
-            <a:endParaRPr lang="en-US"/>
           </a:p>
         </p:txBody>
       </p:sp>
@@ -5293,6 +5232,7 @@
           <a:p>
             <a:fld id="{3C2F84AA-7EF0-4A1A-92C7-D7F3BD1BF984}" type="datetime1">
               <a:rPr lang="en-US" smtClean="0"/>
+              <a:t>10/29/2024</a:t>
             </a:fld>
             <a:endParaRPr lang="en-US"/>
           </a:p>
@@ -5338,6 +5278,7 @@
           <a:p>
             <a:fld id="{BA9B540C-44DA-4F69-89C9-7C84606640D3}" type="slidenum">
               <a:rPr lang="en-US" smtClean="0"/>
+              <a:t>‹N°›</a:t>
             </a:fld>
             <a:endParaRPr lang="en-US"/>
           </a:p>
@@ -5387,7 +5328,6 @@
               <a:rPr lang="en-US"/>
               <a:t>Click to edit Master title style</a:t>
             </a:r>
-            <a:endParaRPr lang="en-US"/>
           </a:p>
         </p:txBody>
       </p:sp>
@@ -5408,6 +5348,7 @@
           <a:p>
             <a:fld id="{29779F8A-AB61-4533-9282-10CE902E349C}" type="datetime1">
               <a:rPr lang="en-US" smtClean="0"/>
+              <a:t>10/29/2024</a:t>
             </a:fld>
             <a:endParaRPr lang="en-US"/>
           </a:p>
@@ -5453,6 +5394,7 @@
           <a:p>
             <a:fld id="{BA9B540C-44DA-4F69-89C9-7C84606640D3}" type="slidenum">
               <a:rPr lang="en-US" smtClean="0"/>
+              <a:t>‹N°›</a:t>
             </a:fld>
             <a:endParaRPr lang="en-US"/>
           </a:p>
@@ -5500,6 +5442,7 @@
           <a:p>
             <a:fld id="{168049F8-8A85-4656-9FB1-4C3D60B1C469}" type="datetime1">
               <a:rPr lang="en-US" smtClean="0"/>
+              <a:t>10/29/2024</a:t>
             </a:fld>
             <a:endParaRPr lang="en-US"/>
           </a:p>
@@ -5545,6 +5488,7 @@
           <a:p>
             <a:fld id="{BA9B540C-44DA-4F69-89C9-7C84606640D3}" type="slidenum">
               <a:rPr lang="en-US" smtClean="0"/>
+              <a:t>‹N°›</a:t>
             </a:fld>
             <a:endParaRPr lang="en-US"/>
           </a:p>
@@ -5603,7 +5547,6 @@
               <a:rPr lang="en-US"/>
               <a:t>Click to edit Master title style</a:t>
             </a:r>
-            <a:endParaRPr lang="en-US"/>
           </a:p>
         </p:txBody>
       </p:sp>
@@ -5660,7 +5603,6 @@
               <a:rPr lang="en-US"/>
               <a:t>Click to edit Master text styles</a:t>
             </a:r>
-            <a:endParaRPr lang="en-US"/>
           </a:p>
           <a:p>
             <a:pPr lvl="1"/>
@@ -5668,7 +5610,6 @@
               <a:rPr lang="en-US"/>
               <a:t>Second level</a:t>
             </a:r>
-            <a:endParaRPr lang="en-US"/>
           </a:p>
           <a:p>
             <a:pPr lvl="2"/>
@@ -5676,7 +5617,6 @@
               <a:rPr lang="en-US"/>
               <a:t>Third level</a:t>
             </a:r>
-            <a:endParaRPr lang="en-US"/>
           </a:p>
           <a:p>
             <a:pPr lvl="3"/>
@@ -5684,7 +5624,6 @@
               <a:rPr lang="en-US"/>
               <a:t>Fourth level</a:t>
             </a:r>
-            <a:endParaRPr lang="en-US"/>
           </a:p>
           <a:p>
             <a:pPr lvl="4"/>
@@ -5692,7 +5631,6 @@
               <a:rPr lang="en-US"/>
               <a:t>Fifth level</a:t>
             </a:r>
-            <a:endParaRPr lang="en-US"/>
           </a:p>
         </p:txBody>
       </p:sp>
@@ -5758,7 +5696,6 @@
               <a:rPr lang="en-US"/>
               <a:t>Click to edit Master text styles</a:t>
             </a:r>
-            <a:endParaRPr lang="en-US"/>
           </a:p>
         </p:txBody>
       </p:sp>
@@ -5779,6 +5716,7 @@
           <a:p>
             <a:fld id="{0B01534A-165A-4E88-A28A-B443DA9E4C1A}" type="datetime1">
               <a:rPr lang="en-US" smtClean="0"/>
+              <a:t>10/29/2024</a:t>
             </a:fld>
             <a:endParaRPr lang="en-US"/>
           </a:p>
@@ -5824,6 +5762,7 @@
           <a:p>
             <a:fld id="{2754ED01-E2A0-4C1E-8E21-014B99041579}" type="slidenum">
               <a:rPr lang="en-US" smtClean="0"/>
+              <a:t>‹N°›</a:t>
             </a:fld>
             <a:endParaRPr lang="en-US" dirty="0"/>
           </a:p>
@@ -5882,7 +5821,6 @@
               <a:rPr lang="en-US"/>
               <a:t>Click to edit Master title style</a:t>
             </a:r>
-            <a:endParaRPr lang="en-US"/>
           </a:p>
         </p:txBody>
       </p:sp>
@@ -6009,7 +5947,6 @@
               <a:rPr lang="en-US"/>
               <a:t>Click to edit Master text styles</a:t>
             </a:r>
-            <a:endParaRPr lang="en-US"/>
           </a:p>
         </p:txBody>
       </p:sp>
@@ -6030,6 +5967,7 @@
           <a:p>
             <a:fld id="{42580F26-5908-4740-9B70-C9D9FF13FAD1}" type="datetime1">
               <a:rPr lang="en-US" smtClean="0"/>
+              <a:t>10/29/2024</a:t>
             </a:fld>
             <a:endParaRPr lang="en-US"/>
           </a:p>
@@ -6075,6 +6013,7 @@
           <a:p>
             <a:fld id="{BA9B540C-44DA-4F69-89C9-7C84606640D3}" type="slidenum">
               <a:rPr lang="en-US" smtClean="0"/>
+              <a:t>‹N°›</a:t>
             </a:fld>
             <a:endParaRPr lang="en-US"/>
           </a:p>
@@ -6139,7 +6078,6 @@
               <a:rPr lang="en-US"/>
               <a:t>Click to edit Master title style</a:t>
             </a:r>
-            <a:endParaRPr lang="en-US"/>
           </a:p>
         </p:txBody>
       </p:sp>
@@ -6173,7 +6111,6 @@
               <a:rPr lang="en-US"/>
               <a:t>Click to edit Master text styles</a:t>
             </a:r>
-            <a:endParaRPr lang="en-US"/>
           </a:p>
           <a:p>
             <a:pPr lvl="1"/>
@@ -6181,7 +6118,6 @@
               <a:rPr lang="en-US"/>
               <a:t>Second level</a:t>
             </a:r>
-            <a:endParaRPr lang="en-US"/>
           </a:p>
           <a:p>
             <a:pPr lvl="2"/>
@@ -6189,7 +6125,6 @@
               <a:rPr lang="en-US"/>
               <a:t>Third level</a:t>
             </a:r>
-            <a:endParaRPr lang="en-US"/>
           </a:p>
           <a:p>
             <a:pPr lvl="3"/>
@@ -6197,7 +6132,6 @@
               <a:rPr lang="en-US"/>
               <a:t>Fourth level</a:t>
             </a:r>
-            <a:endParaRPr lang="en-US"/>
           </a:p>
           <a:p>
             <a:pPr lvl="4"/>
@@ -6205,7 +6139,6 @@
               <a:rPr lang="en-US"/>
               <a:t>Fifth level</a:t>
             </a:r>
-            <a:endParaRPr lang="en-US"/>
           </a:p>
         </p:txBody>
       </p:sp>
@@ -6244,6 +6177,7 @@
           <a:p>
             <a:fld id="{B3A91C9E-4CBA-4056-BF9D-24C0DB07D3F2}" type="datetime1">
               <a:rPr lang="en-US" smtClean="0"/>
+              <a:t>10/29/2024</a:t>
             </a:fld>
             <a:endParaRPr lang="en-US" dirty="0"/>
           </a:p>
@@ -6325,6 +6259,7 @@
           <a:p>
             <a:fld id="{BA9B540C-44DA-4F69-89C9-7C84606640D3}" type="slidenum">
               <a:rPr lang="en-US" smtClean="0"/>
+              <a:t>‹N°›</a:t>
             </a:fld>
             <a:endParaRPr lang="en-US" dirty="0"/>
           </a:p>
@@ -6651,7 +6586,6 @@
               <a:rPr lang="en-US"/>
               <a:t>Click to edit Master title style</a:t>
             </a:r>
-            <a:endParaRPr lang="en-US"/>
           </a:p>
         </p:txBody>
       </p:sp>
@@ -6685,7 +6619,6 @@
               <a:rPr lang="en-US"/>
               <a:t>Click to edit Master text styles</a:t>
             </a:r>
-            <a:endParaRPr lang="en-US"/>
           </a:p>
           <a:p>
             <a:pPr lvl="1"/>
@@ -6693,7 +6626,6 @@
               <a:rPr lang="en-US"/>
               <a:t>Second level</a:t>
             </a:r>
-            <a:endParaRPr lang="en-US"/>
           </a:p>
           <a:p>
             <a:pPr lvl="2"/>
@@ -6701,7 +6633,6 @@
               <a:rPr lang="en-US"/>
               <a:t>Third level</a:t>
             </a:r>
-            <a:endParaRPr lang="en-US"/>
           </a:p>
           <a:p>
             <a:pPr lvl="3"/>
@@ -6709,7 +6640,6 @@
               <a:rPr lang="en-US"/>
               <a:t>Fourth level</a:t>
             </a:r>
-            <a:endParaRPr lang="en-US"/>
           </a:p>
           <a:p>
             <a:pPr lvl="4"/>
@@ -6717,7 +6647,6 @@
               <a:rPr lang="en-US"/>
               <a:t>Fifth level</a:t>
             </a:r>
-            <a:endParaRPr lang="en-US"/>
           </a:p>
         </p:txBody>
       </p:sp>
@@ -6756,6 +6685,7 @@
           <a:p>
             <a:fld id="{706A383B-15E8-4902-B2FA-541FF73A0BA7}" type="datetime1">
               <a:rPr lang="en-US" smtClean="0"/>
+              <a:t>10/29/2024</a:t>
             </a:fld>
             <a:endParaRPr lang="en-US" dirty="0"/>
           </a:p>
@@ -6837,6 +6767,7 @@
           <a:p>
             <a:fld id="{BA9B540C-44DA-4F69-89C9-7C84606640D3}" type="slidenum">
               <a:rPr lang="en-US" smtClean="0"/>
+              <a:t>‹N°›</a:t>
             </a:fld>
             <a:endParaRPr lang="en-US" dirty="0"/>
           </a:p>
@@ -7166,7 +7097,6 @@
               <a:rPr lang="en-US" b="1" dirty="0"/>
               <a:t>IETF 121, Dublin</a:t>
             </a:r>
-            <a:endParaRPr lang="en-US" b="1" dirty="0"/>
           </a:p>
         </p:txBody>
       </p:sp>
@@ -7216,7 +7146,7 @@
                   <a:schemeClr val="tx1"/>
                 </a:solidFill>
                 <a:sym typeface="+mn-ea"/>
-                <a:hlinkClick r:id="rId1"/>
+                <a:hlinkClick r:id="rId3"/>
               </a:rPr>
               <a:t>adrian@olddog.co.uk</a:t>
             </a:r>
@@ -7229,12 +7159,6 @@
               </a:rPr>
               <a:t>) </a:t>
             </a:r>
-            <a:endParaRPr lang="en-GB" sz="2400" dirty="0">
-              <a:solidFill>
-                <a:schemeClr val="tx1"/>
-              </a:solidFill>
-              <a:sym typeface="+mn-ea"/>
-            </a:endParaRPr>
           </a:p>
           <a:p>
             <a:pPr algn="l"/>
@@ -7267,7 +7191,7 @@
                 <a:solidFill>
                   <a:schemeClr val="tx1"/>
                 </a:solidFill>
-                <a:hlinkClick r:id="rId2"/>
+                <a:hlinkClick r:id="rId4"/>
               </a:rPr>
               <a:t>mohamed.boucadair@orange.com</a:t>
             </a:r>
@@ -7329,7 +7253,7 @@
                   <a:schemeClr val="tx1"/>
                 </a:solidFill>
                 <a:sym typeface="+mn-ea"/>
-                <a:hlinkClick r:id="rId3"/>
+                <a:hlinkClick r:id="rId5"/>
               </a:rPr>
               <a:t>liupengyjy@chinamobile.com</a:t>
             </a:r>
@@ -7342,12 +7266,6 @@
               </a:rPr>
               <a:t>) </a:t>
             </a:r>
-            <a:endParaRPr lang="en-GB" sz="2400" dirty="0">
-              <a:solidFill>
-                <a:schemeClr val="tx1"/>
-              </a:solidFill>
-              <a:sym typeface="+mn-ea"/>
-            </a:endParaRPr>
           </a:p>
           <a:p>
             <a:pPr algn="l"/>
@@ -7372,7 +7290,7 @@
                 <a:solidFill>
                   <a:schemeClr val="tx1"/>
                 </a:solidFill>
-                <a:hlinkClick r:id="rId4"/>
+                <a:hlinkClick r:id="rId6"/>
               </a:rPr>
               <a:t>c.l@huawei.com</a:t>
             </a:r>
@@ -7384,11 +7302,6 @@
               </a:rPr>
               <a:t>) </a:t>
             </a:r>
-            <a:endParaRPr lang="en-GB" sz="2400" dirty="0">
-              <a:solidFill>
-                <a:schemeClr val="tx1"/>
-              </a:solidFill>
-            </a:endParaRPr>
           </a:p>
           <a:p>
             <a:pPr algn="l"/>
@@ -7405,7 +7318,7 @@
                 <a:solidFill>
                   <a:schemeClr val="tx1"/>
                 </a:solidFill>
-                <a:hlinkClick r:id="rId5"/>
+                <a:hlinkClick r:id="rId7"/>
               </a:rPr>
               <a:t>james.n.guichard@futurewei.com</a:t>
             </a:r>
@@ -7434,13 +7347,13 @@
           <p:nvPr/>
         </p:nvPicPr>
         <p:blipFill>
-          <a:blip r:embed="rId6">
+          <a:blip r:embed="rId8">
             <a:extLst>
               <a:ext uri="{28A0092B-C50C-407E-A947-70E740481C1C}">
                 <a14:useLocalDpi xmlns:a14="http://schemas.microsoft.com/office/drawing/2010/main" val="0"/>
               </a:ext>
               <a:ext uri="{96DAC541-7B7A-43D3-8B79-37D633B846F1}">
-                <asvg:svgBlip xmlns:asvg="http://schemas.microsoft.com/office/drawing/2016/SVG/main" r:embed="rId7"/>
+                <asvg:svgBlip xmlns:asvg="http://schemas.microsoft.com/office/drawing/2016/SVG/main" r:embed="rId9"/>
               </a:ext>
             </a:extLst>
           </a:blip>
@@ -7489,11 +7402,6 @@
               </a:rPr>
               <a:t>THIS MEETING WILL BE RECORDED</a:t>
             </a:r>
-            <a:endParaRPr lang="en-GB" b="1" dirty="0">
-              <a:solidFill>
-                <a:srgbClr val="FF0000"/>
-              </a:solidFill>
-            </a:endParaRPr>
           </a:p>
         </p:txBody>
       </p:sp>
@@ -7506,7 +7414,7 @@
           <p:nvPr/>
         </p:nvPicPr>
         <p:blipFill>
-          <a:blip r:embed="rId8"/>
+          <a:blip r:embed="rId10"/>
           <a:stretch>
             <a:fillRect/>
           </a:stretch>
@@ -7556,7 +7464,6 @@
               <a:rPr lang="en-GB" dirty="0"/>
               <a:t> Meeting of CATS WG</a:t>
             </a:r>
-            <a:endParaRPr lang="en-GB" dirty="0"/>
           </a:p>
         </p:txBody>
       </p:sp>
@@ -7603,6 +7510,7 @@
           <a:p>
             <a:fld id="{BA9B540C-44DA-4F69-89C9-7C84606640D3}" type="slidenum">
               <a:rPr lang="en-US" smtClean="0"/>
+              <a:t>10</a:t>
             </a:fld>
             <a:endParaRPr lang="en-US"/>
           </a:p>
@@ -7618,6 +7526,11 @@
             <p:custDataLst>
               <p:tags r:id="rId1"/>
             </p:custDataLst>
+            <p:extLst>
+              <p:ext uri="{D42A27DB-BD31-4B8C-83A1-F6EECF244321}">
+                <p14:modId xmlns:p14="http://schemas.microsoft.com/office/powerpoint/2010/main" val="3781100958"/>
+              </p:ext>
+            </p:extLst>
           </p:nvPr>
         </p:nvGraphicFramePr>
         <p:xfrm>
@@ -7631,11 +7544,41 @@
                 <a:tableStyleId>{0660B408-B3CF-4A94-85FC-2B1E0A45F4A2}</a:tableStyleId>
               </a:tblPr>
               <a:tblGrid>
-                <a:gridCol w="537331"/>
-                <a:gridCol w="778419"/>
-                <a:gridCol w="970250"/>
-                <a:gridCol w="7910585"/>
-                <a:gridCol w="1332974"/>
+                <a:gridCol w="537331">
+                  <a:extLst>
+                    <a:ext uri="{9D8B030D-6E8A-4147-A177-3AD203B41FA5}">
+                      <a16:colId xmlns:a16="http://schemas.microsoft.com/office/drawing/2014/main" val="20000"/>
+                    </a:ext>
+                  </a:extLst>
+                </a:gridCol>
+                <a:gridCol w="778419">
+                  <a:extLst>
+                    <a:ext uri="{9D8B030D-6E8A-4147-A177-3AD203B41FA5}">
+                      <a16:colId xmlns:a16="http://schemas.microsoft.com/office/drawing/2014/main" val="20001"/>
+                    </a:ext>
+                  </a:extLst>
+                </a:gridCol>
+                <a:gridCol w="970250">
+                  <a:extLst>
+                    <a:ext uri="{9D8B030D-6E8A-4147-A177-3AD203B41FA5}">
+                      <a16:colId xmlns:a16="http://schemas.microsoft.com/office/drawing/2014/main" val="20002"/>
+                    </a:ext>
+                  </a:extLst>
+                </a:gridCol>
+                <a:gridCol w="7910585">
+                  <a:extLst>
+                    <a:ext uri="{9D8B030D-6E8A-4147-A177-3AD203B41FA5}">
+                      <a16:colId xmlns:a16="http://schemas.microsoft.com/office/drawing/2014/main" val="20003"/>
+                    </a:ext>
+                  </a:extLst>
+                </a:gridCol>
+                <a:gridCol w="1332974">
+                  <a:extLst>
+                    <a:ext uri="{9D8B030D-6E8A-4147-A177-3AD203B41FA5}">
+                      <a16:colId xmlns:a16="http://schemas.microsoft.com/office/drawing/2014/main" val="20004"/>
+                    </a:ext>
+                  </a:extLst>
+                </a:gridCol>
               </a:tblGrid>
               <a:tr h="335280">
                 <a:tc>
@@ -7646,6 +7589,45 @@
                       <a:r>
                         <a:rPr lang="en-GB" sz="1600" dirty="0"/>
                         <a:t>Slot</a:t>
+                      </a:r>
+                    </a:p>
+                  </a:txBody>
+                  <a:tcPr/>
+                </a:tc>
+                <a:tc>
+                  <a:txBody>
+                    <a:bodyPr/>
+                    <a:lstStyle/>
+                    <a:p>
+                      <a:r>
+                        <a:rPr lang="en-GB" sz="1600" dirty="0"/>
+                        <a:t>Start</a:t>
+                      </a:r>
+                    </a:p>
+                  </a:txBody>
+                  <a:tcPr/>
+                </a:tc>
+                <a:tc>
+                  <a:txBody>
+                    <a:bodyPr/>
+                    <a:lstStyle/>
+                    <a:p>
+                      <a:r>
+                        <a:rPr lang="en-GB" sz="1600" dirty="0"/>
+                        <a:t>Duration</a:t>
+                      </a:r>
+                    </a:p>
+                  </a:txBody>
+                  <a:tcPr/>
+                </a:tc>
+                <a:tc>
+                  <a:txBody>
+                    <a:bodyPr/>
+                    <a:lstStyle/>
+                    <a:p>
+                      <a:r>
+                        <a:rPr lang="en-GB" sz="1600"/>
+                        <a:t>Information</a:t>
                       </a:r>
                       <a:endParaRPr lang="en-GB" sz="1600" dirty="0"/>
                     </a:p>
@@ -7659,55 +7641,17 @@
                     <a:p>
                       <a:r>
                         <a:rPr lang="en-GB" sz="1600" dirty="0"/>
-                        <a:t>Start</a:t>
-                      </a:r>
-                      <a:endParaRPr lang="en-GB" sz="1600" dirty="0"/>
+                        <a:t>Presenter</a:t>
+                      </a:r>
                     </a:p>
                   </a:txBody>
                   <a:tcPr/>
                 </a:tc>
-                <a:tc>
-                  <a:txBody>
-                    <a:bodyPr/>
-                    <a:lstStyle/>
-                    <a:p>
-                      <a:r>
-                        <a:rPr lang="en-GB" sz="1600" dirty="0"/>
-                        <a:t>Duration</a:t>
-                      </a:r>
-                      <a:endParaRPr lang="en-GB" sz="1600" dirty="0"/>
-                    </a:p>
-                  </a:txBody>
-                  <a:tcPr/>
-                </a:tc>
-                <a:tc>
-                  <a:txBody>
-                    <a:bodyPr/>
-                    <a:lstStyle/>
-                    <a:p>
-                      <a:r>
-                        <a:rPr lang="en-GB" sz="1600"/>
-                        <a:t>Information</a:t>
-                      </a:r>
-                      <a:endParaRPr lang="en-GB" sz="1600" dirty="0"/>
-                    </a:p>
-                  </a:txBody>
-                  <a:tcPr/>
-                </a:tc>
-                <a:tc>
-                  <a:txBody>
-                    <a:bodyPr/>
-                    <a:lstStyle/>
-                    <a:p>
-                      <a:r>
-                        <a:rPr lang="en-GB" sz="1600" dirty="0"/>
-                        <a:t>Presenter</a:t>
-                      </a:r>
-                      <a:endParaRPr lang="en-GB" sz="1600" dirty="0"/>
-                    </a:p>
-                  </a:txBody>
-                  <a:tcPr/>
-                </a:tc>
+                <a:extLst>
+                  <a:ext uri="{0D108BD9-81ED-4DB2-BD59-A6C34878D82A}">
+                    <a16:rowId xmlns:a16="http://schemas.microsoft.com/office/drawing/2014/main" val="10000"/>
+                  </a:ext>
+                </a:extLst>
               </a:tr>
               <a:tr h="274320">
                 <a:tc>
@@ -7718,6 +7662,32 @@
                       <a:r>
                         <a:rPr lang="en-GB" sz="1400" dirty="0"/>
                         <a:t>1</a:t>
+                      </a:r>
+                    </a:p>
+                  </a:txBody>
+                  <a:tcPr marT="36000" marB="36000" anchor="ctr"/>
+                </a:tc>
+                <a:tc>
+                  <a:txBody>
+                    <a:bodyPr/>
+                    <a:lstStyle/>
+                    <a:p>
+                      <a:r>
+                        <a:rPr lang="en-US" altLang="en-GB" sz="1400" dirty="0"/>
+                        <a:t>13:00</a:t>
+                      </a:r>
+                    </a:p>
+                  </a:txBody>
+                  <a:tcPr marT="36000" marB="36000" anchor="ctr"/>
+                </a:tc>
+                <a:tc>
+                  <a:txBody>
+                    <a:bodyPr/>
+                    <a:lstStyle/>
+                    <a:p>
+                      <a:r>
+                        <a:rPr lang="en-GB" sz="1400"/>
+                        <a:t>5 mins</a:t>
                       </a:r>
                       <a:endParaRPr lang="en-GB" sz="1400" dirty="0"/>
                     </a:p>
@@ -7730,22 +7700,24 @@
                     <a:lstStyle/>
                     <a:p>
                       <a:r>
-                        <a:rPr lang="en-US" altLang="en-GB" sz="1400" dirty="0"/>
-                        <a:t>13:00</a:t>
-                      </a:r>
-                      <a:endParaRPr lang="en-US" altLang="en-GB" sz="1400" dirty="0"/>
-                    </a:p>
-                  </a:txBody>
-                  <a:tcPr marT="36000" marB="36000" anchor="ctr"/>
-                </a:tc>
-                <a:tc>
-                  <a:txBody>
-                    <a:bodyPr/>
-                    <a:lstStyle/>
-                    <a:p>
+                        <a:rPr lang="en-GB" sz="1400" b="1"/>
+                        <a:t>Title</a:t>
+                      </a:r>
                       <a:r>
                         <a:rPr lang="en-GB" sz="1400"/>
-                        <a:t>5 mins</a:t>
+                        <a:t>:	</a:t>
+                      </a:r>
+                      <a:r>
+                        <a:rPr lang="en-GB" sz="1400" b="0" i="0" kern="1200">
+                          <a:solidFill>
+                            <a:schemeClr val="dk1"/>
+                          </a:solidFill>
+                          <a:effectLst/>
+                          <a:latin typeface="+mn-lt"/>
+                          <a:ea typeface="+mn-ea"/>
+                          <a:cs typeface="+mn-cs"/>
+                        </a:rPr>
+                        <a:t>Meeting admin</a:t>
                       </a:r>
                       <a:endParaRPr lang="en-GB" sz="1400" dirty="0"/>
                     </a:p>
@@ -7758,44 +7730,18 @@
                     <a:lstStyle/>
                     <a:p>
                       <a:r>
-                        <a:rPr lang="en-GB" sz="1400" b="1"/>
-                        <a:t>Title</a:t>
-                      </a:r>
-                      <a:r>
-                        <a:rPr lang="en-GB" sz="1400"/>
-                        <a:t>:	</a:t>
-                      </a:r>
-                      <a:r>
-                        <a:rPr lang="en-GB" sz="1400" b="0" i="0" kern="1200">
-                          <a:solidFill>
-                            <a:schemeClr val="dk1"/>
-                          </a:solidFill>
-                          <a:effectLst/>
-                          <a:latin typeface="+mn-lt"/>
-                          <a:ea typeface="+mn-ea"/>
-                          <a:cs typeface="+mn-cs"/>
-                        </a:rPr>
-                        <a:t>Meeting admin</a:t>
-                      </a:r>
-                      <a:endParaRPr lang="en-GB" sz="1400" dirty="0"/>
+                        <a:rPr lang="en-GB" sz="1400" dirty="0"/>
+                        <a:t>Chairs</a:t>
+                      </a:r>
                     </a:p>
                   </a:txBody>
                   <a:tcPr marT="36000" marB="36000" anchor="ctr"/>
                 </a:tc>
-                <a:tc>
-                  <a:txBody>
-                    <a:bodyPr/>
-                    <a:lstStyle/>
-                    <a:p>
-                      <a:r>
-                        <a:rPr lang="en-GB" sz="1400" dirty="0"/>
-                        <a:t>Chairs</a:t>
-                      </a:r>
-                      <a:endParaRPr lang="en-GB" sz="1400" dirty="0"/>
-                    </a:p>
-                  </a:txBody>
-                  <a:tcPr marT="36000" marB="36000" anchor="ctr"/>
-                </a:tc>
+                <a:extLst>
+                  <a:ext uri="{0D108BD9-81ED-4DB2-BD59-A6C34878D82A}">
+                    <a16:rowId xmlns:a16="http://schemas.microsoft.com/office/drawing/2014/main" val="10001"/>
+                  </a:ext>
+                </a:extLst>
               </a:tr>
               <a:tr h="217170">
                 <a:tc>
@@ -7807,7 +7753,6 @@
                         <a:rPr lang="en-GB" altLang="en-GB" sz="1400" dirty="0"/>
                         <a:t>2</a:t>
                       </a:r>
-                      <a:endParaRPr lang="en-GB" altLang="en-GB" sz="1400" dirty="0"/>
                     </a:p>
                   </a:txBody>
                   <a:tcPr marT="36000" marB="36000" anchor="ctr">
@@ -7825,7 +7770,6 @@
                         <a:rPr lang="en-US" altLang="en-GB" sz="1400" dirty="0"/>
                         <a:t>13:05</a:t>
                       </a:r>
-                      <a:endParaRPr lang="en-US" altLang="en-GB" sz="1400" dirty="0"/>
                     </a:p>
                   </a:txBody>
                   <a:tcPr marT="36000" marB="36000" anchor="ctr">
@@ -7845,7 +7789,7 @@
                       </a:r>
                       <a:endParaRPr lang="en-GB" altLang="en-GB" sz="1400" u="none" dirty="0">
                         <a:sym typeface="+mn-ea"/>
-                        <a:hlinkClick r:id="rId2"/>
+                        <a:hlinkClick r:id="rId4"/>
                       </a:endParaRPr>
                     </a:p>
                   </a:txBody>
@@ -7884,9 +7828,6 @@
                         </a:rPr>
                         <a:t>CATS Use Cases and Requirements</a:t>
                       </a:r>
-                      <a:endParaRPr lang="en-GB" altLang="en-GB" sz="1400" u="none" dirty="0">
-                        <a:sym typeface="+mn-ea"/>
-                      </a:endParaRPr>
                     </a:p>
                   </a:txBody>
                   <a:tcPr marT="36000" marB="36000" anchor="ctr">
@@ -7902,7 +7843,7 @@
                     <a:p>
                       <a:endParaRPr lang="en-GB" altLang="en-GB" sz="1400" u="none" dirty="0">
                         <a:sym typeface="+mn-ea"/>
-                        <a:hlinkClick r:id="rId2"/>
+                        <a:hlinkClick r:id="rId4"/>
                       </a:endParaRPr>
                     </a:p>
                   </a:txBody>
@@ -7912,6 +7853,11 @@
                     </a:solidFill>
                   </a:tcPr>
                 </a:tc>
+                <a:extLst>
+                  <a:ext uri="{0D108BD9-81ED-4DB2-BD59-A6C34878D82A}">
+                    <a16:rowId xmlns:a16="http://schemas.microsoft.com/office/drawing/2014/main" val="10002"/>
+                  </a:ext>
+                </a:extLst>
               </a:tr>
               <a:tr h="499110">
                 <a:tc>
@@ -7923,7 +7869,6 @@
                         <a:rPr lang="en-GB" altLang="en-GB" sz="1400" dirty="0"/>
                         <a:t>2.1</a:t>
                       </a:r>
-                      <a:endParaRPr lang="en-GB" altLang="en-GB" sz="1400" dirty="0"/>
                     </a:p>
                   </a:txBody>
                   <a:tcPr marT="36000" marB="36000" anchor="ctr"/>
@@ -7937,7 +7882,6 @@
                         <a:rPr lang="en-US" altLang="en-GB" sz="1400" dirty="0"/>
                         <a:t>13:05</a:t>
                       </a:r>
-                      <a:endParaRPr lang="en-US" altLang="en-GB" sz="1400" dirty="0"/>
                     </a:p>
                   </a:txBody>
                   <a:tcPr marT="36000" marB="36000" anchor="ctr"/>
@@ -7957,7 +7901,7 @@
                       </a:r>
                       <a:endParaRPr lang="en-GB" altLang="en-GB" sz="1400" dirty="0">
                         <a:sym typeface="+mn-ea"/>
-                        <a:hlinkClick r:id="rId2"/>
+                        <a:hlinkClick r:id="rId4"/>
                       </a:endParaRPr>
                     </a:p>
                   </a:txBody>
@@ -7969,44 +7913,43 @@
                     <a:lstStyle/>
                     <a:p>
                       <a:r>
-                        <a:rPr lang="en-GB" sz="1400" b="1"/>
+                        <a:rPr lang="en-GB" sz="1400" b="1" dirty="0"/>
                         <a:t>Title</a:t>
                       </a:r>
                       <a:r>
-                        <a:rPr lang="en-GB" sz="1400"/>
+                        <a:rPr lang="en-GB" sz="1400" dirty="0"/>
                         <a:t>:	Status update</a:t>
                       </a:r>
-                      <a:endParaRPr lang="en-GB" sz="1400"/>
                     </a:p>
                     <a:p>
                       <a:r>
-                        <a:rPr lang="en-GB" sz="1400" b="1">
+                        <a:rPr lang="en-GB" sz="1400" b="1" dirty="0">
                           <a:sym typeface="+mn-ea"/>
                         </a:rPr>
                         <a:t>Draft</a:t>
                       </a:r>
                       <a:r>
-                        <a:rPr lang="en-GB" sz="1400">
+                        <a:rPr lang="en-GB" sz="1400" dirty="0">
                           <a:sym typeface="+mn-ea"/>
                         </a:rPr>
                         <a:t>: </a:t>
                       </a:r>
                       <a:r>
-                        <a:rPr lang="sv-SE" sz="1400">
+                        <a:rPr lang="sv-SE" sz="1400" dirty="0">
                           <a:sym typeface="+mn-ea"/>
-                          <a:hlinkClick r:id="rId2"/>
+                          <a:hlinkClick r:id="rId4"/>
                         </a:rPr>
-                        <a:t>https://datatracker.ietf.org/doc/draft-ietf-cats-usecases-requirements/</a:t>
-                      </a:r>
-                      <a:r>
-                        <a:rPr lang="sv-SE" sz="1400">
+                        <a:t>draft-ietf-cats-usecases-requirements</a:t>
+                      </a:r>
+                      <a:r>
+                        <a:rPr lang="sv-SE" sz="1400" dirty="0">
                           <a:sym typeface="+mn-ea"/>
                         </a:rPr>
                         <a:t> </a:t>
                       </a:r>
                       <a:endParaRPr lang="en-GB" altLang="en-GB" sz="1400" dirty="0">
                         <a:sym typeface="+mn-ea"/>
-                        <a:hlinkClick r:id="rId2"/>
+                        <a:hlinkClick r:id="rId4"/>
                       </a:endParaRPr>
                     </a:p>
                   </a:txBody>
@@ -8025,12 +7968,17 @@
                       </a:r>
                       <a:endParaRPr lang="en-GB" altLang="en-GB" sz="1400" dirty="0">
                         <a:sym typeface="+mn-ea"/>
-                        <a:hlinkClick r:id="rId2"/>
+                        <a:hlinkClick r:id="rId4"/>
                       </a:endParaRPr>
                     </a:p>
                   </a:txBody>
                   <a:tcPr marT="36000" marB="36000" anchor="ctr"/>
                 </a:tc>
+                <a:extLst>
+                  <a:ext uri="{0D108BD9-81ED-4DB2-BD59-A6C34878D82A}">
+                    <a16:rowId xmlns:a16="http://schemas.microsoft.com/office/drawing/2014/main" val="10003"/>
+                  </a:ext>
+                </a:extLst>
               </a:tr>
               <a:tr h="499110">
                 <a:tc>
@@ -8042,7 +7990,6 @@
                         <a:rPr lang="en-US" altLang="en-GB" sz="1400" dirty="0"/>
                         <a:t>2.2</a:t>
                       </a:r>
-                      <a:endParaRPr lang="en-US" altLang="en-GB" sz="1400" dirty="0"/>
                     </a:p>
                   </a:txBody>
                   <a:tcPr marT="36000" marB="36000" anchor="ctr"/>
@@ -8056,7 +8003,6 @@
                         <a:rPr lang="en-US" altLang="en-GB" sz="1400" dirty="0"/>
                         <a:t>13:15</a:t>
                       </a:r>
-                      <a:endParaRPr lang="en-US" altLang="en-GB" sz="1400" dirty="0"/>
                     </a:p>
                   </a:txBody>
                   <a:tcPr marT="36000" marB="36000" anchor="ctr"/>
@@ -8086,7 +8032,7 @@
                         <a:latin typeface="+mn-lt"/>
                         <a:ea typeface="+mn-ea"/>
                         <a:cs typeface="+mn-cs"/>
-                        <a:hlinkClick r:id="rId3"/>
+                        <a:hlinkClick r:id="rId5"/>
                       </a:endParaRPr>
                     </a:p>
                   </a:txBody>
@@ -8105,7 +8051,6 @@
                         <a:rPr lang="en-GB" sz="1400" dirty="0"/>
                         <a:t>:	Clarify the requirements and how these are derived/applicable to the various Use Cases</a:t>
                       </a:r>
-                      <a:endParaRPr lang="en-GB" sz="1400" dirty="0"/>
                     </a:p>
                     <a:p>
                       <a:r>
@@ -8122,9 +8067,21 @@
                       </a:r>
                       <a:r>
                         <a:rPr lang="en-GB" altLang="en-GB" sz="1400" dirty="0">
-                          <a:hlinkClick r:id="rId2"/>
+                          <a:hlinkClick r:id="rId4"/>
                         </a:rPr>
-                        <a:t>https://datatracker.ietf.org/doc/draft-ietf-cats-usecases-requirements/</a:t>
+                        <a:t>draft-ietf-cats-</a:t>
+                      </a:r>
+                      <a:r>
+                        <a:rPr lang="en-GB" altLang="en-GB" sz="1400" dirty="0" err="1">
+                          <a:hlinkClick r:id="rId4"/>
+                        </a:rPr>
+                        <a:t>usecases</a:t>
+                      </a:r>
+                      <a:r>
+                        <a:rPr lang="en-GB" altLang="en-GB" sz="1400" dirty="0">
+                          <a:hlinkClick r:id="rId4"/>
+                        </a:rPr>
+                        <a:t>-requirements</a:t>
                       </a:r>
                       <a:r>
                         <a:rPr lang="en-GB" altLang="en-GB" sz="1400" dirty="0"/>
@@ -8138,7 +8095,7 @@
                         <a:latin typeface="+mn-lt"/>
                         <a:ea typeface="+mn-ea"/>
                         <a:cs typeface="+mn-cs"/>
-                        <a:hlinkClick r:id="rId3"/>
+                        <a:hlinkClick r:id="rId5"/>
                       </a:endParaRPr>
                     </a:p>
                   </a:txBody>
@@ -8168,6 +8125,11 @@
                   </a:txBody>
                   <a:tcPr marT="36000" marB="36000" anchor="ctr"/>
                 </a:tc>
+                <a:extLst>
+                  <a:ext uri="{0D108BD9-81ED-4DB2-BD59-A6C34878D82A}">
+                    <a16:rowId xmlns:a16="http://schemas.microsoft.com/office/drawing/2014/main" val="10004"/>
+                  </a:ext>
+                </a:extLst>
               </a:tr>
               <a:tr h="1009650">
                 <a:tc>
@@ -8179,7 +8141,6 @@
                         <a:rPr lang="en-US" altLang="en-GB" sz="1400" dirty="0"/>
                         <a:t>2.3</a:t>
                       </a:r>
-                      <a:endParaRPr lang="en-US" altLang="en-GB" sz="1400" dirty="0"/>
                     </a:p>
                   </a:txBody>
                   <a:tcPr marT="36000" marB="36000" anchor="ctr"/>
@@ -8193,7 +8154,6 @@
                         <a:rPr lang="en-US" altLang="en-GB" sz="1400" dirty="0"/>
                         <a:t>13:30</a:t>
                       </a:r>
-                      <a:endParaRPr lang="en-US" altLang="en-GB" sz="1400" dirty="0"/>
                     </a:p>
                   </a:txBody>
                   <a:tcPr marT="36000" marB="36000" anchor="ctr"/>
@@ -8235,7 +8195,7 @@
                         <a:latin typeface="+mn-lt"/>
                         <a:ea typeface="+mn-ea"/>
                         <a:cs typeface="+mn-cs"/>
-                        <a:hlinkClick r:id="rId3"/>
+                        <a:hlinkClick r:id="rId5"/>
                       </a:endParaRPr>
                     </a:p>
                   </a:txBody>
@@ -8254,7 +8214,6 @@
                         <a:rPr lang="en-GB" sz="1400" dirty="0"/>
                         <a:t>:	Discussion about how use cases in I-Ds are overlapping with existing UCs/have to be captured</a:t>
                       </a:r>
-                      <a:endParaRPr lang="en-GB" sz="1400" dirty="0"/>
                     </a:p>
                     <a:p>
                       <a:r>
@@ -8271,9 +8230,21 @@
                       </a:r>
                       <a:r>
                         <a:rPr lang="en-GB" altLang="en-GB" sz="1400" dirty="0">
-                          <a:hlinkClick r:id="rId4"/>
+                          <a:hlinkClick r:id="rId6"/>
                         </a:rPr>
-                        <a:t>https://datatracker.ietf.org/doc/draft-jeong-cats-its-use-cases/</a:t>
+                        <a:t>draft-</a:t>
+                      </a:r>
+                      <a:r>
+                        <a:rPr lang="en-GB" altLang="en-GB" sz="1400" dirty="0" err="1">
+                          <a:hlinkClick r:id="rId6"/>
+                        </a:rPr>
+                        <a:t>jeong</a:t>
+                      </a:r>
+                      <a:r>
+                        <a:rPr lang="en-GB" altLang="en-GB" sz="1400" dirty="0">
+                          <a:hlinkClick r:id="rId6"/>
+                        </a:rPr>
+                        <a:t>-cats-its-use-cases</a:t>
                       </a:r>
                       <a:r>
                         <a:rPr lang="en-GB" altLang="en-GB" sz="1400" dirty="0"/>
@@ -8313,9 +8284,9 @@
                           <a:latin typeface="+mn-lt"/>
                           <a:ea typeface="+mn-ea"/>
                           <a:cs typeface="+mn-cs"/>
-                          <a:hlinkClick r:id="rId3"/>
+                          <a:hlinkClick r:id="rId5"/>
                         </a:rPr>
-                        <a:t>https://datatracker.ietf.org/doc/draft-jiang-cats-usecase-5gedge/</a:t>
+                        <a:t>draft-jiang-cats-usecase-5gedge</a:t>
                       </a:r>
                       <a:r>
                         <a:rPr lang="en-US" altLang="en-GB" sz="1400" dirty="0">
@@ -8331,7 +8302,7 @@
                         <a:latin typeface="+mn-lt"/>
                         <a:ea typeface="+mn-ea"/>
                         <a:cs typeface="+mn-cs"/>
-                        <a:hlinkClick r:id="rId3"/>
+                        <a:hlinkClick r:id="rId5"/>
                       </a:endParaRPr>
                     </a:p>
                     <a:p>
@@ -8356,9 +8327,30 @@
                       <a:r>
                         <a:rPr lang="en-GB" altLang="en-GB" sz="1400" dirty="0">
                           <a:sym typeface="+mn-ea"/>
-                          <a:hlinkClick r:id="rId5" action="ppaction://hlinkfile"/>
+                          <a:hlinkClick r:id="rId7" action="ppaction://hlinkfile"/>
                         </a:rPr>
-                        <a:t>https://datatracker.ietf.org/doc/draft-lcmw-cats-midhaul/</a:t>
+                        <a:t>draft-</a:t>
+                      </a:r>
+                      <a:r>
+                        <a:rPr lang="en-GB" altLang="en-GB" sz="1400" dirty="0" err="1">
+                          <a:sym typeface="+mn-ea"/>
+                          <a:hlinkClick r:id="rId7" action="ppaction://hlinkfile"/>
+                        </a:rPr>
+                        <a:t>lcmw</a:t>
+                      </a:r>
+                      <a:r>
+                        <a:rPr lang="en-GB" altLang="en-GB" sz="1400" dirty="0">
+                          <a:sym typeface="+mn-ea"/>
+                          <a:hlinkClick r:id="rId7" action="ppaction://hlinkfile"/>
+                        </a:rPr>
+                        <a:t>-cats-</a:t>
+                      </a:r>
+                      <a:r>
+                        <a:rPr lang="en-GB" altLang="en-GB" sz="1400" dirty="0" err="1">
+                          <a:sym typeface="+mn-ea"/>
+                          <a:hlinkClick r:id="rId7" action="ppaction://hlinkfile"/>
+                        </a:rPr>
+                        <a:t>midhaul</a:t>
                       </a:r>
                       <a:r>
                         <a:rPr lang="en-US" altLang="en-GB" sz="1400" dirty="0">
@@ -8366,20 +8358,14 @@
                         </a:rPr>
                         <a:t>                             5mins</a:t>
                       </a:r>
-                      <a:endParaRPr lang="en-US" altLang="en-GB" sz="1400" dirty="0">
-                        <a:sym typeface="+mn-ea"/>
-                      </a:endParaRPr>
                     </a:p>
                     <a:p>
                       <a:r>
                         <a:rPr lang="en-US" altLang="en-GB" sz="1400" dirty="0">
                           <a:sym typeface="+mn-ea"/>
                         </a:rPr>
-                        <a:t>Discussion                                                                                                                              5mins</a:t>
-                      </a:r>
-                      <a:endParaRPr lang="en-US" altLang="en-GB" sz="1400" dirty="0">
-                        <a:sym typeface="+mn-ea"/>
-                      </a:endParaRPr>
+                        <a:t>Discussion                                                                  5mins</a:t>
+                      </a:r>
                     </a:p>
                   </a:txBody>
                   <a:tcPr marT="36000" marB="36000" anchor="ctr"/>
@@ -8413,15 +8399,6 @@
                         </a:rPr>
                         <a:t> </a:t>
                       </a:r>
-                      <a:endParaRPr lang="en-US" altLang="en-GB" sz="1400" b="0" i="0" kern="1200" dirty="0">
-                        <a:solidFill>
-                          <a:schemeClr val="dk1"/>
-                        </a:solidFill>
-                        <a:effectLst/>
-                        <a:latin typeface="+mn-lt"/>
-                        <a:ea typeface="+mn-ea"/>
-                        <a:cs typeface="+mn-cs"/>
-                      </a:endParaRPr>
                     </a:p>
                     <a:p>
                       <a:r>
@@ -8436,15 +8413,6 @@
                         </a:rPr>
                         <a:t>Tianji Jiang</a:t>
                       </a:r>
-                      <a:endParaRPr lang="en-US" altLang="en-GB" sz="1400" b="0" i="0" kern="1200" dirty="0">
-                        <a:solidFill>
-                          <a:schemeClr val="dk1"/>
-                        </a:solidFill>
-                        <a:effectLst/>
-                        <a:latin typeface="+mn-lt"/>
-                        <a:ea typeface="+mn-ea"/>
-                        <a:cs typeface="+mn-cs"/>
-                      </a:endParaRPr>
                     </a:p>
                     <a:p>
                       <a:r>
@@ -8459,15 +8427,6 @@
                         </a:rPr>
                         <a:t>Luis M.Contreras</a:t>
                       </a:r>
-                      <a:endParaRPr lang="en-GB" sz="1400" b="0" i="0" kern="1200" dirty="0">
-                        <a:solidFill>
-                          <a:schemeClr val="dk1"/>
-                        </a:solidFill>
-                        <a:effectLst/>
-                        <a:latin typeface="+mn-lt"/>
-                        <a:ea typeface="+mn-ea"/>
-                        <a:cs typeface="+mn-cs"/>
-                      </a:endParaRPr>
                     </a:p>
                     <a:p>
                       <a:r>
@@ -8490,12 +8449,17 @@
                         <a:latin typeface="+mn-lt"/>
                         <a:ea typeface="+mn-ea"/>
                         <a:cs typeface="+mn-cs"/>
-                        <a:hlinkClick r:id="rId3"/>
+                        <a:hlinkClick r:id="rId5"/>
                       </a:endParaRPr>
                     </a:p>
                   </a:txBody>
                   <a:tcPr marT="36000" marB="36000" anchor="ctr"/>
                 </a:tc>
+                <a:extLst>
+                  <a:ext uri="{0D108BD9-81ED-4DB2-BD59-A6C34878D82A}">
+                    <a16:rowId xmlns:a16="http://schemas.microsoft.com/office/drawing/2014/main" val="10005"/>
+                  </a:ext>
+                </a:extLst>
               </a:tr>
               <a:tr h="213360">
                 <a:tc>
@@ -8507,7 +8471,6 @@
                         <a:rPr lang="en-GB" altLang="en-GB" sz="1400" dirty="0"/>
                         <a:t>3</a:t>
                       </a:r>
-                      <a:endParaRPr lang="en-GB" altLang="en-GB" sz="1400" dirty="0"/>
                     </a:p>
                   </a:txBody>
                   <a:tcPr marT="36000" marB="36000" anchor="ctr">
@@ -8528,7 +8491,6 @@
                         <a:rPr lang="en-US" altLang="en-GB" sz="1400" dirty="0"/>
                         <a:t>13:50</a:t>
                       </a:r>
-                      <a:endParaRPr lang="en-US" altLang="en-GB" sz="1400" dirty="0"/>
                     </a:p>
                   </a:txBody>
                   <a:tcPr marT="36000" marB="36000" anchor="ctr">
@@ -8559,7 +8521,7 @@
                       </a:r>
                       <a:endParaRPr lang="en-GB" altLang="en-GB" sz="1400" u="none" dirty="0">
                         <a:sym typeface="+mn-ea"/>
-                        <a:hlinkClick r:id="rId2"/>
+                        <a:hlinkClick r:id="rId4"/>
                       </a:endParaRPr>
                     </a:p>
                   </a:txBody>
@@ -8589,9 +8551,6 @@
                         </a:rPr>
                         <a:t>: CATS Framework</a:t>
                       </a:r>
-                      <a:endParaRPr lang="en-GB" altLang="en-GB" sz="1400" u="none" dirty="0">
-                        <a:sym typeface="+mn-ea"/>
-                      </a:endParaRPr>
                     </a:p>
                     <a:p>
                       <a:r>
@@ -8609,9 +8568,9 @@
                       <a:r>
                         <a:rPr lang="sv-SE" sz="1400" dirty="0">
                           <a:sym typeface="+mn-ea"/>
-                          <a:hlinkClick r:id="rId6"/>
+                          <a:hlinkClick r:id="rId8"/>
                         </a:rPr>
-                        <a:t>https://datatracker.ietf.org/doc/draft-ietf-cats-framework/</a:t>
+                        <a:t>draft-ietf-cats-framework</a:t>
                       </a:r>
                       <a:r>
                         <a:rPr lang="sv-SE" sz="1400" dirty="0">
@@ -8621,7 +8580,7 @@
                       </a:r>
                       <a:endParaRPr lang="en-GB" altLang="en-GB" sz="1400" u="none" dirty="0">
                         <a:sym typeface="+mn-ea"/>
-                        <a:hlinkClick r:id="rId2"/>
+                        <a:hlinkClick r:id="rId4"/>
                       </a:endParaRPr>
                     </a:p>
                   </a:txBody>
@@ -8647,7 +8606,7 @@
                       </a:r>
                       <a:endParaRPr lang="en-GB" altLang="en-GB" sz="1400" u="none" dirty="0">
                         <a:sym typeface="+mn-ea"/>
-                        <a:hlinkClick r:id="rId2"/>
+                        <a:hlinkClick r:id="rId4"/>
                       </a:endParaRPr>
                     </a:p>
                   </a:txBody>
@@ -8660,6 +8619,11 @@
                     </a:solidFill>
                   </a:tcPr>
                 </a:tc>
+                <a:extLst>
+                  <a:ext uri="{0D108BD9-81ED-4DB2-BD59-A6C34878D82A}">
+                    <a16:rowId xmlns:a16="http://schemas.microsoft.com/office/drawing/2014/main" val="10006"/>
+                  </a:ext>
+                </a:extLst>
               </a:tr>
               <a:tr h="262890">
                 <a:tc>
@@ -8671,7 +8635,6 @@
                         <a:rPr lang="en-GB" altLang="en-GB" sz="1400" dirty="0"/>
                         <a:t>4</a:t>
                       </a:r>
-                      <a:endParaRPr lang="en-GB" altLang="en-GB" sz="1400" dirty="0"/>
                     </a:p>
                   </a:txBody>
                   <a:tcPr marT="36000" marB="36000" anchor="ctr">
@@ -8689,7 +8652,6 @@
                         <a:rPr lang="en-US" altLang="en-GB" sz="1400" dirty="0"/>
                         <a:t>14:05</a:t>
                       </a:r>
-                      <a:endParaRPr lang="en-US" altLang="en-GB" sz="1400" dirty="0"/>
                     </a:p>
                   </a:txBody>
                   <a:tcPr marT="36000" marB="36000" anchor="ctr">
@@ -8713,7 +8675,7 @@
                       </a:r>
                       <a:endParaRPr lang="en-GB" altLang="en-GB" sz="1400" u="none" dirty="0">
                         <a:sym typeface="+mn-ea"/>
-                        <a:hlinkClick r:id="rId2"/>
+                        <a:hlinkClick r:id="rId4"/>
                       </a:endParaRPr>
                     </a:p>
                   </a:txBody>
@@ -8746,9 +8708,6 @@
                         </a:rPr>
                         <a:t>CATS Metrics Discussion</a:t>
                       </a:r>
-                      <a:endParaRPr lang="en-GB" altLang="en-GB" sz="1400" u="none">
-                        <a:sym typeface="+mn-ea"/>
-                      </a:endParaRPr>
                     </a:p>
                   </a:txBody>
                   <a:tcPr marT="36000" marB="36000" anchor="ctr">
@@ -8764,7 +8723,7 @@
                     <a:p>
                       <a:endParaRPr lang="en-GB" altLang="en-GB" sz="1400" u="none" dirty="0">
                         <a:sym typeface="+mn-ea"/>
-                        <a:hlinkClick r:id="rId2"/>
+                        <a:hlinkClick r:id="rId4"/>
                       </a:endParaRPr>
                     </a:p>
                   </a:txBody>
@@ -8774,6 +8733,11 @@
                     </a:solidFill>
                   </a:tcPr>
                 </a:tc>
+                <a:extLst>
+                  <a:ext uri="{0D108BD9-81ED-4DB2-BD59-A6C34878D82A}">
+                    <a16:rowId xmlns:a16="http://schemas.microsoft.com/office/drawing/2014/main" val="10007"/>
+                  </a:ext>
+                </a:extLst>
               </a:tr>
               <a:tr h="499110">
                 <a:tc>
@@ -8785,7 +8749,6 @@
                         <a:rPr lang="en-US" altLang="en-GB" sz="1400" dirty="0"/>
                         <a:t>4.1</a:t>
                       </a:r>
-                      <a:endParaRPr lang="en-US" altLang="en-GB" sz="1400" dirty="0"/>
                     </a:p>
                   </a:txBody>
                   <a:tcPr marT="36000" marB="36000" anchor="ctr"/>
@@ -8837,7 +8800,6 @@
                         <a:rPr lang="en-GB" sz="1400" dirty="0"/>
                         <a:t>:	CATS Metric Description and Definition</a:t>
                       </a:r>
-                      <a:endParaRPr lang="en-GB" sz="1400" dirty="0"/>
                     </a:p>
                     <a:p>
                       <a:r>
@@ -8850,15 +8812,26 @@
                       </a:r>
                       <a:r>
                         <a:rPr lang="en-GB" sz="1400" dirty="0">
-                          <a:hlinkClick r:id="rId7"/>
+                          <a:hlinkClick r:id="rId9"/>
                         </a:rPr>
-                        <a:t>https://datatracker.ietf.org/doc/draft-ysl-cats-metric-definition/</a:t>
+                        <a:t>draft-</a:t>
+                      </a:r>
+                      <a:r>
+                        <a:rPr lang="en-GB" sz="1400" dirty="0" err="1">
+                          <a:hlinkClick r:id="rId9"/>
+                        </a:rPr>
+                        <a:t>ysl</a:t>
+                      </a:r>
+                      <a:r>
+                        <a:rPr lang="en-GB" sz="1400" dirty="0">
+                          <a:hlinkClick r:id="rId9"/>
+                        </a:rPr>
+                        <a:t>-cats-metric-definition</a:t>
                       </a:r>
                       <a:r>
                         <a:rPr lang="en-GB" sz="1400" dirty="0"/>
                         <a:t> </a:t>
                       </a:r>
-                      <a:endParaRPr lang="en-GB" sz="1400" dirty="0"/>
                     </a:p>
                   </a:txBody>
                   <a:tcPr marT="36000" marB="36000" anchor="ctr"/>
@@ -8874,13 +8847,15 @@
                         </a:rPr>
                         <a:t>Kehan Yao</a:t>
                       </a:r>
-                      <a:endParaRPr lang="en-GB" sz="1400" dirty="0">
-                        <a:sym typeface="+mn-ea"/>
-                      </a:endParaRPr>
                     </a:p>
                   </a:txBody>
                   <a:tcPr marT="36000" marB="36000" anchor="ctr"/>
                 </a:tc>
+                <a:extLst>
+                  <a:ext uri="{0D108BD9-81ED-4DB2-BD59-A6C34878D82A}">
+                    <a16:rowId xmlns:a16="http://schemas.microsoft.com/office/drawing/2014/main" val="10008"/>
+                  </a:ext>
+                </a:extLst>
               </a:tr>
               <a:tr h="499110">
                 <a:tc>
@@ -8914,6 +8889,147 @@
                         <a:rPr lang="en-US" altLang="en-US" sz="1400" dirty="0"/>
                         <a:t>14:20</a:t>
                       </a:r>
+                    </a:p>
+                  </a:txBody>
+                  <a:tcPr marT="36000" marB="36000" anchor="ctr"/>
+                </a:tc>
+                <a:tc>
+                  <a:txBody>
+                    <a:bodyPr/>
+                    <a:lstStyle/>
+                    <a:p>
+                      <a:pPr algn="l"/>
+                      <a:r>
+                        <a:rPr lang="en-GB" sz="1400" dirty="0"/>
+                        <a:t>1</a:t>
+                      </a:r>
+                      <a:r>
+                        <a:rPr lang="en-US" altLang="en-GB" sz="1400" dirty="0"/>
+                        <a:t>0</a:t>
+                      </a:r>
+                      <a:r>
+                        <a:rPr lang="en-GB" sz="1400" dirty="0"/>
+                        <a:t> mins</a:t>
+                      </a:r>
+                      <a:endParaRPr lang="en-US" altLang="en-GB" sz="1400" dirty="0">
+                        <a:effectLst/>
+                        <a:sym typeface="+mn-ea"/>
+                        <a:hlinkClick r:id="rId10"/>
+                      </a:endParaRPr>
+                    </a:p>
+                  </a:txBody>
+                  <a:tcPr marT="36000" marB="36000" anchor="ctr"/>
+                </a:tc>
+                <a:tc>
+                  <a:txBody>
+                    <a:bodyPr/>
+                    <a:lstStyle/>
+                    <a:p>
+                      <a:pPr algn="l"/>
+                      <a:r>
+                        <a:rPr lang="en-GB" sz="1400" b="1" dirty="0"/>
+                        <a:t>Title</a:t>
+                      </a:r>
+                      <a:r>
+                        <a:rPr lang="en-GB" sz="1400" dirty="0"/>
+                        <a:t>:	Joint Exposure of Network and Compute Information for Infrastructure-Aware Service Deployment</a:t>
+                      </a:r>
+                      <a:endParaRPr lang="en-GB" sz="1400" kern="1200" dirty="0">
+                        <a:solidFill>
+                          <a:schemeClr val="dk1"/>
+                        </a:solidFill>
+                        <a:effectLst/>
+                        <a:latin typeface="+mn-lt"/>
+                        <a:ea typeface="+mn-ea"/>
+                        <a:cs typeface="+mn-cs"/>
+                      </a:endParaRPr>
+                    </a:p>
+                    <a:p>
+                      <a:r>
+                        <a:rPr lang="en-GB" sz="1400" b="1" dirty="0"/>
+                        <a:t>Draft</a:t>
+                      </a:r>
+                      <a:r>
+                        <a:rPr lang="en-GB" sz="1400" dirty="0"/>
+                        <a:t>: </a:t>
+                      </a:r>
+                      <a:r>
+                        <a:rPr lang="en-GB" sz="1400" dirty="0">
+                          <a:hlinkClick r:id="rId5"/>
+                        </a:rPr>
+                        <a:t>draft-</a:t>
+                      </a:r>
+                      <a:r>
+                        <a:rPr lang="en-GB" sz="1400" dirty="0" err="1">
+                          <a:hlinkClick r:id="rId5"/>
+                        </a:rPr>
+                        <a:t>rcr</a:t>
+                      </a:r>
+                      <a:r>
+                        <a:rPr lang="en-GB" sz="1400" dirty="0">
+                          <a:hlinkClick r:id="rId5"/>
+                        </a:rPr>
+                        <a:t>-opsawg-operational-compute-metrics</a:t>
+                      </a:r>
+                      <a:endParaRPr lang="en-US" altLang="en-GB" sz="1400" dirty="0">
+                        <a:effectLst/>
+                        <a:sym typeface="+mn-ea"/>
+                        <a:hlinkClick r:id="rId10"/>
+                      </a:endParaRPr>
+                    </a:p>
+                  </a:txBody>
+                  <a:tcPr marT="36000" marB="36000" anchor="ctr"/>
+                </a:tc>
+                <a:tc>
+                  <a:txBody>
+                    <a:bodyPr/>
+                    <a:lstStyle/>
+                    <a:p>
+                      <a:r>
+                        <a:rPr lang="en-US" altLang="en-GB" sz="1400" dirty="0">
+                          <a:effectLst/>
+                          <a:sym typeface="+mn-ea"/>
+                        </a:rPr>
+                        <a:t>Jordi Ros Giralt</a:t>
+                      </a:r>
+                      <a:endParaRPr lang="en-US" altLang="en-GB" sz="1400" dirty="0">
+                        <a:effectLst/>
+                        <a:sym typeface="+mn-ea"/>
+                        <a:hlinkClick r:id="rId10"/>
+                      </a:endParaRPr>
+                    </a:p>
+                  </a:txBody>
+                  <a:tcPr marT="36000" marB="36000" anchor="ctr"/>
+                </a:tc>
+                <a:extLst>
+                  <a:ext uri="{0D108BD9-81ED-4DB2-BD59-A6C34878D82A}">
+                    <a16:rowId xmlns:a16="http://schemas.microsoft.com/office/drawing/2014/main" val="10009"/>
+                  </a:ext>
+                </a:extLst>
+              </a:tr>
+              <a:tr h="499110">
+                <a:tc>
+                  <a:txBody>
+                    <a:bodyPr/>
+                    <a:lstStyle/>
+                    <a:p>
+                      <a:r>
+                        <a:rPr lang="en-US" altLang="en-GB" sz="1400" dirty="0"/>
+                        <a:t>4.3</a:t>
+                      </a:r>
+                    </a:p>
+                  </a:txBody>
+                  <a:tcPr marT="36000" marB="36000" anchor="ctr"/>
+                </a:tc>
+                <a:tc>
+                  <a:txBody>
+                    <a:bodyPr/>
+                    <a:lstStyle/>
+                    <a:p>
+                      <a:r>
+                        <a:rPr lang="en-US" sz="1400" dirty="0"/>
+                        <a:t>14:30</a:t>
+                      </a:r>
                       <a:endParaRPr lang="en-US" altLang="en-US" sz="1400" dirty="0"/>
                     </a:p>
                   </a:txBody>
@@ -8926,22 +9042,12 @@
                     <a:p>
                       <a:pPr algn="l"/>
                       <a:r>
-                        <a:rPr lang="en-GB" sz="1400" dirty="0"/>
-                        <a:t>1</a:t>
-                      </a:r>
-                      <a:r>
-                        <a:rPr lang="en-US" altLang="en-GB" sz="1400" dirty="0"/>
-                        <a:t>0</a:t>
-                      </a:r>
-                      <a:r>
-                        <a:rPr lang="en-GB" sz="1400" dirty="0"/>
-                        <a:t> mins</a:t>
-                      </a:r>
-                      <a:endParaRPr lang="en-US" altLang="en-GB" sz="1400" dirty="0">
-                        <a:effectLst/>
-                        <a:sym typeface="+mn-ea"/>
-                        <a:hlinkClick r:id="rId8"/>
-                      </a:endParaRPr>
+                        <a:rPr lang="en-US" altLang="en-GB" sz="1400" dirty="0">
+                          <a:effectLst/>
+                          <a:sym typeface="+mn-ea"/>
+                        </a:rPr>
+                        <a:t>20mins</a:t>
+                      </a:r>
                     </a:p>
                   </a:txBody>
                   <a:tcPr marT="36000" marB="36000" anchor="ctr"/>
@@ -8953,47 +9059,12 @@
                     <a:p>
                       <a:pPr algn="l"/>
                       <a:r>
-                        <a:rPr lang="en-GB" sz="1400" b="1" dirty="0"/>
-                        <a:t>Title</a:t>
-                      </a:r>
-                      <a:r>
-                        <a:rPr lang="en-GB" sz="1400" dirty="0"/>
-                        <a:t>:	Joint Exposure of Network and Compute Information for Infrastructure-Aware Service Deployment</a:t>
-                      </a:r>
-                      <a:endParaRPr lang="en-GB" sz="1400" kern="1200" dirty="0">
-                        <a:solidFill>
-                          <a:schemeClr val="dk1"/>
-                        </a:solidFill>
-                        <a:effectLst/>
-                        <a:latin typeface="+mn-lt"/>
-                        <a:ea typeface="+mn-ea"/>
-                        <a:cs typeface="+mn-cs"/>
-                      </a:endParaRPr>
-                    </a:p>
-                    <a:p>
-                      <a:r>
-                        <a:rPr lang="en-GB" sz="1400" b="1" dirty="0"/>
-                        <a:t>Draft</a:t>
-                      </a:r>
-                      <a:r>
-                        <a:rPr lang="en-GB" sz="1400" dirty="0"/>
-                        <a:t>: </a:t>
-                      </a:r>
-                      <a:r>
-                        <a:rPr lang="en-GB" sz="1400" dirty="0">
-                          <a:hlinkClick r:id="rId3"/>
+                        <a:rPr lang="en-US" altLang="en-GB" sz="1400" dirty="0">
+                          <a:effectLst/>
+                          <a:sym typeface="+mn-ea"/>
                         </a:rPr>
-                        <a:t>https://datatracker.ietf.org/doc/draft-rcr-opsawg-operational-compute-metrics/</a:t>
-                      </a:r>
-                      <a:r>
-                        <a:rPr lang="en-GB" sz="1400" dirty="0"/>
-                        <a:t> </a:t>
-                      </a:r>
-                      <a:endParaRPr lang="en-US" altLang="en-GB" sz="1400" dirty="0">
-                        <a:effectLst/>
-                        <a:sym typeface="+mn-ea"/>
-                        <a:hlinkClick r:id="rId8"/>
-                      </a:endParaRPr>
+                        <a:t>Plan for the WG</a:t>
+                      </a:r>
                     </a:p>
                   </a:txBody>
                   <a:tcPr marT="36000" marB="36000" anchor="ctr"/>
@@ -9008,109 +9079,17 @@
                           <a:effectLst/>
                           <a:sym typeface="+mn-ea"/>
                         </a:rPr>
-                        <a:t>Jordi Ros Giralt</a:t>
-                      </a:r>
-                      <a:endParaRPr lang="en-US" altLang="en-GB" sz="1400" dirty="0">
-                        <a:effectLst/>
-                        <a:sym typeface="+mn-ea"/>
-                        <a:hlinkClick r:id="rId8"/>
-                      </a:endParaRPr>
+                        <a:t>Chairs &amp; All</a:t>
+                      </a:r>
                     </a:p>
                   </a:txBody>
                   <a:tcPr marT="36000" marB="36000" anchor="ctr"/>
                 </a:tc>
-              </a:tr>
-              <a:tr h="499110">
-                <a:tc>
-                  <a:txBody>
-                    <a:bodyPr/>
-                    <a:lstStyle/>
-                    <a:p>
-                      <a:r>
-                        <a:rPr lang="en-US" altLang="en-GB" sz="1400" dirty="0"/>
-                        <a:t>4.3</a:t>
-                      </a:r>
-                      <a:endParaRPr lang="en-US" altLang="en-GB" sz="1400" dirty="0"/>
-                    </a:p>
-                  </a:txBody>
-                  <a:tcPr marT="36000" marB="36000" anchor="ctr"/>
-                </a:tc>
-                <a:tc>
-                  <a:txBody>
-                    <a:bodyPr/>
-                    <a:lstStyle/>
-                    <a:p>
-                      <a:r>
-                        <a:rPr lang="en-US" sz="1400" dirty="0"/>
-                        <a:t>14:30</a:t>
-                      </a:r>
-                      <a:endParaRPr lang="en-US" altLang="en-US" sz="1400" dirty="0"/>
-                    </a:p>
-                  </a:txBody>
-                  <a:tcPr marT="36000" marB="36000" anchor="ctr"/>
-                </a:tc>
-                <a:tc>
-                  <a:txBody>
-                    <a:bodyPr/>
-                    <a:lstStyle/>
-                    <a:p>
-                      <a:pPr algn="l"/>
-                      <a:r>
-                        <a:rPr lang="en-US" altLang="en-GB" sz="1400" dirty="0">
-                          <a:effectLst/>
-                          <a:sym typeface="+mn-ea"/>
-                        </a:rPr>
-                        <a:t>20mins</a:t>
-                      </a:r>
-                      <a:endParaRPr lang="en-US" altLang="en-GB" sz="1400" dirty="0">
-                        <a:effectLst/>
-                        <a:sym typeface="+mn-ea"/>
-                      </a:endParaRPr>
-                    </a:p>
-                  </a:txBody>
-                  <a:tcPr marT="36000" marB="36000" anchor="ctr"/>
-                </a:tc>
-                <a:tc>
-                  <a:txBody>
-                    <a:bodyPr/>
-                    <a:lstStyle/>
-                    <a:p>
-                      <a:pPr algn="l"/>
-                      <a:r>
-                        <a:rPr lang="en-US" altLang="en-GB" sz="1400" dirty="0">
-                          <a:effectLst/>
-                          <a:sym typeface="+mn-ea"/>
-                        </a:rPr>
-                        <a:t>Plan for the WG</a:t>
-                      </a:r>
-                      <a:endParaRPr lang="en-US" altLang="en-GB" sz="1400" dirty="0">
-                        <a:effectLst/>
-                        <a:sym typeface="+mn-ea"/>
-                      </a:endParaRPr>
-                    </a:p>
-                  </a:txBody>
-                  <a:tcPr marT="36000" marB="36000" anchor="ctr"/>
-                </a:tc>
-                <a:tc>
-                  <a:txBody>
-                    <a:bodyPr/>
-                    <a:lstStyle/>
-                    <a:p>
-                      <a:r>
-                        <a:rPr lang="en-US" altLang="en-GB" sz="1400" dirty="0">
-                          <a:effectLst/>
-                          <a:sym typeface="+mn-ea"/>
-                        </a:rPr>
-                        <a:t>Chairs and All</a:t>
-                      </a:r>
-                      <a:endParaRPr lang="en-US" altLang="en-GB" sz="1400" dirty="0">
-                        <a:effectLst/>
-                        <a:sym typeface="+mn-ea"/>
-                      </a:endParaRPr>
-                    </a:p>
-                  </a:txBody>
-                  <a:tcPr marT="36000" marB="36000" anchor="ctr"/>
-                </a:tc>
+                <a:extLst>
+                  <a:ext uri="{0D108BD9-81ED-4DB2-BD59-A6C34878D82A}">
+                    <a16:rowId xmlns:a16="http://schemas.microsoft.com/office/drawing/2014/main" val="10010"/>
+                  </a:ext>
+                </a:extLst>
               </a:tr>
             </a:tbl>
           </a:graphicData>
@@ -9142,7 +9121,6 @@
               <a:rPr lang="en-GB" dirty="0"/>
               <a:t>Detailed Agenda</a:t>
             </a:r>
-            <a:endParaRPr lang="en-GB" dirty="0"/>
           </a:p>
         </p:txBody>
       </p:sp>
@@ -9170,7 +9148,6 @@
               <a:rPr lang="en-US" dirty="0"/>
               <a:t>CATS WG - IETF 121, Dublin – November 2024</a:t>
             </a:r>
-            <a:endParaRPr lang="en-US" dirty="0"/>
           </a:p>
         </p:txBody>
       </p:sp>
@@ -9216,6 +9193,7 @@
           <a:p>
             <a:fld id="{BA9B540C-44DA-4F69-89C9-7C84606640D3}" type="slidenum">
               <a:rPr lang="en-US" smtClean="0"/>
+              <a:t>11</a:t>
             </a:fld>
             <a:endParaRPr lang="en-US"/>
           </a:p>
@@ -9231,6 +9209,11 @@
             <p:custDataLst>
               <p:tags r:id="rId1"/>
             </p:custDataLst>
+            <p:extLst>
+              <p:ext uri="{D42A27DB-BD31-4B8C-83A1-F6EECF244321}">
+                <p14:modId xmlns:p14="http://schemas.microsoft.com/office/powerpoint/2010/main" val="3076853936"/>
+              </p:ext>
+            </p:extLst>
           </p:nvPr>
         </p:nvGraphicFramePr>
         <p:xfrm>
@@ -9244,11 +9227,41 @@
                 <a:tableStyleId>{0660B408-B3CF-4A94-85FC-2B1E0A45F4A2}</a:tableStyleId>
               </a:tblPr>
               <a:tblGrid>
-                <a:gridCol w="537210"/>
-                <a:gridCol w="778540"/>
-                <a:gridCol w="970250"/>
-                <a:gridCol w="7910585"/>
-                <a:gridCol w="1332974"/>
+                <a:gridCol w="537210">
+                  <a:extLst>
+                    <a:ext uri="{9D8B030D-6E8A-4147-A177-3AD203B41FA5}">
+                      <a16:colId xmlns:a16="http://schemas.microsoft.com/office/drawing/2014/main" val="20000"/>
+                    </a:ext>
+                  </a:extLst>
+                </a:gridCol>
+                <a:gridCol w="778540">
+                  <a:extLst>
+                    <a:ext uri="{9D8B030D-6E8A-4147-A177-3AD203B41FA5}">
+                      <a16:colId xmlns:a16="http://schemas.microsoft.com/office/drawing/2014/main" val="20001"/>
+                    </a:ext>
+                  </a:extLst>
+                </a:gridCol>
+                <a:gridCol w="970250">
+                  <a:extLst>
+                    <a:ext uri="{9D8B030D-6E8A-4147-A177-3AD203B41FA5}">
+                      <a16:colId xmlns:a16="http://schemas.microsoft.com/office/drawing/2014/main" val="20002"/>
+                    </a:ext>
+                  </a:extLst>
+                </a:gridCol>
+                <a:gridCol w="7910585">
+                  <a:extLst>
+                    <a:ext uri="{9D8B030D-6E8A-4147-A177-3AD203B41FA5}">
+                      <a16:colId xmlns:a16="http://schemas.microsoft.com/office/drawing/2014/main" val="20003"/>
+                    </a:ext>
+                  </a:extLst>
+                </a:gridCol>
+                <a:gridCol w="1332974">
+                  <a:extLst>
+                    <a:ext uri="{9D8B030D-6E8A-4147-A177-3AD203B41FA5}">
+                      <a16:colId xmlns:a16="http://schemas.microsoft.com/office/drawing/2014/main" val="20004"/>
+                    </a:ext>
+                  </a:extLst>
+                </a:gridCol>
               </a:tblGrid>
               <a:tr h="335280">
                 <a:tc>
@@ -9259,6 +9272,45 @@
                       <a:r>
                         <a:rPr lang="en-GB" sz="1600" dirty="0"/>
                         <a:t>Slot</a:t>
+                      </a:r>
+                    </a:p>
+                  </a:txBody>
+                  <a:tcPr/>
+                </a:tc>
+                <a:tc>
+                  <a:txBody>
+                    <a:bodyPr/>
+                    <a:lstStyle/>
+                    <a:p>
+                      <a:r>
+                        <a:rPr lang="en-GB" sz="1600" dirty="0"/>
+                        <a:t>Start</a:t>
+                      </a:r>
+                    </a:p>
+                  </a:txBody>
+                  <a:tcPr/>
+                </a:tc>
+                <a:tc>
+                  <a:txBody>
+                    <a:bodyPr/>
+                    <a:lstStyle/>
+                    <a:p>
+                      <a:r>
+                        <a:rPr lang="en-GB" sz="1600" dirty="0"/>
+                        <a:t>Duration</a:t>
+                      </a:r>
+                    </a:p>
+                  </a:txBody>
+                  <a:tcPr/>
+                </a:tc>
+                <a:tc>
+                  <a:txBody>
+                    <a:bodyPr/>
+                    <a:lstStyle/>
+                    <a:p>
+                      <a:r>
+                        <a:rPr lang="en-GB" sz="1600"/>
+                        <a:t>Information</a:t>
                       </a:r>
                       <a:endParaRPr lang="en-GB" sz="1600" dirty="0"/>
                     </a:p>
@@ -9272,55 +9324,17 @@
                     <a:p>
                       <a:r>
                         <a:rPr lang="en-GB" sz="1600" dirty="0"/>
-                        <a:t>Start</a:t>
-                      </a:r>
-                      <a:endParaRPr lang="en-GB" sz="1600" dirty="0"/>
+                        <a:t>Presenter</a:t>
+                      </a:r>
                     </a:p>
                   </a:txBody>
                   <a:tcPr/>
                 </a:tc>
-                <a:tc>
-                  <a:txBody>
-                    <a:bodyPr/>
-                    <a:lstStyle/>
-                    <a:p>
-                      <a:r>
-                        <a:rPr lang="en-GB" sz="1600" dirty="0"/>
-                        <a:t>Duration</a:t>
-                      </a:r>
-                      <a:endParaRPr lang="en-GB" sz="1600" dirty="0"/>
-                    </a:p>
-                  </a:txBody>
-                  <a:tcPr/>
-                </a:tc>
-                <a:tc>
-                  <a:txBody>
-                    <a:bodyPr/>
-                    <a:lstStyle/>
-                    <a:p>
-                      <a:r>
-                        <a:rPr lang="en-GB" sz="1600"/>
-                        <a:t>Information</a:t>
-                      </a:r>
-                      <a:endParaRPr lang="en-GB" sz="1600" dirty="0"/>
-                    </a:p>
-                  </a:txBody>
-                  <a:tcPr/>
-                </a:tc>
-                <a:tc>
-                  <a:txBody>
-                    <a:bodyPr/>
-                    <a:lstStyle/>
-                    <a:p>
-                      <a:r>
-                        <a:rPr lang="en-GB" sz="1600" dirty="0"/>
-                        <a:t>Presenter</a:t>
-                      </a:r>
-                      <a:endParaRPr lang="en-GB" sz="1600" dirty="0"/>
-                    </a:p>
-                  </a:txBody>
-                  <a:tcPr/>
-                </a:tc>
+                <a:extLst>
+                  <a:ext uri="{0D108BD9-81ED-4DB2-BD59-A6C34878D82A}">
+                    <a16:rowId xmlns:a16="http://schemas.microsoft.com/office/drawing/2014/main" val="10000"/>
+                  </a:ext>
+                </a:extLst>
               </a:tr>
               <a:tr h="336550">
                 <a:tc>
@@ -9352,7 +9366,6 @@
                         <a:rPr lang="en-US" altLang="en-GB" sz="1400" dirty="0"/>
                         <a:t>14:50</a:t>
                       </a:r>
-                      <a:endParaRPr lang="en-US" altLang="en-GB" sz="1400" dirty="0"/>
                     </a:p>
                   </a:txBody>
                   <a:tcPr marT="36000" marB="36000" anchor="ctr">
@@ -9370,7 +9383,6 @@
                         <a:rPr lang="en-GB" sz="1400" dirty="0"/>
                         <a:t>10 mins</a:t>
                       </a:r>
-                      <a:endParaRPr lang="en-GB" sz="1400" dirty="0"/>
                     </a:p>
                   </a:txBody>
                   <a:tcPr marT="36000" marB="36000" anchor="ctr">
@@ -9408,7 +9420,7 @@
                     <a:p>
                       <a:endParaRPr lang="en-GB" altLang="en-GB" sz="1400" u="none" dirty="0">
                         <a:sym typeface="+mn-ea"/>
-                        <a:hlinkClick r:id="rId2"/>
+                        <a:hlinkClick r:id="rId4"/>
                       </a:endParaRPr>
                     </a:p>
                   </a:txBody>
@@ -9418,6 +9430,11 @@
                     </a:solidFill>
                   </a:tcPr>
                 </a:tc>
+                <a:extLst>
+                  <a:ext uri="{0D108BD9-81ED-4DB2-BD59-A6C34878D82A}">
+                    <a16:rowId xmlns:a16="http://schemas.microsoft.com/office/drawing/2014/main" val="10001"/>
+                  </a:ext>
+                </a:extLst>
               </a:tr>
               <a:tr h="499110">
                 <a:tc>
@@ -9427,7 +9444,116 @@
                     <a:p>
                       <a:r>
                         <a:rPr lang="en-US" altLang="en-GB" sz="1400" dirty="0"/>
-                        <a:t>5.</a:t>
+                        <a:t>5.1</a:t>
+                      </a:r>
+                    </a:p>
+                  </a:txBody>
+                  <a:tcPr marT="36000" marB="36000" anchor="ctr"/>
+                </a:tc>
+                <a:tc>
+                  <a:txBody>
+                    <a:bodyPr/>
+                    <a:lstStyle/>
+                    <a:p>
+                      <a:endParaRPr lang="en-US" altLang="en-GB" sz="1400" dirty="0"/>
+                    </a:p>
+                  </a:txBody>
+                  <a:tcPr marT="36000" marB="36000" anchor="ctr"/>
+                </a:tc>
+                <a:tc>
+                  <a:txBody>
+                    <a:bodyPr/>
+                    <a:lstStyle/>
+                    <a:p>
+                      <a:r>
+                        <a:rPr lang="en-US" altLang="en-GB" sz="1400" dirty="0"/>
+                        <a:t>2</a:t>
+                      </a:r>
+                      <a:r>
+                        <a:rPr lang="en-GB" sz="1400" dirty="0"/>
+                        <a:t> mins</a:t>
+                      </a:r>
+                      <a:endParaRPr lang="en-GB" altLang="en-GB" sz="1400" dirty="0">
+                        <a:sym typeface="+mn-ea"/>
+                        <a:hlinkClick r:id="rId4"/>
+                      </a:endParaRPr>
+                    </a:p>
+                  </a:txBody>
+                  <a:tcPr marT="36000" marB="36000" anchor="ctr"/>
+                </a:tc>
+                <a:tc>
+                  <a:txBody>
+                    <a:bodyPr/>
+                    <a:lstStyle/>
+                    <a:p>
+                      <a:r>
+                        <a:rPr lang="en-GB" sz="1400" b="1" dirty="0"/>
+                        <a:t>Title</a:t>
+                      </a:r>
+                      <a:r>
+                        <a:rPr lang="en-GB" sz="1400" dirty="0"/>
+                        <a:t>:	Security Considerations for Computing-Aware Traffic Steering</a:t>
+                      </a:r>
+                    </a:p>
+                    <a:p>
+                      <a:r>
+                        <a:rPr lang="en-GB" sz="1400" b="1" dirty="0">
+                          <a:sym typeface="+mn-ea"/>
+                        </a:rPr>
+                        <a:t>Draft</a:t>
+                      </a:r>
+                      <a:r>
+                        <a:rPr lang="en-GB" sz="1400" dirty="0">
+                          <a:sym typeface="+mn-ea"/>
+                        </a:rPr>
+                        <a:t>: </a:t>
+                      </a:r>
+                      <a:r>
+                        <a:rPr lang="en-GB" sz="1400" dirty="0">
+                          <a:sym typeface="+mn-ea"/>
+                          <a:hlinkClick r:id="rId5" action="ppaction://hlinkfile"/>
+                        </a:rPr>
+                        <a:t>draft-wang-cats-security-considerations</a:t>
+                      </a:r>
+                      <a:endParaRPr lang="en-GB" sz="1400" dirty="0">
+                        <a:sym typeface="+mn-ea"/>
+                      </a:endParaRPr>
+                    </a:p>
+                  </a:txBody>
+                  <a:tcPr marT="36000" marB="36000" anchor="ctr"/>
+                </a:tc>
+                <a:tc>
+                  <a:txBody>
+                    <a:bodyPr/>
+                    <a:lstStyle/>
+                    <a:p>
+                      <a:r>
+                        <a:rPr lang="en-US" altLang="en-GB" sz="1400" dirty="0">
+                          <a:sym typeface="+mn-ea"/>
+                        </a:rPr>
+                        <a:t>Yu Fu</a:t>
+                      </a:r>
+                    </a:p>
+                  </a:txBody>
+                  <a:tcPr marT="36000" marB="36000" anchor="ctr"/>
+                </a:tc>
+                <a:extLst>
+                  <a:ext uri="{0D108BD9-81ED-4DB2-BD59-A6C34878D82A}">
+                    <a16:rowId xmlns:a16="http://schemas.microsoft.com/office/drawing/2014/main" val="10002"/>
+                  </a:ext>
+                </a:extLst>
+              </a:tr>
+              <a:tr h="499110">
+                <a:tc>
+                  <a:txBody>
+                    <a:bodyPr/>
+                    <a:lstStyle/>
+                    <a:p>
+                      <a:r>
+                        <a:rPr lang="en-US" altLang="en-GB" sz="1400" dirty="0">
+                          <a:sym typeface="+mn-ea"/>
+                        </a:rPr>
+                        <a:t>5.2</a:t>
                       </a:r>
                       <a:endParaRPr lang="en-US" altLang="en-GB" sz="1400" dirty="0"/>
                     </a:p>
@@ -9457,9 +9583,15 @@
                         <a:rPr lang="en-GB" sz="1400" dirty="0"/>
                         <a:t> mins</a:t>
                       </a:r>
-                      <a:endParaRPr lang="en-GB" altLang="en-GB" sz="1400" dirty="0">
-                        <a:sym typeface="+mn-ea"/>
-                        <a:hlinkClick r:id="rId2"/>
+                      <a:endParaRPr lang="en-GB" sz="1400" b="0" i="0" kern="1200" dirty="0">
+                        <a:solidFill>
+                          <a:schemeClr val="dk1"/>
+                        </a:solidFill>
+                        <a:effectLst/>
+                        <a:latin typeface="+mn-lt"/>
+                        <a:ea typeface="+mn-ea"/>
+                        <a:cs typeface="+mn-cs"/>
+                        <a:hlinkClick r:id="rId6"/>
                       </a:endParaRPr>
                     </a:p>
                   </a:txBody>
@@ -9476,33 +9608,49 @@
                       </a:r>
                       <a:r>
                         <a:rPr lang="en-GB" sz="1400" dirty="0"/>
-                        <a:t>:	Security Considerations for Computing-Aware Traffic Steering</a:t>
-                      </a:r>
-                      <a:endParaRPr lang="en-GB" sz="1400" dirty="0"/>
+                        <a:t>: A mechanism of security monitoring and management for service resources in Computing-Aware Traffic Steering (CATS)</a:t>
+                      </a:r>
                     </a:p>
                     <a:p>
                       <a:r>
-                        <a:rPr lang="en-GB" sz="1400" b="1" dirty="0">
-                          <a:sym typeface="+mn-ea"/>
+                        <a:rPr lang="en-GB" sz="1400" b="1" dirty="0"/>
+                        <a:t>Draft</a:t>
+                      </a:r>
+                      <a:r>
+                        <a:rPr lang="en-GB" sz="1400" dirty="0"/>
+                        <a:t>: </a:t>
+                      </a:r>
+                      <a:r>
+                        <a:rPr lang="en-GB" sz="1400" dirty="0">
+                          <a:hlinkClick r:id="rId7" action="ppaction://hlinkfile"/>
                         </a:rPr>
-                        <a:t>Draft</a:t>
+                        <a:t>draft-</a:t>
+                      </a:r>
+                      <a:r>
+                        <a:rPr lang="en-GB" sz="1400" dirty="0" err="1">
+                          <a:hlinkClick r:id="rId7" action="ppaction://hlinkfile"/>
+                        </a:rPr>
+                        <a:t>lu</a:t>
                       </a:r>
                       <a:r>
                         <a:rPr lang="en-GB" sz="1400" dirty="0">
-                          <a:sym typeface="+mn-ea"/>
+                          <a:hlinkClick r:id="rId7" action="ppaction://hlinkfile"/>
                         </a:rPr>
-                        <a:t>: </a:t>
+                        <a:t>-cats-</a:t>
+                      </a:r>
+                      <a:r>
+                        <a:rPr lang="en-GB" sz="1400" dirty="0" err="1">
+                          <a:hlinkClick r:id="rId7" action="ppaction://hlinkfile"/>
+                        </a:rPr>
+                        <a:t>smam</a:t>
                       </a:r>
                       <a:r>
                         <a:rPr lang="en-GB" sz="1400" dirty="0">
-                          <a:sym typeface="+mn-ea"/>
-                          <a:hlinkClick r:id="rId3" action="ppaction://hlinkfile"/>
+                          <a:hlinkClick r:id="rId7" action="ppaction://hlinkfile"/>
                         </a:rPr>
-                        <a:t>draft-wang-cats-security-considerations</a:t>
-                      </a:r>
-                      <a:endParaRPr lang="en-GB" sz="1400" dirty="0">
-                        <a:sym typeface="+mn-ea"/>
-                      </a:endParaRPr>
+                        <a:t>-security</a:t>
+                      </a:r>
+                      <a:endParaRPr lang="en-GB" sz="1400" dirty="0"/>
                     </a:p>
                   </a:txBody>
                   <a:tcPr marT="36000" marB="36000" anchor="ctr"/>
@@ -9513,18 +9661,26 @@
                     <a:lstStyle/>
                     <a:p>
                       <a:r>
-                        <a:rPr lang="en-US" altLang="en-GB" sz="1400" dirty="0">
-                          <a:sym typeface="+mn-ea"/>
+                        <a:rPr lang="en-GB" sz="1400" b="0" i="0" u="none" kern="1200" dirty="0">
+                          <a:solidFill>
+                            <a:schemeClr val="dk1"/>
+                          </a:solidFill>
+                          <a:effectLst/>
+                          <a:latin typeface="+mn-lt"/>
+                          <a:ea typeface="+mn-ea"/>
+                          <a:cs typeface="+mn-cs"/>
                         </a:rPr>
-                        <a:t>Yu Fu</a:t>
-                      </a:r>
-                      <a:endParaRPr lang="en-US" altLang="en-GB" sz="1400" dirty="0">
-                        <a:sym typeface="+mn-ea"/>
-                      </a:endParaRPr>
+                        <a:t>Meiling Chen</a:t>
+                      </a:r>
                     </a:p>
                   </a:txBody>
                   <a:tcPr marT="36000" marB="36000" anchor="ctr"/>
                 </a:tc>
+                <a:extLst>
+                  <a:ext uri="{0D108BD9-81ED-4DB2-BD59-A6C34878D82A}">
+                    <a16:rowId xmlns:a16="http://schemas.microsoft.com/office/drawing/2014/main" val="10003"/>
+                  </a:ext>
+                </a:extLst>
               </a:tr>
               <a:tr h="499110">
                 <a:tc>
@@ -9533,12 +9689,9 @@
                     <a:lstStyle/>
                     <a:p>
                       <a:r>
-                        <a:rPr lang="en-US" altLang="en-GB" sz="1400" dirty="0">
-                          <a:sym typeface="+mn-ea"/>
-                        </a:rPr>
-                        <a:t>5b</a:t>
-                      </a:r>
-                      <a:endParaRPr lang="en-US" altLang="en-GB" sz="1400" dirty="0"/>
+                        <a:rPr lang="en-US" altLang="en-GB" sz="1400" dirty="0"/>
+                        <a:t>5.3</a:t>
+                      </a:r>
                     </a:p>
                   </a:txBody>
                   <a:tcPr marT="36000" marB="36000" anchor="ctr"/>
@@ -9559,11 +9712,27 @@
                     <a:lstStyle/>
                     <a:p>
                       <a:r>
-                        <a:rPr lang="en-US" altLang="en-GB" sz="1400" dirty="0"/>
+                        <a:rPr lang="en-US" altLang="en-GB" sz="1400" b="0" i="0" kern="1200" dirty="0">
+                          <a:solidFill>
+                            <a:schemeClr val="dk1"/>
+                          </a:solidFill>
+                          <a:effectLst/>
+                          <a:latin typeface="+mn-lt"/>
+                          <a:ea typeface="+mn-ea"/>
+                          <a:cs typeface="+mn-cs"/>
+                        </a:rPr>
                         <a:t>2</a:t>
                       </a:r>
                       <a:r>
-                        <a:rPr lang="en-GB" sz="1400" dirty="0"/>
+                        <a:rPr lang="en-GB" sz="1400" b="0" i="0" kern="1200" dirty="0">
+                          <a:solidFill>
+                            <a:schemeClr val="dk1"/>
+                          </a:solidFill>
+                          <a:effectLst/>
+                          <a:latin typeface="+mn-lt"/>
+                          <a:ea typeface="+mn-ea"/>
+                          <a:cs typeface="+mn-cs"/>
+                        </a:rPr>
                         <a:t> mins</a:t>
                       </a:r>
                       <a:endParaRPr lang="en-GB" sz="1400" b="0" i="0" kern="1200" dirty="0">
@@ -9574,7 +9743,7 @@
                         <a:latin typeface="+mn-lt"/>
                         <a:ea typeface="+mn-ea"/>
                         <a:cs typeface="+mn-cs"/>
-                        <a:hlinkClick r:id="rId4"/>
+                        <a:hlinkClick r:id="rId6"/>
                       </a:endParaRPr>
                     </a:p>
                   </a:txBody>
@@ -9591,9 +9760,8 @@
                       </a:r>
                       <a:r>
                         <a:rPr lang="en-GB" sz="1400" dirty="0"/>
-                        <a:t>: A mechanism of security monitoring and management for service resources in Computing-Aware Traffic Steering (CATS)</a:t>
-                      </a:r>
-                      <a:endParaRPr lang="en-GB" sz="1400" dirty="0"/>
+                        <a:t>:	Microloop Prevention in a Hierarchical Segment Routing Solution for CATS</a:t>
+                      </a:r>
                     </a:p>
                     <a:p>
                       <a:r>
@@ -9606,33 +9774,9 @@
                       </a:r>
                       <a:r>
                         <a:rPr lang="en-GB" sz="1400" dirty="0">
-                          <a:hlinkClick r:id="rId5" action="ppaction://hlinkfile"/>
+                          <a:hlinkClick r:id="rId8" action="ppaction://hlinkfile"/>
                         </a:rPr>
-                        <a:t>draft-</a:t>
-                      </a:r>
-                      <a:r>
-                        <a:rPr lang="en-GB" sz="1400" dirty="0" err="1">
-                          <a:hlinkClick r:id="rId5" action="ppaction://hlinkfile"/>
-                        </a:rPr>
-                        <a:t>lu</a:t>
-                      </a:r>
-                      <a:r>
-                        <a:rPr lang="en-GB" sz="1400" dirty="0">
-                          <a:hlinkClick r:id="rId5" action="ppaction://hlinkfile"/>
-                        </a:rPr>
-                        <a:t>-cats-</a:t>
-                      </a:r>
-                      <a:r>
-                        <a:rPr lang="en-GB" sz="1400" dirty="0" err="1">
-                          <a:hlinkClick r:id="rId5" action="ppaction://hlinkfile"/>
-                        </a:rPr>
-                        <a:t>smam</a:t>
-                      </a:r>
-                      <a:r>
-                        <a:rPr lang="en-GB" sz="1400" dirty="0">
-                          <a:hlinkClick r:id="rId5" action="ppaction://hlinkfile"/>
-                        </a:rPr>
-                        <a:t>-security</a:t>
+                        <a:t>draft-yuan-cats-hierarchical-loop-prevention</a:t>
                       </a:r>
                       <a:endParaRPr lang="en-GB" sz="1400" dirty="0"/>
                     </a:p>
@@ -9645,7 +9789,7 @@
                     <a:lstStyle/>
                     <a:p>
                       <a:r>
-                        <a:rPr lang="en-GB" sz="1400" b="0" i="0" u="none" kern="1200" dirty="0">
+                        <a:rPr lang="en-GB" sz="1400" b="0" i="0" kern="1200" dirty="0">
                           <a:solidFill>
                             <a:schemeClr val="dk1"/>
                           </a:solidFill>
@@ -9654,21 +9798,17 @@
                           <a:ea typeface="+mn-ea"/>
                           <a:cs typeface="+mn-cs"/>
                         </a:rPr>
-                        <a:t>Meiling Chen</a:t>
-                      </a:r>
-                      <a:endParaRPr lang="en-GB" sz="1400" b="0" i="0" u="none" kern="1200" dirty="0">
-                        <a:solidFill>
-                          <a:schemeClr val="dk1"/>
-                        </a:solidFill>
-                        <a:effectLst/>
-                        <a:latin typeface="+mn-lt"/>
-                        <a:ea typeface="+mn-ea"/>
-                        <a:cs typeface="+mn-cs"/>
-                      </a:endParaRPr>
+                        <a:t>Daniel Huang</a:t>
+                      </a:r>
                     </a:p>
                   </a:txBody>
                   <a:tcPr marT="36000" marB="36000" anchor="ctr"/>
                 </a:tc>
+                <a:extLst>
+                  <a:ext uri="{0D108BD9-81ED-4DB2-BD59-A6C34878D82A}">
+                    <a16:rowId xmlns:a16="http://schemas.microsoft.com/office/drawing/2014/main" val="10004"/>
+                  </a:ext>
+                </a:extLst>
               </a:tr>
               <a:tr h="499110">
                 <a:tc>
@@ -9678,9 +9818,8 @@
                     <a:p>
                       <a:r>
                         <a:rPr lang="en-US" altLang="en-GB" sz="1400" dirty="0"/>
-                        <a:t>5c</a:t>
-                      </a:r>
-                      <a:endParaRPr lang="en-US" altLang="en-GB" sz="1400" dirty="0"/>
+                        <a:t>5.4</a:t>
+                      </a:r>
                     </a:p>
                   </a:txBody>
                   <a:tcPr marT="36000" marB="36000" anchor="ctr"/>
@@ -9732,7 +9871,7 @@
                         <a:latin typeface="+mn-lt"/>
                         <a:ea typeface="+mn-ea"/>
                         <a:cs typeface="+mn-cs"/>
-                        <a:hlinkClick r:id="rId4"/>
+                        <a:hlinkClick r:id="rId6"/>
                       </a:endParaRPr>
                     </a:p>
                   </a:txBody>
@@ -9749,9 +9888,8 @@
                       </a:r>
                       <a:r>
                         <a:rPr lang="en-GB" sz="1400" dirty="0"/>
-                        <a:t>:	Microloop Prevention in a Hierarchical Segment Routing Solution for CATS</a:t>
-                      </a:r>
-                      <a:endParaRPr lang="en-GB" sz="1400" dirty="0"/>
+                        <a:t>:	Analysis for Multiple Data Plane Solutions of Computing-Aware Traffic Steering</a:t>
+                      </a:r>
                     </a:p>
                     <a:p>
                       <a:r>
@@ -9764,9 +9902,21 @@
                       </a:r>
                       <a:r>
                         <a:rPr lang="en-GB" sz="1400" dirty="0">
-                          <a:hlinkClick r:id="rId6" action="ppaction://hlinkfile"/>
+                          <a:hlinkClick r:id="rId9" action="ppaction://hlinkfile"/>
                         </a:rPr>
-                        <a:t>draft-yuan-cats-hierarchical-loop-prevention</a:t>
+                        <a:t>draft-fu-cats-muti-</a:t>
+                      </a:r>
+                      <a:r>
+                        <a:rPr lang="en-GB" sz="1400" dirty="0" err="1">
+                          <a:hlinkClick r:id="rId9" action="ppaction://hlinkfile"/>
+                        </a:rPr>
+                        <a:t>dp</a:t>
+                      </a:r>
+                      <a:r>
+                        <a:rPr lang="en-GB" sz="1400" dirty="0">
+                          <a:hlinkClick r:id="rId9" action="ppaction://hlinkfile"/>
+                        </a:rPr>
+                        <a:t>-solution</a:t>
                       </a:r>
                       <a:endParaRPr lang="en-GB" sz="1400" dirty="0"/>
                     </a:p>
@@ -9779,152 +9929,6 @@
                     <a:lstStyle/>
                     <a:p>
                       <a:r>
-                        <a:rPr lang="en-GB" sz="1400" b="0" i="0" kern="1200" dirty="0">
-                          <a:solidFill>
-                            <a:schemeClr val="dk1"/>
-                          </a:solidFill>
-                          <a:effectLst/>
-                          <a:latin typeface="+mn-lt"/>
-                          <a:ea typeface="+mn-ea"/>
-                          <a:cs typeface="+mn-cs"/>
-                        </a:rPr>
-                        <a:t>Daniel Huang</a:t>
-                      </a:r>
-                      <a:endParaRPr lang="en-GB" sz="1400" b="0" i="0" kern="1200" dirty="0">
-                        <a:solidFill>
-                          <a:schemeClr val="dk1"/>
-                        </a:solidFill>
-                        <a:effectLst/>
-                        <a:latin typeface="+mn-lt"/>
-                        <a:ea typeface="+mn-ea"/>
-                        <a:cs typeface="+mn-cs"/>
-                      </a:endParaRPr>
-                    </a:p>
-                  </a:txBody>
-                  <a:tcPr marT="36000" marB="36000" anchor="ctr"/>
-                </a:tc>
-              </a:tr>
-              <a:tr h="499110">
-                <a:tc>
-                  <a:txBody>
-                    <a:bodyPr/>
-                    <a:lstStyle/>
-                    <a:p>
-                      <a:r>
-                        <a:rPr lang="en-US" altLang="en-GB" sz="1400" dirty="0"/>
-                        <a:t>5d</a:t>
-                      </a:r>
-                      <a:endParaRPr lang="en-US" altLang="en-GB" sz="1400" dirty="0"/>
-                    </a:p>
-                  </a:txBody>
-                  <a:tcPr marT="36000" marB="36000" anchor="ctr"/>
-                </a:tc>
-                <a:tc>
-                  <a:txBody>
-                    <a:bodyPr/>
-                    <a:lstStyle/>
-                    <a:p>
-                      <a:endParaRPr lang="en-US" altLang="en-GB" sz="1400" dirty="0"/>
-                    </a:p>
-                  </a:txBody>
-                  <a:tcPr marT="36000" marB="36000" anchor="ctr"/>
-                </a:tc>
-                <a:tc>
-                  <a:txBody>
-                    <a:bodyPr/>
-                    <a:lstStyle/>
-                    <a:p>
-                      <a:r>
-                        <a:rPr lang="en-US" altLang="en-GB" sz="1400" b="0" i="0" kern="1200" dirty="0">
-                          <a:solidFill>
-                            <a:schemeClr val="dk1"/>
-                          </a:solidFill>
-                          <a:effectLst/>
-                          <a:latin typeface="+mn-lt"/>
-                          <a:ea typeface="+mn-ea"/>
-                          <a:cs typeface="+mn-cs"/>
-                        </a:rPr>
-                        <a:t>2</a:t>
-                      </a:r>
-                      <a:r>
-                        <a:rPr lang="en-GB" sz="1400" b="0" i="0" kern="1200" dirty="0">
-                          <a:solidFill>
-                            <a:schemeClr val="dk1"/>
-                          </a:solidFill>
-                          <a:effectLst/>
-                          <a:latin typeface="+mn-lt"/>
-                          <a:ea typeface="+mn-ea"/>
-                          <a:cs typeface="+mn-cs"/>
-                        </a:rPr>
-                        <a:t> mins</a:t>
-                      </a:r>
-                      <a:endParaRPr lang="en-GB" sz="1400" b="0" i="0" kern="1200" dirty="0">
-                        <a:solidFill>
-                          <a:schemeClr val="dk1"/>
-                        </a:solidFill>
-                        <a:effectLst/>
-                        <a:latin typeface="+mn-lt"/>
-                        <a:ea typeface="+mn-ea"/>
-                        <a:cs typeface="+mn-cs"/>
-                        <a:hlinkClick r:id="rId4"/>
-                      </a:endParaRPr>
-                    </a:p>
-                  </a:txBody>
-                  <a:tcPr marT="36000" marB="36000" anchor="ctr"/>
-                </a:tc>
-                <a:tc>
-                  <a:txBody>
-                    <a:bodyPr/>
-                    <a:lstStyle/>
-                    <a:p>
-                      <a:r>
-                        <a:rPr lang="en-GB" sz="1400" b="1" dirty="0"/>
-                        <a:t>Title</a:t>
-                      </a:r>
-                      <a:r>
-                        <a:rPr lang="en-GB" sz="1400" dirty="0"/>
-                        <a:t>:	Analysis for Multiple Data Plane Solutions of Computing-Aware Traffic Steering</a:t>
-                      </a:r>
-                      <a:endParaRPr lang="en-GB" sz="1400" dirty="0"/>
-                    </a:p>
-                    <a:p>
-                      <a:r>
-                        <a:rPr lang="en-GB" sz="1400" b="1" dirty="0"/>
-                        <a:t>Draft</a:t>
-                      </a:r>
-                      <a:r>
-                        <a:rPr lang="en-GB" sz="1400" dirty="0"/>
-                        <a:t>: </a:t>
-                      </a:r>
-                      <a:r>
-                        <a:rPr lang="en-GB" sz="1400" dirty="0">
-                          <a:hlinkClick r:id="rId7" action="ppaction://hlinkfile"/>
-                        </a:rPr>
-                        <a:t>draft-fu-cats-muti-</a:t>
-                      </a:r>
-                      <a:r>
-                        <a:rPr lang="en-GB" sz="1400" dirty="0" err="1">
-                          <a:hlinkClick r:id="rId7" action="ppaction://hlinkfile"/>
-                        </a:rPr>
-                        <a:t>dp</a:t>
-                      </a:r>
-                      <a:r>
-                        <a:rPr lang="en-GB" sz="1400" dirty="0">
-                          <a:hlinkClick r:id="rId7" action="ppaction://hlinkfile"/>
-                        </a:rPr>
-                        <a:t>-solution</a:t>
-                      </a:r>
-                      <a:endParaRPr lang="en-GB" sz="1400" dirty="0"/>
-                    </a:p>
-                  </a:txBody>
-                  <a:tcPr marT="36000" marB="36000" anchor="ctr"/>
-                </a:tc>
-                <a:tc>
-                  <a:txBody>
-                    <a:bodyPr/>
-                    <a:lstStyle/>
-                    <a:p>
-                      <a:r>
                         <a:rPr lang="en-GB" sz="1400" b="0" i="0" kern="1200">
                           <a:solidFill>
                             <a:schemeClr val="dk1"/>
@@ -9936,19 +9940,15 @@
                         </a:rPr>
                         <a:t>Daniel Huang</a:t>
                       </a:r>
-                      <a:endParaRPr lang="en-GB" sz="1400" b="0" i="0" kern="1200">
-                        <a:solidFill>
-                          <a:schemeClr val="dk1"/>
-                        </a:solidFill>
-                        <a:effectLst/>
-                        <a:latin typeface="+mn-lt"/>
-                        <a:ea typeface="+mn-ea"/>
-                        <a:cs typeface="+mn-cs"/>
-                      </a:endParaRPr>
                     </a:p>
                   </a:txBody>
                   <a:tcPr marT="36000" marB="36000" anchor="ctr"/>
                 </a:tc>
+                <a:extLst>
+                  <a:ext uri="{0D108BD9-81ED-4DB2-BD59-A6C34878D82A}">
+                    <a16:rowId xmlns:a16="http://schemas.microsoft.com/office/drawing/2014/main" val="10005"/>
+                  </a:ext>
+                </a:extLst>
               </a:tr>
               <a:tr h="499110">
                 <a:tc>
@@ -9961,9 +9961,8 @@
                       </a:pPr>
                       <a:r>
                         <a:rPr lang="en-US" altLang="en-GB" sz="1400" dirty="0"/>
-                        <a:t>5e</a:t>
-                      </a:r>
-                      <a:endParaRPr lang="en-US" altLang="en-GB" sz="1400" dirty="0"/>
+                        <a:t>5.5</a:t>
+                      </a:r>
                     </a:p>
                   </a:txBody>
                   <a:tcPr marT="36000" marB="36000" anchor="ctr"/>
@@ -10018,7 +10017,7 @@
                         <a:latin typeface="+mn-lt"/>
                         <a:ea typeface="+mn-ea"/>
                         <a:cs typeface="+mn-cs"/>
-                        <a:hlinkClick r:id="rId4"/>
+                        <a:hlinkClick r:id="rId6"/>
                       </a:endParaRPr>
                     </a:p>
                   </a:txBody>
@@ -10037,7 +10036,6 @@
                         <a:rPr lang="en-GB" sz="1400" dirty="0"/>
                         <a:t>:	Flow-Level Load Balancing of Computing-Aware Traffic Steering (CATS)</a:t>
                       </a:r>
-                      <a:endParaRPr lang="en-GB" sz="1400" dirty="0"/>
                     </a:p>
                     <a:p>
                       <a:r>
@@ -10050,7 +10048,7 @@
                       </a:r>
                       <a:r>
                         <a:rPr lang="en-GB" sz="1400" dirty="0">
-                          <a:hlinkClick r:id="rId7" action="ppaction://hlinkfile"/>
+                          <a:hlinkClick r:id="rId9" action="ppaction://hlinkfile"/>
                         </a:rPr>
                         <a:t>draft-fu-cats-flow-lb</a:t>
                       </a:r>
@@ -10087,6 +10085,11 @@
                   </a:txBody>
                   <a:tcPr marT="36000" marB="36000" anchor="ctr"/>
                 </a:tc>
+                <a:extLst>
+                  <a:ext uri="{0D108BD9-81ED-4DB2-BD59-A6C34878D82A}">
+                    <a16:rowId xmlns:a16="http://schemas.microsoft.com/office/drawing/2014/main" val="10006"/>
+                  </a:ext>
+                </a:extLst>
               </a:tr>
               <a:tr h="499110">
                 <a:tc>
@@ -10099,9 +10102,8 @@
                       </a:pPr>
                       <a:r>
                         <a:rPr lang="en-US" altLang="en-GB" sz="1400" dirty="0"/>
-                        <a:t>5f</a:t>
-                      </a:r>
-                      <a:endParaRPr lang="en-US" altLang="en-GB" sz="1400" dirty="0"/>
+                        <a:t>5.6</a:t>
+                      </a:r>
                     </a:p>
                   </a:txBody>
                   <a:tcPr marT="36000" marB="36000" anchor="ctr"/>
@@ -10156,7 +10158,7 @@
                         <a:latin typeface="+mn-lt"/>
                         <a:ea typeface="+mn-ea"/>
                         <a:cs typeface="+mn-cs"/>
-                        <a:hlinkClick r:id="rId4"/>
+                        <a:hlinkClick r:id="rId6"/>
                       </a:endParaRPr>
                     </a:p>
                   </a:txBody>
@@ -10175,7 +10177,6 @@
                         <a:rPr lang="en-GB" sz="1400" dirty="0"/>
                         <a:t>:	CATS BGP Extension</a:t>
                       </a:r>
-                      <a:endParaRPr lang="en-GB" sz="1400" dirty="0"/>
                     </a:p>
                     <a:p>
                       <a:r>
@@ -10188,31 +10189,31 @@
                       </a:r>
                       <a:r>
                         <a:rPr lang="en-GB" sz="1400" dirty="0">
-                          <a:hlinkClick r:id="rId7" action="ppaction://hlinkfile"/>
+                          <a:hlinkClick r:id="rId9" action="ppaction://hlinkfile"/>
                         </a:rPr>
                         <a:t>draft-</a:t>
                       </a:r>
                       <a:r>
                         <a:rPr lang="en-GB" sz="1400" dirty="0" err="1">
-                          <a:hlinkClick r:id="rId7" action="ppaction://hlinkfile"/>
+                          <a:hlinkClick r:id="rId9" action="ppaction://hlinkfile"/>
                         </a:rPr>
                         <a:t>ll</a:t>
                       </a:r>
                       <a:r>
                         <a:rPr lang="en-GB" sz="1400" dirty="0">
-                          <a:hlinkClick r:id="rId7" action="ppaction://hlinkfile"/>
+                          <a:hlinkClick r:id="rId9" action="ppaction://hlinkfile"/>
                         </a:rPr>
                         <a:t>-</a:t>
                       </a:r>
                       <a:r>
                         <a:rPr lang="en-GB" sz="1400" dirty="0" err="1">
-                          <a:hlinkClick r:id="rId7" action="ppaction://hlinkfile"/>
+                          <a:hlinkClick r:id="rId9" action="ppaction://hlinkfile"/>
                         </a:rPr>
                         <a:t>idr</a:t>
                       </a:r>
                       <a:r>
                         <a:rPr lang="en-GB" sz="1400" dirty="0">
-                          <a:hlinkClick r:id="rId7" action="ppaction://hlinkfile"/>
+                          <a:hlinkClick r:id="rId9" action="ppaction://hlinkfile"/>
                         </a:rPr>
                         <a:t>-cats-bgp-extension</a:t>
                       </a:r>
@@ -10241,19 +10242,15 @@
                         </a:rPr>
                         <a:t>Cheng Li</a:t>
                       </a:r>
-                      <a:endParaRPr lang="en-US" altLang="en-GB" sz="1400" b="0" i="0" kern="1200" dirty="0">
-                        <a:solidFill>
-                          <a:schemeClr val="dk1"/>
-                        </a:solidFill>
-                        <a:effectLst/>
-                        <a:latin typeface="+mn-lt"/>
-                        <a:ea typeface="+mn-ea"/>
-                        <a:cs typeface="+mn-cs"/>
-                      </a:endParaRPr>
                     </a:p>
                   </a:txBody>
                   <a:tcPr marT="36000" marB="36000" anchor="ctr"/>
                 </a:tc>
+                <a:extLst>
+                  <a:ext uri="{0D108BD9-81ED-4DB2-BD59-A6C34878D82A}">
+                    <a16:rowId xmlns:a16="http://schemas.microsoft.com/office/drawing/2014/main" val="10007"/>
+                  </a:ext>
+                </a:extLst>
               </a:tr>
               <a:tr h="448310">
                 <a:tc>
@@ -10270,7 +10267,6 @@
                         <a:rPr lang="en-GB" altLang="en-GB" sz="1400" dirty="0"/>
                         <a:t>6</a:t>
                       </a:r>
-                      <a:endParaRPr lang="en-GB" altLang="en-GB" sz="1400" dirty="0"/>
                     </a:p>
                   </a:txBody>
                   <a:tcPr marT="36000" marB="36000" anchor="ctr">
@@ -10319,13 +10315,54 @@
                         </a:rPr>
                         <a:t>/</a:t>
                       </a:r>
-                      <a:endParaRPr lang="en-US" altLang="en-GB" sz="1400" b="0" i="0" kern="1200" dirty="0">
+                    </a:p>
+                  </a:txBody>
+                  <a:tcPr marT="36000" marB="36000" anchor="ctr">
+                    <a:solidFill>
+                      <a:srgbClr val="FFC000"/>
+                    </a:solidFill>
+                  </a:tcPr>
+                </a:tc>
+                <a:tc>
+                  <a:txBody>
+                    <a:bodyPr/>
+                    <a:lstStyle/>
+                    <a:p>
+                      <a:pPr algn="l">
+                        <a:buClrTx/>
+                        <a:buSzTx/>
+                        <a:buFontTx/>
+                      </a:pPr>
+                      <a:r>
+                        <a:rPr lang="en-GB" altLang="en-GB" sz="1400" i="0" kern="1200" dirty="0">
+                          <a:solidFill>
+                            <a:schemeClr val="dk1"/>
+                          </a:solidFill>
+                          <a:latin typeface="+mn-lt"/>
+                          <a:ea typeface="+mn-ea"/>
+                          <a:cs typeface="+mn-cs"/>
+                        </a:rPr>
+                        <a:t>Title</a:t>
+                      </a:r>
+                      <a:r>
+                        <a:rPr lang="en-GB" altLang="en-GB" sz="1400" b="0" i="0" kern="1200" dirty="0">
+                          <a:solidFill>
+                            <a:schemeClr val="dk1"/>
+                          </a:solidFill>
+                          <a:latin typeface="+mn-lt"/>
+                          <a:ea typeface="+mn-ea"/>
+                          <a:cs typeface="+mn-cs"/>
+                        </a:rPr>
+                        <a:t>: Open Discussion and Next Steps  </a:t>
+                      </a:r>
+                      <a:endParaRPr lang="en-GB" altLang="en-GB" sz="1400" b="0" i="0" kern="1200" dirty="0">
                         <a:solidFill>
                           <a:schemeClr val="dk1"/>
                         </a:solidFill>
                         <a:latin typeface="+mn-lt"/>
                         <a:ea typeface="+mn-ea"/>
                         <a:cs typeface="+mn-cs"/>
+                        <a:hlinkClick r:id="rId6"/>
                       </a:endParaRPr>
                     </a:p>
                   </a:txBody>
@@ -10346,17 +10383,6 @@
                         <a:buFontTx/>
                       </a:pPr>
                       <a:r>
-                        <a:rPr lang="en-GB" altLang="en-GB" sz="1400" i="0" kern="1200" dirty="0">
-                          <a:solidFill>
-                            <a:schemeClr val="dk1"/>
-                          </a:solidFill>
-                          <a:latin typeface="+mn-lt"/>
-                          <a:ea typeface="+mn-ea"/>
-                          <a:cs typeface="+mn-cs"/>
-                        </a:rPr>
-                        <a:t>Title</a:t>
-                      </a:r>
-                      <a:r>
                         <a:rPr lang="en-GB" altLang="en-GB" sz="1400" b="0" i="0" kern="1200" dirty="0">
                           <a:solidFill>
                             <a:schemeClr val="dk1"/>
@@ -10365,16 +10391,39 @@
                           <a:ea typeface="+mn-ea"/>
                           <a:cs typeface="+mn-cs"/>
                         </a:rPr>
-                        <a:t>: Open Discussion and Next Steps  </a:t>
-                      </a:r>
-                      <a:endParaRPr lang="en-GB" altLang="en-GB" sz="1400" b="0" i="0" kern="1200" dirty="0">
+                        <a:t>Chairs</a:t>
+                      </a:r>
+                      <a:r>
+                        <a:rPr lang="en-US" altLang="en-GB" sz="1400" b="0" i="0" kern="1200" dirty="0">
+                          <a:solidFill>
+                            <a:schemeClr val="dk1"/>
+                          </a:solidFill>
+                          <a:latin typeface="+mn-lt"/>
+                          <a:ea typeface="+mn-ea"/>
+                          <a:cs typeface="+mn-cs"/>
+                        </a:rPr>
+                        <a:t> and </a:t>
+                      </a:r>
+                      <a:r>
+                        <a:rPr lang="en-GB" altLang="en-GB" sz="1400" dirty="0">
+                          <a:sym typeface="+mn-ea"/>
+                        </a:rPr>
+                        <a:t>All</a:t>
+                      </a:r>
+                      <a:r>
+                        <a:rPr lang="en-US" altLang="en-GB" sz="1400" dirty="0">
+                          <a:sym typeface="+mn-ea"/>
+                        </a:rPr>
+                        <a:t> </a:t>
+                      </a:r>
+                      <a:endParaRPr lang="en-US" altLang="en-GB" sz="1400" b="0" i="0" kern="1200" dirty="0">
                         <a:solidFill>
                           <a:schemeClr val="dk1"/>
                         </a:solidFill>
                         <a:latin typeface="+mn-lt"/>
                         <a:ea typeface="+mn-ea"/>
                         <a:cs typeface="+mn-cs"/>
-                        <a:hlinkClick r:id="rId4"/>
+                        <a:hlinkClick r:id="rId6"/>
                       </a:endParaRPr>
                     </a:p>
                   </a:txBody>
@@ -10384,67 +10433,11 @@
                     </a:solidFill>
                   </a:tcPr>
                 </a:tc>
-                <a:tc>
-                  <a:txBody>
-                    <a:bodyPr/>
-                    <a:lstStyle/>
-                    <a:p>
-                      <a:pPr algn="l">
-                        <a:buClrTx/>
-                        <a:buSzTx/>
-                        <a:buFontTx/>
-                      </a:pPr>
-                      <a:r>
-                        <a:rPr lang="en-GB" altLang="en-GB" sz="1400" b="0" i="0" kern="1200" dirty="0">
-                          <a:solidFill>
-                            <a:schemeClr val="dk1"/>
-                          </a:solidFill>
-                          <a:latin typeface="+mn-lt"/>
-                          <a:ea typeface="+mn-ea"/>
-                          <a:cs typeface="+mn-cs"/>
-                        </a:rPr>
-                        <a:t>Chairs</a:t>
-                      </a:r>
-                      <a:r>
-                        <a:rPr lang="en-US" altLang="en-GB" sz="1400" b="0" i="0" kern="1200" dirty="0">
-                          <a:solidFill>
-                            <a:schemeClr val="dk1"/>
-                          </a:solidFill>
-                          <a:latin typeface="+mn-lt"/>
-                          <a:ea typeface="+mn-ea"/>
-                          <a:cs typeface="+mn-cs"/>
-                        </a:rPr>
-                        <a:t> and </a:t>
-                      </a:r>
-                      <a:r>
-                        <a:rPr lang="en-GB" altLang="en-GB" sz="1400" dirty="0">
-                          <a:sym typeface="+mn-ea"/>
-                        </a:rPr>
-                        <a:t>All</a:t>
-                      </a:r>
-                      <a:r>
-                        <a:rPr lang="en-US" altLang="en-GB" sz="1400" dirty="0">
-                          <a:sym typeface="+mn-ea"/>
-                        </a:rPr>
-                        <a:t> </a:t>
-                      </a:r>
-                      <a:endParaRPr lang="en-US" altLang="en-GB" sz="1400" b="0" i="0" kern="1200" dirty="0">
-                        <a:solidFill>
-                          <a:schemeClr val="dk1"/>
-                        </a:solidFill>
-                        <a:latin typeface="+mn-lt"/>
-                        <a:ea typeface="+mn-ea"/>
-                        <a:cs typeface="+mn-cs"/>
-                        <a:hlinkClick r:id="rId4"/>
-                      </a:endParaRPr>
-                    </a:p>
-                  </a:txBody>
-                  <a:tcPr marT="36000" marB="36000" anchor="ctr">
-                    <a:solidFill>
-                      <a:srgbClr val="FFC000"/>
-                    </a:solidFill>
-                  </a:tcPr>
-                </a:tc>
+                <a:extLst>
+                  <a:ext uri="{0D108BD9-81ED-4DB2-BD59-A6C34878D82A}">
+                    <a16:rowId xmlns:a16="http://schemas.microsoft.com/office/drawing/2014/main" val="10008"/>
+                  </a:ext>
+                </a:extLst>
               </a:tr>
             </a:tbl>
           </a:graphicData>
@@ -10476,7 +10469,6 @@
               <a:rPr lang="en-GB" sz="3200" dirty="0"/>
               <a:t>Agenda 2 of 2</a:t>
             </a:r>
-            <a:endParaRPr lang="en-GB" sz="3200" dirty="0"/>
           </a:p>
         </p:txBody>
       </p:sp>
@@ -10504,7 +10496,6 @@
               <a:rPr lang="en-US" dirty="0"/>
               <a:t>CATS WG - IETF 121, Dublin – November 2024</a:t>
             </a:r>
-            <a:endParaRPr lang="en-US" dirty="0"/>
           </a:p>
         </p:txBody>
       </p:sp>
@@ -10590,7 +10581,6 @@
               <a:rPr lang="en-US" altLang="en-US" dirty="0"/>
               <a:t>This is a reminder of IETF policies in effect on various topics such as patents or code of conduct. It is only meant to point you in the right direction. Exceptions may apply. The IETF's patent policy and the definition of an IETF "contribution" and "participation" are set forth in BCP 79; please read it carefully.</a:t>
             </a:r>
-            <a:endParaRPr lang="en-US" altLang="en-US" dirty="0"/>
           </a:p>
           <a:p>
             <a:pPr marL="0" indent="0">
@@ -10606,35 +10596,30 @@
               <a:rPr lang="en-US" altLang="en-US" dirty="0"/>
               <a:t>As a reminder:</a:t>
             </a:r>
-            <a:endParaRPr lang="en-US" altLang="en-US" dirty="0"/>
           </a:p>
           <a:p>
             <a:r>
               <a:rPr lang="en-US" altLang="en-US" dirty="0"/>
               <a:t>By participating in the IETF, you agree to follow IETF processes and policies.</a:t>
             </a:r>
-            <a:endParaRPr lang="en-US" altLang="en-US" dirty="0"/>
           </a:p>
           <a:p>
             <a:r>
               <a:rPr lang="en-US" altLang="en-US" dirty="0"/>
               <a:t>If you are aware that any IETF contribution is covered by patents or patent applications that are owned or controlled by you or your sponsor, you must disclose that fact, or not participate in the discussion.</a:t>
             </a:r>
-            <a:endParaRPr lang="en-US" altLang="en-US" dirty="0"/>
           </a:p>
           <a:p>
             <a:r>
               <a:rPr lang="en-US" altLang="en-US" dirty="0"/>
               <a:t>As a participant in or attendee to any IETF activity you acknowledge that written, audio, video, and photographic records of meetings may be made public.</a:t>
             </a:r>
-            <a:endParaRPr lang="en-US" altLang="en-US" dirty="0"/>
           </a:p>
           <a:p>
             <a:r>
               <a:rPr lang="en-US" altLang="en-US" dirty="0"/>
               <a:t>Personal information that you provide to IETF will be handled in accordance with the IETF Privacy Statement.</a:t>
             </a:r>
-            <a:endParaRPr lang="en-US" altLang="en-US" dirty="0"/>
           </a:p>
           <a:p>
             <a:r>
@@ -10658,7 +10643,7 @@
             </a:r>
             <a:r>
               <a:rPr lang="en-US" altLang="en-US" dirty="0">
-                <a:hlinkClick r:id="rId1"/>
+                <a:hlinkClick r:id="rId3"/>
               </a:rPr>
               <a:t>https://www.ietf.org/contact/ombudsteam/</a:t>
             </a:r>
@@ -10666,7 +10651,6 @@
               <a:rPr lang="en-US" altLang="en-US" dirty="0"/>
               <a:t>) if you have questions or concerns about this.</a:t>
             </a:r>
-            <a:endParaRPr lang="en-US" altLang="en-US" dirty="0"/>
           </a:p>
           <a:p>
             <a:endParaRPr lang="en-US" altLang="en-US" dirty="0"/>
@@ -10679,54 +10663,47 @@
               <a:rPr lang="en-US" altLang="en-US" dirty="0"/>
               <a:t>Definitive information is in the documents listed below and other IETF BCPs. For advice, please talk to WG chairs or ADs:</a:t>
             </a:r>
-            <a:endParaRPr lang="en-US" altLang="en-US" dirty="0"/>
           </a:p>
           <a:p>
             <a:r>
               <a:rPr lang="en-US" altLang="en-US" dirty="0"/>
               <a:t>BCP 9 (Internet Standards Process)</a:t>
             </a:r>
-            <a:endParaRPr lang="en-US" altLang="en-US" dirty="0"/>
           </a:p>
           <a:p>
             <a:r>
               <a:rPr lang="en-US" altLang="en-US" dirty="0"/>
               <a:t>BCP 25 (Working Group processes)</a:t>
             </a:r>
-            <a:endParaRPr lang="en-US" altLang="en-US" dirty="0"/>
           </a:p>
           <a:p>
             <a:r>
               <a:rPr lang="en-US" altLang="en-US" dirty="0"/>
               <a:t>BCP 25 (Anti-Harassment Procedures) </a:t>
             </a:r>
-            <a:endParaRPr lang="en-US" altLang="en-US" dirty="0"/>
           </a:p>
           <a:p>
             <a:r>
               <a:rPr lang="en-US" altLang="en-US" dirty="0"/>
               <a:t>BCP 54 (Code of Conduct)</a:t>
             </a:r>
-            <a:endParaRPr lang="en-US" altLang="en-US" dirty="0"/>
           </a:p>
           <a:p>
             <a:r>
               <a:rPr lang="en-US" altLang="en-US" dirty="0"/>
               <a:t>BCP 78 (Copyright)</a:t>
             </a:r>
-            <a:endParaRPr lang="en-US" altLang="en-US" dirty="0"/>
           </a:p>
           <a:p>
             <a:r>
               <a:rPr lang="en-US" altLang="en-US" dirty="0"/>
               <a:t>BCP 79 (Patents, Participation)</a:t>
             </a:r>
-            <a:endParaRPr lang="en-US" altLang="en-US" dirty="0"/>
           </a:p>
           <a:p>
             <a:r>
               <a:rPr lang="en-US" altLang="en-US" dirty="0">
-                <a:hlinkClick r:id="rId2"/>
+                <a:hlinkClick r:id="rId4"/>
               </a:rPr>
               <a:t>https://www.ietf.org/privacy-policy/</a:t>
             </a:r>
@@ -10734,7 +10711,6 @@
               <a:rPr lang="en-US" altLang="en-US" dirty="0"/>
               <a:t> (Privacy Policy)</a:t>
             </a:r>
-            <a:endParaRPr lang="en-US" altLang="en-US" dirty="0"/>
           </a:p>
           <a:p>
             <a:endParaRPr lang="en-US" altLang="en-US" dirty="0"/>
@@ -10749,7 +10725,7 @@
             </a:r>
             <a:r>
               <a:rPr lang="en-US" dirty="0">
-                <a:hlinkClick r:id="rId3"/>
+                <a:hlinkClick r:id="rId5"/>
               </a:rPr>
               <a:t>http://www.ietf.org/about/note-well.html</a:t>
             </a:r>
@@ -10777,6 +10753,7 @@
           <a:p>
             <a:fld id="{BA9B540C-44DA-4F69-89C9-7C84606640D3}" type="slidenum">
               <a:rPr lang="en-US" smtClean="0"/>
+              <a:t>2</a:t>
             </a:fld>
             <a:endParaRPr lang="en-US"/>
           </a:p>
@@ -10806,7 +10783,6 @@
               <a:rPr lang="en-US" dirty="0"/>
               <a:t>CATS WG - IETF 121, Dublin – November 2024</a:t>
             </a:r>
-            <a:endParaRPr lang="en-US" dirty="0"/>
           </a:p>
         </p:txBody>
       </p:sp>
@@ -10852,6 +10828,7 @@
           <a:p>
             <a:fld id="{BA9B540C-44DA-4F69-89C9-7C84606640D3}" type="slidenum">
               <a:rPr lang="en-US" smtClean="0"/>
+              <a:t>3</a:t>
             </a:fld>
             <a:endParaRPr lang="en-US"/>
           </a:p>
@@ -11062,7 +11039,6 @@
               <a:rPr lang="en-US"/>
               <a:t>The IESG has asked all chairs to remind their working groups of the need for appropriate behavior. This is described in more detail in BCP 54. In summary:</a:t>
             </a:r>
-            <a:endParaRPr lang="en-US"/>
           </a:p>
           <a:p>
             <a:pPr marL="971550" lvl="1" indent="-514350">
@@ -11073,7 +11049,6 @@
               <a:rPr lang="en-US"/>
               <a:t>IETF participants extend respect and courtesy to their colleagues at all times.</a:t>
             </a:r>
-            <a:endParaRPr lang="en-US"/>
           </a:p>
           <a:p>
             <a:pPr marL="971550" lvl="1" indent="-514350">
@@ -11084,7 +11059,6 @@
               <a:rPr lang="en-US"/>
               <a:t>IETF participants have impersonal discussions.</a:t>
             </a:r>
-            <a:endParaRPr lang="en-US"/>
           </a:p>
           <a:p>
             <a:pPr marL="971550" lvl="1" indent="-514350">
@@ -11095,7 +11069,6 @@
               <a:rPr lang="en-US"/>
               <a:t>IETF participants devise solutions for the global Internet that meet the needs of diverse technical and operational environments.</a:t>
             </a:r>
-            <a:endParaRPr lang="en-US"/>
           </a:p>
           <a:p>
             <a:pPr marL="971550" lvl="1" indent="-514350">
@@ -11134,7 +11107,6 @@
               <a:rPr lang="en-US" dirty="0"/>
               <a:t>CATS WG - IETF 121, Dublin – November 2024</a:t>
             </a:r>
-            <a:endParaRPr lang="en-US" dirty="0"/>
           </a:p>
         </p:txBody>
       </p:sp>
@@ -11180,6 +11152,7 @@
           <a:p>
             <a:fld id="{BA9B540C-44DA-4F69-89C9-7C84606640D3}" type="slidenum">
               <a:rPr lang="en-US" smtClean="0"/>
+              <a:t>4</a:t>
             </a:fld>
             <a:endParaRPr lang="en-US"/>
           </a:p>
@@ -11390,7 +11363,6 @@
               <a:rPr lang="en-US" sz="2000" dirty="0"/>
               <a:t>We have three chairs as a short-term measure until NomCom have made their choices</a:t>
             </a:r>
-            <a:endParaRPr lang="en-US" sz="2000" dirty="0"/>
           </a:p>
           <a:p>
             <a:endParaRPr lang="en-US" sz="2000" dirty="0"/>
@@ -11404,7 +11376,6 @@
               <a:rPr lang="en-US" sz="2000" dirty="0"/>
               <a:t>:</a:t>
             </a:r>
-            <a:endParaRPr lang="en-US" sz="2000" dirty="0"/>
           </a:p>
           <a:p>
             <a:pPr lvl="1"/>
@@ -11420,7 +11391,6 @@
               <a:rPr lang="en-US" sz="2000" dirty="0"/>
               <a:t> queue control </a:t>
             </a:r>
-            <a:endParaRPr lang="en-US" sz="2000" dirty="0"/>
           </a:p>
           <a:p>
             <a:pPr lvl="1"/>
@@ -11436,7 +11406,6 @@
               <a:rPr lang="en-US" sz="2000" dirty="0"/>
               <a:t>/Zulip</a:t>
             </a:r>
-            <a:endParaRPr lang="en-US" sz="2000" dirty="0"/>
           </a:p>
           <a:p>
             <a:pPr marL="457200" lvl="1" indent="0">
@@ -11449,62 +11418,57 @@
               <a:rPr lang="en-US" sz="2000" dirty="0"/>
               <a:t>Note taking:</a:t>
             </a:r>
-            <a:endParaRPr lang="en-US" sz="2000" dirty="0"/>
           </a:p>
           <a:p>
             <a:pPr lvl="1"/>
-            <a:r>
-              <a:rPr lang="en-US" sz="2000" dirty="0">
-                <a:hlinkClick r:id="rId1" action="ppaction://hlinkfile"/>
-              </a:rPr>
-              <a:t>https://notes.ietf.org/notes-ietf-121-cats</a:t>
-            </a:r>
-            <a:endParaRPr lang="en-US" sz="2000" dirty="0"/>
-          </a:p>
-          <a:p>
-            <a:pPr lvl="1"/>
-            <a:r>
-              <a:rPr lang="en-US" sz="2000" dirty="0"/>
-              <a:t>Cheng Li will take minutes, but…</a:t>
-            </a:r>
-            <a:endParaRPr lang="en-US" sz="2000" dirty="0"/>
-          </a:p>
-          <a:p>
-            <a:pPr lvl="2"/>
-            <a:r>
-              <a:rPr lang="en-US" sz="2000" dirty="0"/>
-              <a:t>Please help with minute taking</a:t>
-            </a:r>
-            <a:endParaRPr lang="en-US" sz="2000" dirty="0"/>
-          </a:p>
-          <a:p>
-            <a:pPr lvl="2"/>
-            <a:r>
-              <a:rPr lang="en-US" sz="2000" dirty="0"/>
-              <a:t>Please check that your comments are recorded correctly</a:t>
-            </a:r>
-            <a:endParaRPr lang="en-US" sz="2000" dirty="0"/>
-          </a:p>
-          <a:p>
-            <a:pPr lvl="2"/>
-            <a:endParaRPr lang="en-US" sz="2000" dirty="0"/>
-          </a:p>
-          <a:p>
-            <a:r>
-              <a:rPr lang="en-US" sz="2000" dirty="0"/>
-              <a:t>Session Materials: </a:t>
-            </a:r>
             <a:r>
               <a:rPr lang="en-US" sz="2000" dirty="0">
                 <a:hlinkClick r:id="rId2" action="ppaction://hlinkfile"/>
               </a:rPr>
+              <a:t>https://notes.ietf.org/notes-ietf-121-cats</a:t>
+            </a:r>
+            <a:endParaRPr lang="en-US" sz="2000" dirty="0"/>
+          </a:p>
+          <a:p>
+            <a:pPr lvl="1"/>
+            <a:r>
+              <a:rPr lang="en-US" sz="2000" dirty="0"/>
+              <a:t>Cheng Li will take minutes, but…</a:t>
+            </a:r>
+          </a:p>
+          <a:p>
+            <a:pPr lvl="2"/>
+            <a:r>
+              <a:rPr lang="en-US" sz="2000" dirty="0"/>
+              <a:t>Please help with minute taking</a:t>
+            </a:r>
+          </a:p>
+          <a:p>
+            <a:pPr lvl="2"/>
+            <a:r>
+              <a:rPr lang="en-US" sz="2000" dirty="0"/>
+              <a:t>Please check that your comments are recorded correctly</a:t>
+            </a:r>
+          </a:p>
+          <a:p>
+            <a:pPr lvl="2"/>
+            <a:endParaRPr lang="en-US" sz="2000" dirty="0"/>
+          </a:p>
+          <a:p>
+            <a:r>
+              <a:rPr lang="en-US" sz="2000" dirty="0"/>
+              <a:t>Session Materials: </a:t>
+            </a:r>
+            <a:r>
+              <a:rPr lang="en-US" sz="2000" dirty="0">
+                <a:hlinkClick r:id="rId3" action="ppaction://hlinkfile"/>
+              </a:rPr>
               <a:t>https://datatracker.ietf.org/meeting/121/session/cats</a:t>
             </a:r>
             <a:r>
               <a:rPr lang="en-US" sz="2000" dirty="0"/>
               <a:t> </a:t>
             </a:r>
-            <a:endParaRPr lang="en-US" sz="2000" dirty="0"/>
           </a:p>
           <a:p>
             <a:r>
@@ -11513,7 +11477,7 @@
             </a:r>
             <a:r>
               <a:rPr lang="en-US" sz="2000" dirty="0">
-                <a:hlinkClick r:id="rId3"/>
+                <a:hlinkClick r:id="rId4"/>
               </a:rPr>
               <a:t>http://datatracker.ietf.org/wg/cats/</a:t>
             </a:r>
@@ -11530,7 +11494,7 @@
                   <a:srgbClr val="23527C"/>
                 </a:solidFill>
                 <a:latin typeface="-apple-system"/>
-                <a:hlinkClick r:id="rId4"/>
+                <a:hlinkClick r:id="rId5"/>
               </a:rPr>
               <a:t>https://zulip.ietf.org/#narrow/stream/cats</a:t>
             </a:r>
@@ -11539,7 +11503,7 @@
                 <a:srgbClr val="23527C"/>
               </a:solidFill>
               <a:latin typeface="-apple-system"/>
-              <a:hlinkClick r:id="rId5"/>
+              <a:hlinkClick r:id="rId6"/>
             </a:endParaRPr>
           </a:p>
         </p:txBody>
@@ -11568,7 +11532,6 @@
               <a:rPr lang="en-US" dirty="0"/>
               <a:t>CATS WG - IETF 121, Dublin – November 2024</a:t>
             </a:r>
-            <a:endParaRPr lang="en-US" dirty="0"/>
           </a:p>
         </p:txBody>
       </p:sp>
@@ -11581,7 +11544,7 @@
           <p:nvPr/>
         </p:nvPicPr>
         <p:blipFill>
-          <a:blip r:embed="rId6" cstate="print">
+          <a:blip r:embed="rId7" cstate="print">
             <a:extLst>
               <a:ext uri="{28A0092B-C50C-407E-A947-70E740481C1C}">
                 <a14:useLocalDpi xmlns:a14="http://schemas.microsoft.com/office/drawing/2010/main" val="0"/>
@@ -11644,6 +11607,7 @@
           <a:p>
             <a:fld id="{BA9B540C-44DA-4F69-89C9-7C84606640D3}" type="slidenum">
               <a:rPr lang="en-US" smtClean="0"/>
+              <a:t>5</a:t>
             </a:fld>
             <a:endParaRPr lang="en-US"/>
           </a:p>
@@ -11913,11 +11877,6 @@
               </a:rPr>
               <a:t> (usually the “onsite tool” client) from the agenda</a:t>
             </a:r>
-            <a:endParaRPr lang="en-US" sz="2800" dirty="0">
-              <a:solidFill>
-                <a:srgbClr val="000000"/>
-              </a:solidFill>
-            </a:endParaRPr>
           </a:p>
           <a:p>
             <a:pPr marL="857250" lvl="1" indent="-330200">
@@ -11940,7 +11899,7 @@
                   <a:srgbClr val="444444"/>
                 </a:solidFill>
                 <a:latin typeface="Calibri" panose="020F0502020204030204" charset="0"/>
-                <a:hlinkClick r:id="rId1" action="ppaction://hlinkfile"/>
+                <a:hlinkClick r:id="rId2" action="ppaction://hlinkfile"/>
               </a:rPr>
               <a:t>https://meetings.conf.meetecho.com/onsite121/?group=cats&amp;short=&amp;item=1</a:t>
             </a:r>
@@ -11989,11 +11948,6 @@
               </a:rPr>
               <a:t> to join the mic queue</a:t>
             </a:r>
-            <a:endParaRPr lang="en-US" sz="2800" dirty="0">
-              <a:solidFill>
-                <a:srgbClr val="000000"/>
-              </a:solidFill>
-            </a:endParaRPr>
           </a:p>
           <a:p>
             <a:pPr marL="457200" indent="-330200">
@@ -12018,11 +11972,6 @@
               </a:rPr>
               <a:t>Keep audio and video off at all times</a:t>
             </a:r>
-            <a:endParaRPr lang="en-US" sz="2800" b="1" i="1" dirty="0">
-              <a:solidFill>
-                <a:srgbClr val="C00000"/>
-              </a:solidFill>
-            </a:endParaRPr>
           </a:p>
           <a:p>
             <a:pPr marL="0" indent="0">
@@ -12089,11 +12038,6 @@
               </a:rPr>
               <a:t>Use of a headset is strongly recommended</a:t>
             </a:r>
-            <a:endParaRPr lang="en-US" sz="2800" dirty="0">
-              <a:solidFill>
-                <a:srgbClr val="000000"/>
-              </a:solidFill>
-            </a:endParaRPr>
           </a:p>
           <a:p>
             <a:pPr marL="457200" indent="-330200">
@@ -12126,11 +12070,6 @@
               </a:rPr>
               <a:t> until it is your turn to speak</a:t>
             </a:r>
-            <a:endParaRPr lang="en-US" sz="2800" dirty="0">
-              <a:solidFill>
-                <a:srgbClr val="000000"/>
-              </a:solidFill>
-            </a:endParaRPr>
           </a:p>
         </p:txBody>
       </p:sp>
@@ -12143,7 +12082,7 @@
           <p:nvPr/>
         </p:nvPicPr>
         <p:blipFill>
-          <a:blip r:embed="rId2"/>
+          <a:blip r:embed="rId3"/>
           <a:stretch>
             <a:fillRect/>
           </a:stretch>
@@ -12167,7 +12106,7 @@
           <p:nvPr/>
         </p:nvPicPr>
         <p:blipFill rotWithShape="1">
-          <a:blip r:embed="rId3"/>
+          <a:blip r:embed="rId4"/>
           <a:srcRect b="68490"/>
           <a:stretch>
             <a:fillRect/>
@@ -12207,7 +12146,6 @@
               <a:rPr lang="en-US" dirty="0"/>
               <a:t>CATS WG - IETF 121, Dublin – November 2024</a:t>
             </a:r>
-            <a:endParaRPr lang="en-US" dirty="0"/>
           </a:p>
         </p:txBody>
       </p:sp>
@@ -12255,7 +12193,6 @@
               <a:rPr lang="en-GB" dirty="0"/>
               <a:t>Deliverables &amp; Milestones</a:t>
             </a:r>
-            <a:endParaRPr lang="en-GB" dirty="0"/>
           </a:p>
         </p:txBody>
       </p:sp>
@@ -12280,7 +12217,6 @@
               <a:rPr lang="en-GB" sz="2100" dirty="0"/>
               <a:t>All drafts are welcome</a:t>
             </a:r>
-            <a:endParaRPr lang="en-GB" sz="2100" dirty="0"/>
           </a:p>
           <a:p>
             <a:pPr lvl="1"/>
@@ -12288,7 +12224,6 @@
               <a:rPr lang="en-GB" sz="1900" dirty="0"/>
               <a:t>Post them in the Datatracker</a:t>
             </a:r>
-            <a:endParaRPr lang="en-GB" sz="1900" dirty="0"/>
           </a:p>
           <a:p>
             <a:pPr lvl="1"/>
@@ -12296,14 +12231,12 @@
               <a:rPr lang="en-GB" sz="1900" dirty="0"/>
               <a:t>Discuss them on the list</a:t>
             </a:r>
-            <a:endParaRPr lang="en-GB" sz="1900" dirty="0"/>
           </a:p>
           <a:p>
             <a:r>
               <a:rPr lang="en-GB" sz="2100" dirty="0"/>
               <a:t>Solutions drafts in other working groups</a:t>
             </a:r>
-            <a:endParaRPr lang="en-GB" sz="2100" dirty="0"/>
           </a:p>
           <a:p>
             <a:pPr lvl="1"/>
@@ -12311,21 +12244,18 @@
               <a:rPr lang="en-GB" sz="1900" dirty="0"/>
               <a:t>All protocol work is fine if it has use cases and motivation</a:t>
             </a:r>
-            <a:endParaRPr lang="en-GB" sz="1900" dirty="0"/>
           </a:p>
           <a:p>
             <a:r>
               <a:rPr lang="en-GB" sz="2100" dirty="0"/>
               <a:t>Our focus must be on our deliverables and milestones</a:t>
             </a:r>
-            <a:endParaRPr lang="en-GB" sz="2100" dirty="0"/>
           </a:p>
           <a:p>
             <a:r>
               <a:rPr lang="en-GB" sz="2100" dirty="0"/>
               <a:t>Milestones are very clear…</a:t>
             </a:r>
-            <a:endParaRPr lang="en-GB" sz="2100" dirty="0"/>
           </a:p>
         </p:txBody>
       </p:sp>
@@ -12346,6 +12276,7 @@
           <a:p>
             <a:fld id="{BA9B540C-44DA-4F69-89C9-7C84606640D3}" type="slidenum">
               <a:rPr lang="en-US" smtClean="0"/>
+              <a:t>6</a:t>
             </a:fld>
             <a:endParaRPr lang="en-US"/>
           </a:p>
@@ -12372,9 +12303,27 @@
             <a:tbl>
               <a:tblPr/>
               <a:tblGrid>
-                <a:gridCol w="1136650"/>
-                <a:gridCol w="8929370"/>
-                <a:gridCol w="951865"/>
+                <a:gridCol w="1136650">
+                  <a:extLst>
+                    <a:ext uri="{9D8B030D-6E8A-4147-A177-3AD203B41FA5}">
+                      <a16:colId xmlns:a16="http://schemas.microsoft.com/office/drawing/2014/main" val="20000"/>
+                    </a:ext>
+                  </a:extLst>
+                </a:gridCol>
+                <a:gridCol w="8929370">
+                  <a:extLst>
+                    <a:ext uri="{9D8B030D-6E8A-4147-A177-3AD203B41FA5}">
+                      <a16:colId xmlns:a16="http://schemas.microsoft.com/office/drawing/2014/main" val="20001"/>
+                    </a:ext>
+                  </a:extLst>
+                </a:gridCol>
+                <a:gridCol w="951865">
+                  <a:extLst>
+                    <a:ext uri="{9D8B030D-6E8A-4147-A177-3AD203B41FA5}">
+                      <a16:colId xmlns:a16="http://schemas.microsoft.com/office/drawing/2014/main" val="20002"/>
+                    </a:ext>
+                  </a:extLst>
+                </a:gridCol>
               </a:tblGrid>
               <a:tr h="388620">
                 <a:tc>
@@ -12392,12 +12341,6 @@
                         </a:rPr>
                         <a:t>Date</a:t>
                       </a:r>
-                      <a:endParaRPr lang="en-GB" sz="2000" b="1" dirty="0">
-                        <a:solidFill>
-                          <a:schemeClr val="tx1"/>
-                        </a:solidFill>
-                        <a:effectLst/>
-                      </a:endParaRPr>
                     </a:p>
                   </a:txBody>
                   <a:tcPr marL="68202" marR="68202" marT="34101" marB="34101">
@@ -12457,12 +12400,6 @@
                         </a:rPr>
                         <a:t>Milestone</a:t>
                       </a:r>
-                      <a:endParaRPr lang="en-GB" sz="2000" b="1" dirty="0">
-                        <a:solidFill>
-                          <a:schemeClr val="tx1"/>
-                        </a:solidFill>
-                        <a:effectLst/>
-                      </a:endParaRPr>
                     </a:p>
                   </a:txBody>
                   <a:tcPr marL="68202" marR="68202" marT="34101" marB="34101">
@@ -12524,12 +12461,6 @@
                         </a:rPr>
                         <a:t>Status</a:t>
                       </a:r>
-                      <a:endParaRPr lang="en-US" altLang="en-GB" sz="2000" b="1" dirty="0">
-                        <a:solidFill>
-                          <a:schemeClr val="tx1"/>
-                        </a:solidFill>
-                        <a:effectLst/>
-                      </a:endParaRPr>
                     </a:p>
                   </a:txBody>
                   <a:tcPr marL="68202" marR="68202" marT="34101" marB="34101">
@@ -12574,6 +12505,11 @@
                     </a:solidFill>
                   </a:tcPr>
                 </a:tc>
+                <a:extLst>
+                  <a:ext uri="{0D108BD9-81ED-4DB2-BD59-A6C34878D82A}">
+                    <a16:rowId xmlns:a16="http://schemas.microsoft.com/office/drawing/2014/main" val="10000"/>
+                  </a:ext>
+                </a:extLst>
               </a:tr>
               <a:tr h="389890">
                 <a:tc>
@@ -12587,9 +12523,6 @@
                         </a:rPr>
                         <a:t>Jul 2023</a:t>
                       </a:r>
-                      <a:endParaRPr lang="en-GB" sz="1600" b="1" dirty="0">
-                        <a:effectLst/>
-                      </a:endParaRPr>
                     </a:p>
                   </a:txBody>
                   <a:tcPr marL="68202" marR="68202" marT="34101" marB="34101" anchor="ctr">
@@ -12645,9 +12578,6 @@
                         </a:rPr>
                         <a:t>Adopt the CATS Problem Statement, Use Cases, Gap Analysis, and Requirements documents</a:t>
                       </a:r>
-                      <a:endParaRPr lang="en-GB" sz="1600" b="1" dirty="0">
-                        <a:effectLst/>
-                      </a:endParaRPr>
                     </a:p>
                   </a:txBody>
                   <a:tcPr marL="68202" marR="68202" marT="34101" marB="34101" anchor="ctr">
@@ -12706,9 +12636,6 @@
                         </a:rPr>
                         <a:t>Done</a:t>
                       </a:r>
-                      <a:endParaRPr lang="en-US" altLang="en-GB" sz="1600" b="1" dirty="0">
-                        <a:effectLst/>
-                      </a:endParaRPr>
                     </a:p>
                   </a:txBody>
                   <a:tcPr marL="68202" marR="68202" marT="34101" marB="34101" anchor="ctr">
@@ -12753,6 +12680,11 @@
                     </a:solidFill>
                   </a:tcPr>
                 </a:tc>
+                <a:extLst>
+                  <a:ext uri="{0D108BD9-81ED-4DB2-BD59-A6C34878D82A}">
+                    <a16:rowId xmlns:a16="http://schemas.microsoft.com/office/drawing/2014/main" val="10001"/>
+                  </a:ext>
+                </a:extLst>
               </a:tr>
               <a:tr h="375285">
                 <a:tc>
@@ -12766,9 +12698,6 @@
                         </a:rPr>
                         <a:t>Jul 2024</a:t>
                       </a:r>
-                      <a:endParaRPr lang="en-GB" sz="1600" b="1" dirty="0">
-                        <a:effectLst/>
-                      </a:endParaRPr>
                     </a:p>
                   </a:txBody>
                   <a:tcPr marL="68202" marR="68202" marT="34101" marB="34101" anchor="ctr">
@@ -12824,9 +12753,6 @@
                         </a:rPr>
                         <a:t>Adopt the CATS Framework and Architecture document</a:t>
                       </a:r>
-                      <a:endParaRPr lang="en-GB" sz="1600" b="1" dirty="0">
-                        <a:effectLst/>
-                      </a:endParaRPr>
                     </a:p>
                   </a:txBody>
                   <a:tcPr marL="68202" marR="68202" marT="34101" marB="34101" anchor="ctr">
@@ -12886,10 +12812,6 @@
                         </a:rPr>
                         <a:t>Done</a:t>
                       </a:r>
-                      <a:endParaRPr lang="en-US" altLang="en-GB" sz="1600" b="1" dirty="0">
-                        <a:effectLst/>
-                        <a:sym typeface="+mn-ea"/>
-                      </a:endParaRPr>
                     </a:p>
                   </a:txBody>
                   <a:tcPr marL="68202" marR="68202" marT="34101" marB="34101" anchor="ctr">
@@ -12934,6 +12856,11 @@
                     </a:solidFill>
                   </a:tcPr>
                 </a:tc>
+                <a:extLst>
+                  <a:ext uri="{0D108BD9-81ED-4DB2-BD59-A6C34878D82A}">
+                    <a16:rowId xmlns:a16="http://schemas.microsoft.com/office/drawing/2014/main" val="10002"/>
+                  </a:ext>
+                </a:extLst>
               </a:tr>
               <a:tr h="375285">
                 <a:tc>
@@ -12953,12 +12880,6 @@
                         </a:rPr>
                         <a:t>Mar 2025</a:t>
                       </a:r>
-                      <a:endParaRPr lang="en-US" altLang="en-GB" sz="1600" b="1" dirty="0">
-                        <a:solidFill>
-                          <a:srgbClr val="FF0000"/>
-                        </a:solidFill>
-                        <a:effectLst/>
-                      </a:endParaRPr>
                     </a:p>
                   </a:txBody>
                   <a:tcPr marL="68202" marR="68202" marT="34101" marB="34101" anchor="ctr">
@@ -13020,12 +12941,6 @@
                         </a:rPr>
                         <a:t>Adopt document describing CATS metrics (NEW)</a:t>
                       </a:r>
-                      <a:endParaRPr lang="en-GB" altLang="en-US" sz="1600" b="1" dirty="0">
-                        <a:solidFill>
-                          <a:srgbClr val="FF0000"/>
-                        </a:solidFill>
-                        <a:effectLst/>
-                      </a:endParaRPr>
                     </a:p>
                   </a:txBody>
                   <a:tcPr marL="68202" marR="68202" marT="34101" marB="34101" anchor="ctr">
@@ -13126,6 +13041,11 @@
                     </a:solidFill>
                   </a:tcPr>
                 </a:tc>
+                <a:extLst>
+                  <a:ext uri="{0D108BD9-81ED-4DB2-BD59-A6C34878D82A}">
+                    <a16:rowId xmlns:a16="http://schemas.microsoft.com/office/drawing/2014/main" val="10003"/>
+                  </a:ext>
+                </a:extLst>
               </a:tr>
               <a:tr h="443865">
                 <a:tc>
@@ -13139,9 +13059,6 @@
                         </a:rPr>
                         <a:t>Nov 2025</a:t>
                       </a:r>
-                      <a:endParaRPr lang="en-GB" sz="1600" b="1" dirty="0">
-                        <a:effectLst/>
-                      </a:endParaRPr>
                     </a:p>
                   </a:txBody>
                   <a:tcPr marL="68202" marR="68202" marT="34101" marB="34101" anchor="ctr">
@@ -13197,9 +13114,6 @@
                         </a:rPr>
                         <a:t>Submit the CATS Framework and Architecture document to the IESG for publication as Informational</a:t>
                       </a:r>
-                      <a:endParaRPr lang="en-GB" sz="1600" b="1" dirty="0">
-                        <a:effectLst/>
-                      </a:endParaRPr>
                     </a:p>
                   </a:txBody>
                   <a:tcPr marL="68202" marR="68202" marT="34101" marB="34101" anchor="ctr">
@@ -13299,6 +13213,11 @@
                     </a:solidFill>
                   </a:tcPr>
                 </a:tc>
+                <a:extLst>
+                  <a:ext uri="{0D108BD9-81ED-4DB2-BD59-A6C34878D82A}">
+                    <a16:rowId xmlns:a16="http://schemas.microsoft.com/office/drawing/2014/main" val="10004"/>
+                  </a:ext>
+                </a:extLst>
               </a:tr>
               <a:tr h="443865">
                 <a:tc>
@@ -13318,12 +13237,6 @@
                         </a:rPr>
                         <a:t>Mar 2026</a:t>
                       </a:r>
-                      <a:endParaRPr lang="en-GB" altLang="en-US" sz="1600" b="1" dirty="0">
-                        <a:solidFill>
-                          <a:srgbClr val="FF0000"/>
-                        </a:solidFill>
-                        <a:effectLst/>
-                      </a:endParaRPr>
                     </a:p>
                   </a:txBody>
                   <a:tcPr marL="68202" marR="68202" marT="34101" marB="34101" anchor="ctr">
@@ -13385,12 +13298,6 @@
                         </a:rPr>
                         <a:t>Submit document describing CATS metrics to the IESG for publication as Informational (NEW)</a:t>
                       </a:r>
-                      <a:endParaRPr lang="en-GB" altLang="en-US" sz="1600" b="1" dirty="0">
-                        <a:solidFill>
-                          <a:srgbClr val="FF0000"/>
-                        </a:solidFill>
-                        <a:effectLst/>
-                      </a:endParaRPr>
                     </a:p>
                   </a:txBody>
                   <a:tcPr marL="68202" marR="68202" marT="34101" marB="34101" anchor="ctr">
@@ -13490,6 +13397,11 @@
                     </a:solidFill>
                   </a:tcPr>
                 </a:tc>
+                <a:extLst>
+                  <a:ext uri="{0D108BD9-81ED-4DB2-BD59-A6C34878D82A}">
+                    <a16:rowId xmlns:a16="http://schemas.microsoft.com/office/drawing/2014/main" val="10005"/>
+                  </a:ext>
+                </a:extLst>
               </a:tr>
             </a:tbl>
           </a:graphicData>
@@ -13519,7 +13431,6 @@
               <a:rPr lang="en-US" dirty="0"/>
               <a:t>CATS WG - IETF 121, Dublin – November 2024</a:t>
             </a:r>
-            <a:endParaRPr lang="en-US" dirty="0"/>
           </a:p>
         </p:txBody>
       </p:sp>
@@ -13567,7 +13478,6 @@
               <a:rPr lang="fr-FR" dirty="0"/>
               <a:t>Meeting Goals</a:t>
             </a:r>
-            <a:endParaRPr lang="fr-FR" dirty="0"/>
           </a:p>
         </p:txBody>
       </p:sp>
@@ -13600,7 +13510,6 @@
               <a:rPr lang="en-US" dirty="0"/>
               <a:t> the Use Cases: Decide whether a set of individual use cases are:</a:t>
             </a:r>
-            <a:endParaRPr lang="en-US" dirty="0"/>
           </a:p>
           <a:p>
             <a:pPr lvl="1"/>
@@ -13608,7 +13517,6 @@
               <a:rPr lang="en-US" dirty="0"/>
               <a:t>overlapping with the ones already included in the CATS adopted document,</a:t>
             </a:r>
-            <a:endParaRPr lang="en-US" dirty="0"/>
           </a:p>
           <a:p>
             <a:pPr lvl="1"/>
@@ -13616,7 +13524,6 @@
               <a:rPr lang="en-US" dirty="0"/>
               <a:t>worth to be covered in the CATS documents, or</a:t>
             </a:r>
-            <a:endParaRPr lang="en-US" dirty="0"/>
           </a:p>
           <a:p>
             <a:pPr lvl="1"/>
@@ -13624,7 +13531,6 @@
               <a:rPr lang="en-US" dirty="0"/>
               <a:t>to be abandoned</a:t>
             </a:r>
-            <a:endParaRPr lang="en-US" dirty="0"/>
           </a:p>
           <a:p>
             <a:endParaRPr lang="en-US" dirty="0"/>
@@ -13642,7 +13548,6 @@
               <a:rPr lang="en-US" dirty="0"/>
               <a:t> how the requirements are derived from the various use cases</a:t>
             </a:r>
-            <a:endParaRPr lang="en-US" dirty="0"/>
           </a:p>
           <a:p>
             <a:endParaRPr lang="en-US" dirty="0"/>
@@ -13664,7 +13569,6 @@
               <a:rPr lang="en-US" dirty="0"/>
               <a:t>item</a:t>
             </a:r>
-            <a:endParaRPr lang="en-US" dirty="0"/>
           </a:p>
         </p:txBody>
       </p:sp>
@@ -13685,6 +13589,7 @@
           <a:p>
             <a:fld id="{BA9B540C-44DA-4F69-89C9-7C84606640D3}" type="slidenum">
               <a:rPr lang="en-US" smtClean="0"/>
+              <a:t>7</a:t>
             </a:fld>
             <a:endParaRPr lang="en-US"/>
           </a:p>
@@ -13708,12 +13613,12 @@
         </p:spPr>
         <p:txBody>
           <a:bodyPr/>
+          <a:lstStyle/>
           <a:p>
             <a:r>
               <a:rPr lang="en-US" dirty="0"/>
               <a:t>CATS WG - IETF 121, Dublin – November 2024</a:t>
             </a:r>
-            <a:endParaRPr lang="en-US" dirty="0"/>
           </a:p>
         </p:txBody>
       </p:sp>
@@ -13761,7 +13666,6 @@
               <a:rPr lang="fr-FR" dirty="0"/>
               <a:t>Agenda</a:t>
             </a:r>
-            <a:endParaRPr lang="fr-FR" dirty="0"/>
           </a:p>
         </p:txBody>
       </p:sp>
@@ -13782,6 +13686,7 @@
           <a:p>
             <a:fld id="{BA9B540C-44DA-4F69-89C9-7C84606640D3}" type="slidenum">
               <a:rPr lang="en-US" smtClean="0"/>
+              <a:t>8</a:t>
             </a:fld>
             <a:endParaRPr lang="en-US"/>
           </a:p>
@@ -13796,7 +13701,7 @@
           <p:nvPr/>
         </p:nvPicPr>
         <p:blipFill>
-          <a:blip r:embed="rId1"/>
+          <a:blip r:embed="rId2"/>
           <a:stretch>
             <a:fillRect/>
           </a:stretch>
@@ -13835,7 +13740,6 @@
               <a:rPr lang="en-US" dirty="0"/>
               <a:t>CATS WG - IETF 121, Dublin – November 2024</a:t>
             </a:r>
-            <a:endParaRPr lang="en-US" dirty="0"/>
           </a:p>
         </p:txBody>
       </p:sp>
@@ -13883,7 +13787,6 @@
               <a:rPr lang="fr-FR" dirty="0"/>
               <a:t>Flash Teasers</a:t>
             </a:r>
-            <a:endParaRPr lang="fr-FR" dirty="0"/>
           </a:p>
         </p:txBody>
       </p:sp>
@@ -13912,9 +13815,8 @@
             </a:r>
             <a:r>
               <a:rPr lang="en-US" dirty="0"/>
-              <a:t> introduction to some individual I-D</a:t>
-            </a:r>
-            <a:endParaRPr lang="en-US" dirty="0"/>
+              <a:t> introduction to some individual I-Ds</a:t>
+            </a:r>
           </a:p>
           <a:p>
             <a:endParaRPr lang="en-US" dirty="0"/>
@@ -13944,11 +13846,6 @@
               </a:rPr>
               <a:t>fits the WG charter</a:t>
             </a:r>
-            <a:endParaRPr lang="en-US" b="1" i="1" dirty="0">
-              <a:solidFill>
-                <a:srgbClr val="00B0F0"/>
-              </a:solidFill>
-            </a:endParaRPr>
           </a:p>
           <a:p>
             <a:endParaRPr lang="en-US" dirty="0"/>
@@ -13968,9 +13865,8 @@
             </a:r>
             <a:r>
               <a:rPr lang="en-US" dirty="0"/>
-              <a:t>in future meeting</a:t>
-            </a:r>
-            <a:endParaRPr lang="en-US" dirty="0"/>
+              <a:t>in future meetings</a:t>
+            </a:r>
           </a:p>
         </p:txBody>
       </p:sp>
@@ -13991,6 +13887,7 @@
           <a:p>
             <a:fld id="{BA9B540C-44DA-4F69-89C9-7C84606640D3}" type="slidenum">
               <a:rPr lang="en-US" smtClean="0"/>
+              <a:t>9</a:t>
             </a:fld>
             <a:endParaRPr lang="en-US"/>
           </a:p>
@@ -14020,7 +13917,6 @@
               <a:rPr lang="en-US" dirty="0"/>
               <a:t>CATS WG - IETF 121, Dublin – November 2024</a:t>
             </a:r>
-            <a:endParaRPr lang="en-US" dirty="0"/>
           </a:p>
         </p:txBody>
       </p:sp>
@@ -14033,21 +13929,21 @@
 </file>
 
 <file path=ppt/tags/tag1.xml><?xml version="1.0" encoding="utf-8"?>
-<p:tagLst xmlns:p="http://schemas.openxmlformats.org/presentationml/2006/main">
+<p:tagLst xmlns:a="http://schemas.openxmlformats.org/drawingml/2006/main" xmlns:r="http://schemas.openxmlformats.org/officeDocument/2006/relationships" xmlns:p="http://schemas.openxmlformats.org/presentationml/2006/main">
   <p:tag name="TABLE_ENDDRAG_ORIGIN_RECT" val="867*122"/>
   <p:tag name="TABLE_ENDDRAG_RECT" val="46*293*867*122"/>
 </p:tagLst>
 </file>
 
 <file path=ppt/tags/tag2.xml><?xml version="1.0" encoding="utf-8"?>
-<p:tagLst xmlns:p="http://schemas.openxmlformats.org/presentationml/2006/main">
+<p:tagLst xmlns:a="http://schemas.openxmlformats.org/drawingml/2006/main" xmlns:r="http://schemas.openxmlformats.org/officeDocument/2006/relationships" xmlns:p="http://schemas.openxmlformats.org/presentationml/2006/main">
   <p:tag name="TABLE_ENDDRAG_ORIGIN_RECT" val="900*495"/>
   <p:tag name="TABLE_ENDDRAG_RECT" val="17*40*900*495"/>
 </p:tagLst>
 </file>
 
 <file path=ppt/tags/tag3.xml><?xml version="1.0" encoding="utf-8"?>
-<p:tagLst xmlns:p="http://schemas.openxmlformats.org/presentationml/2006/main">
+<p:tagLst xmlns:a="http://schemas.openxmlformats.org/drawingml/2006/main" xmlns:r="http://schemas.openxmlformats.org/officeDocument/2006/relationships" xmlns:p="http://schemas.openxmlformats.org/presentationml/2006/main">
   <p:tag name="TABLE_ENDDRAG_ORIGIN_RECT" val="900*495"/>
   <p:tag name="TABLE_ENDDRAG_RECT" val="17*40*900*495"/>
 </p:tagLst>
@@ -14369,6 +14265,7 @@
       </a:style>
     </a:lnDef>
   </a:objectDefaults>
+  <a:extraClrSchemeLst/>
   <a:extLst>
     <a:ext uri="{05A4C25C-085E-4340-85A3-A5531E510DB2}">
       <thm15:themeFamily xmlns:thm15="http://schemas.microsoft.com/office/thememl/2012/main" name="Office Theme" id="{62F939B6-93AF-4DB8-9C6B-D6C7DFDC589F}" vid="{4A3C46E8-61CC-4603-A589-7422A47A8E4A}"/>
@@ -14693,6 +14590,7 @@
       </a:style>
     </a:lnDef>
   </a:objectDefaults>
+  <a:extraClrSchemeLst/>
   <a:extLst>
     <a:ext uri="{05A4C25C-085E-4340-85A3-A5531E510DB2}">
       <thm15:themeFamily xmlns:thm15="http://schemas.microsoft.com/office/thememl/2012/main" name="Office Theme" id="{62F939B6-93AF-4DB8-9C6B-D6C7DFDC589F}" vid="{4A3C46E8-61CC-4603-A589-7422A47A8E4A}"/>
@@ -14981,10 +14879,18 @@
       </a:bgFillStyleLst>
     </a:fmtScheme>
   </a:themeElements>
+  <a:objectDefaults/>
+  <a:extraClrSchemeLst/>
   <a:extLst>
     <a:ext uri="{05A4C25C-085E-4340-85A3-A5531E510DB2}">
       <thm15:themeFamily xmlns:thm15="http://schemas.microsoft.com/office/thememl/2012/main" name="Office Theme" id="{62F939B6-93AF-4DB8-9C6B-D6C7DFDC589F}" vid="{4A3C46E8-61CC-4603-A589-7422A47A8E4A}"/>
     </a:ext>
   </a:extLst>
 </a:theme>
+</file>
+
+<file path=docMetadata/LabelInfo.xml><?xml version="1.0" encoding="utf-8"?>
+<clbl:labelList xmlns:clbl="http://schemas.microsoft.com/office/2020/mipLabelMetadata">
+  <clbl:label id="{07222825-62ea-40f3-96b5-5375c07996e2}" enabled="1" method="Privileged" siteId="{90c7a20a-f34b-40bf-bc48-b9253b6f5d20}" removed="0"/>
+</clbl:labelList>
 </file>